--- a/Week2/Day1/ApproachestoWebDevelopment.pptx
+++ b/Week2/Day1/ApproachestoWebDevelopment.pptx
@@ -21,7 +21,6 @@
     <p:sldId id="266" r:id="rId18"/>
     <p:sldId id="267" r:id="rId19"/>
     <p:sldId id="268" r:id="rId20"/>
-    <p:sldId id="269" r:id="rId21"/>
   </p:sldIdLst>
   <p:sldSz cx="9144000" cy="5143500"/>
   <p:notesSz cx="6858000" cy="9144000"/>
@@ -76,9 +75,9 @@
         </a:solidFill>
         <a:effectLst/>
         <a:uFillTx/>
-        <a:latin typeface="+mn-lt"/>
-        <a:ea typeface="+mn-ea"/>
-        <a:cs typeface="+mn-cs"/>
+        <a:latin typeface="+mj-lt"/>
+        <a:ea typeface="+mj-ea"/>
+        <a:cs typeface="+mj-cs"/>
         <a:sym typeface="Arial"/>
       </a:defRPr>
     </a:lvl1pPr>
@@ -106,9 +105,9 @@
         </a:solidFill>
         <a:effectLst/>
         <a:uFillTx/>
-        <a:latin typeface="+mn-lt"/>
-        <a:ea typeface="+mn-ea"/>
-        <a:cs typeface="+mn-cs"/>
+        <a:latin typeface="+mj-lt"/>
+        <a:ea typeface="+mj-ea"/>
+        <a:cs typeface="+mj-cs"/>
         <a:sym typeface="Arial"/>
       </a:defRPr>
     </a:lvl2pPr>
@@ -136,9 +135,9 @@
         </a:solidFill>
         <a:effectLst/>
         <a:uFillTx/>
-        <a:latin typeface="+mn-lt"/>
-        <a:ea typeface="+mn-ea"/>
-        <a:cs typeface="+mn-cs"/>
+        <a:latin typeface="+mj-lt"/>
+        <a:ea typeface="+mj-ea"/>
+        <a:cs typeface="+mj-cs"/>
         <a:sym typeface="Arial"/>
       </a:defRPr>
     </a:lvl3pPr>
@@ -166,9 +165,9 @@
         </a:solidFill>
         <a:effectLst/>
         <a:uFillTx/>
-        <a:latin typeface="+mn-lt"/>
-        <a:ea typeface="+mn-ea"/>
-        <a:cs typeface="+mn-cs"/>
+        <a:latin typeface="+mj-lt"/>
+        <a:ea typeface="+mj-ea"/>
+        <a:cs typeface="+mj-cs"/>
         <a:sym typeface="Arial"/>
       </a:defRPr>
     </a:lvl4pPr>
@@ -196,9 +195,9 @@
         </a:solidFill>
         <a:effectLst/>
         <a:uFillTx/>
-        <a:latin typeface="+mn-lt"/>
-        <a:ea typeface="+mn-ea"/>
-        <a:cs typeface="+mn-cs"/>
+        <a:latin typeface="+mj-lt"/>
+        <a:ea typeface="+mj-ea"/>
+        <a:cs typeface="+mj-cs"/>
         <a:sym typeface="Arial"/>
       </a:defRPr>
     </a:lvl5pPr>
@@ -226,9 +225,9 @@
         </a:solidFill>
         <a:effectLst/>
         <a:uFillTx/>
-        <a:latin typeface="+mn-lt"/>
-        <a:ea typeface="+mn-ea"/>
-        <a:cs typeface="+mn-cs"/>
+        <a:latin typeface="+mj-lt"/>
+        <a:ea typeface="+mj-ea"/>
+        <a:cs typeface="+mj-cs"/>
         <a:sym typeface="Arial"/>
       </a:defRPr>
     </a:lvl6pPr>
@@ -256,9 +255,9 @@
         </a:solidFill>
         <a:effectLst/>
         <a:uFillTx/>
-        <a:latin typeface="+mn-lt"/>
-        <a:ea typeface="+mn-ea"/>
-        <a:cs typeface="+mn-cs"/>
+        <a:latin typeface="+mj-lt"/>
+        <a:ea typeface="+mj-ea"/>
+        <a:cs typeface="+mj-cs"/>
         <a:sym typeface="Arial"/>
       </a:defRPr>
     </a:lvl7pPr>
@@ -286,9 +285,9 @@
         </a:solidFill>
         <a:effectLst/>
         <a:uFillTx/>
-        <a:latin typeface="+mn-lt"/>
-        <a:ea typeface="+mn-ea"/>
-        <a:cs typeface="+mn-cs"/>
+        <a:latin typeface="+mj-lt"/>
+        <a:ea typeface="+mj-ea"/>
+        <a:cs typeface="+mj-cs"/>
         <a:sym typeface="Arial"/>
       </a:defRPr>
     </a:lvl8pPr>
@@ -316,9 +315,9 @@
         </a:solidFill>
         <a:effectLst/>
         <a:uFillTx/>
-        <a:latin typeface="+mn-lt"/>
-        <a:ea typeface="+mn-ea"/>
-        <a:cs typeface="+mn-cs"/>
+        <a:latin typeface="+mj-lt"/>
+        <a:ea typeface="+mj-ea"/>
+        <a:cs typeface="+mj-cs"/>
         <a:sym typeface="Arial"/>
       </a:defRPr>
     </a:lvl9pPr>
@@ -403,73 +402,73 @@
   <p:notesStyle>
     <a:lvl1pPr latinLnBrk="0">
       <a:defRPr sz="1400">
-        <a:latin typeface="+mn-lt"/>
-        <a:ea typeface="+mn-ea"/>
-        <a:cs typeface="+mn-cs"/>
+        <a:latin typeface="+mj-lt"/>
+        <a:ea typeface="+mj-ea"/>
+        <a:cs typeface="+mj-cs"/>
         <a:sym typeface="Arial"/>
       </a:defRPr>
     </a:lvl1pPr>
     <a:lvl2pPr indent="228600" latinLnBrk="0">
       <a:defRPr sz="1400">
-        <a:latin typeface="+mn-lt"/>
-        <a:ea typeface="+mn-ea"/>
-        <a:cs typeface="+mn-cs"/>
+        <a:latin typeface="+mj-lt"/>
+        <a:ea typeface="+mj-ea"/>
+        <a:cs typeface="+mj-cs"/>
         <a:sym typeface="Arial"/>
       </a:defRPr>
     </a:lvl2pPr>
     <a:lvl3pPr indent="457200" latinLnBrk="0">
       <a:defRPr sz="1400">
-        <a:latin typeface="+mn-lt"/>
-        <a:ea typeface="+mn-ea"/>
-        <a:cs typeface="+mn-cs"/>
+        <a:latin typeface="+mj-lt"/>
+        <a:ea typeface="+mj-ea"/>
+        <a:cs typeface="+mj-cs"/>
         <a:sym typeface="Arial"/>
       </a:defRPr>
     </a:lvl3pPr>
     <a:lvl4pPr indent="685800" latinLnBrk="0">
       <a:defRPr sz="1400">
-        <a:latin typeface="+mn-lt"/>
-        <a:ea typeface="+mn-ea"/>
-        <a:cs typeface="+mn-cs"/>
+        <a:latin typeface="+mj-lt"/>
+        <a:ea typeface="+mj-ea"/>
+        <a:cs typeface="+mj-cs"/>
         <a:sym typeface="Arial"/>
       </a:defRPr>
     </a:lvl4pPr>
     <a:lvl5pPr indent="914400" latinLnBrk="0">
       <a:defRPr sz="1400">
-        <a:latin typeface="+mn-lt"/>
-        <a:ea typeface="+mn-ea"/>
-        <a:cs typeface="+mn-cs"/>
+        <a:latin typeface="+mj-lt"/>
+        <a:ea typeface="+mj-ea"/>
+        <a:cs typeface="+mj-cs"/>
         <a:sym typeface="Arial"/>
       </a:defRPr>
     </a:lvl5pPr>
     <a:lvl6pPr indent="1143000" latinLnBrk="0">
       <a:defRPr sz="1400">
-        <a:latin typeface="+mn-lt"/>
-        <a:ea typeface="+mn-ea"/>
-        <a:cs typeface="+mn-cs"/>
+        <a:latin typeface="+mj-lt"/>
+        <a:ea typeface="+mj-ea"/>
+        <a:cs typeface="+mj-cs"/>
         <a:sym typeface="Arial"/>
       </a:defRPr>
     </a:lvl6pPr>
     <a:lvl7pPr indent="1371600" latinLnBrk="0">
       <a:defRPr sz="1400">
-        <a:latin typeface="+mn-lt"/>
-        <a:ea typeface="+mn-ea"/>
-        <a:cs typeface="+mn-cs"/>
+        <a:latin typeface="+mj-lt"/>
+        <a:ea typeface="+mj-ea"/>
+        <a:cs typeface="+mj-cs"/>
         <a:sym typeface="Arial"/>
       </a:defRPr>
     </a:lvl7pPr>
     <a:lvl8pPr indent="1600200" latinLnBrk="0">
       <a:defRPr sz="1400">
-        <a:latin typeface="+mn-lt"/>
-        <a:ea typeface="+mn-ea"/>
-        <a:cs typeface="+mn-cs"/>
+        <a:latin typeface="+mj-lt"/>
+        <a:ea typeface="+mj-ea"/>
+        <a:cs typeface="+mj-cs"/>
         <a:sym typeface="Arial"/>
       </a:defRPr>
     </a:lvl8pPr>
     <a:lvl9pPr indent="1828800" latinLnBrk="0">
       <a:defRPr sz="1400">
-        <a:latin typeface="+mn-lt"/>
-        <a:ea typeface="+mn-ea"/>
-        <a:cs typeface="+mn-cs"/>
+        <a:latin typeface="+mj-lt"/>
+        <a:ea typeface="+mj-ea"/>
+        <a:cs typeface="+mj-cs"/>
         <a:sym typeface="Arial"/>
       </a:defRPr>
     </a:lvl9pPr>
@@ -496,7 +495,7 @@
       </p:grpSpPr>
       <p:sp>
         <p:nvSpPr>
-          <p:cNvPr id="224" name="Shape 224"/>
+          <p:cNvPr id="223" name="Shape 223"/>
           <p:cNvSpPr/>
           <p:nvPr>
             <p:ph type="sldImg"/>
@@ -517,7 +516,7 @@
       </p:sp>
       <p:sp>
         <p:nvSpPr>
-          <p:cNvPr id="225" name="Shape 225"/>
+          <p:cNvPr id="224" name="Shape 224"/>
           <p:cNvSpPr/>
           <p:nvPr>
             <p:ph type="body" sz="quarter" idx="1"/>
@@ -530,8 +529,9 @@
         </p:spPr>
         <p:txBody>
           <a:bodyPr/>
-          <a:lstStyle>
-            <a:lvl1pPr algn="just">
+          <a:lstStyle/>
+          <a:p>
+            <a:pPr algn="just">
               <a:lnSpc>
                 <a:spcPct val="125000"/>
               </a:lnSpc>
@@ -541,12 +541,38 @@
                 <a:cs typeface="Montserrat Light"/>
                 <a:sym typeface="Montserrat Light"/>
               </a:defRPr>
-            </a:lvl1pPr>
-          </a:lstStyle>
-          <a:p>
-            <a:pPr/>
-            <a:r>
-              <a:t>There is not usually a right or wrong language to use for web development. Each programming language has its own strengths and weaknesses. When deciding which programming language to use when creating web applications, it is good to consider its strengths and weaknesses and choose a language best suited to the project you are working on. A decision will often be made based on personal preference and the preferences and experience of the development team. </a:t>
+            </a:pPr>
+            <a:r>
+              <a:t>A framework is a basic structure that supports something. A web framework, or a web application framework, is a framework that provides web developers support when developing web applications.  </a:t>
+            </a:r>
+          </a:p>
+          <a:p>
+            <a:pPr algn="just">
+              <a:lnSpc>
+                <a:spcPct val="125000"/>
+              </a:lnSpc>
+              <a:defRPr sz="1100">
+                <a:latin typeface="Montserrat Light"/>
+                <a:ea typeface="Montserrat Light"/>
+                <a:cs typeface="Montserrat Light"/>
+                <a:sym typeface="Montserrat Light"/>
+              </a:defRPr>
+            </a:pPr>
+          </a:p>
+          <a:p>
+            <a:pPr algn="just">
+              <a:lnSpc>
+                <a:spcPct val="125000"/>
+              </a:lnSpc>
+              <a:defRPr sz="1100">
+                <a:latin typeface="Montserrat Light"/>
+                <a:ea typeface="Montserrat Light"/>
+                <a:cs typeface="Montserrat Light"/>
+                <a:sym typeface="Montserrat Light"/>
+              </a:defRPr>
+            </a:pPr>
+            <a:r>
+              <a:t>Web frameworks are used by developers to write their code. They are made up of a number of software components that make it quicker and easier for a web developer to create web applications. They are collections of functions, objects, rules and other code constructs designed to solve common problems, speed up development and simplify the different types of tasks faced in a particular domain.  Frameworks can be used for both client and server-side code, however the domains, and therefore the frameworks,  are very different. </a:t>
             </a:r>
           </a:p>
         </p:txBody>
@@ -578,7 +604,7 @@
       </p:grpSpPr>
       <p:sp>
         <p:nvSpPr>
-          <p:cNvPr id="289" name="Shape 289"/>
+          <p:cNvPr id="290" name="Shape 290"/>
           <p:cNvSpPr/>
           <p:nvPr>
             <p:ph type="sldImg"/>
@@ -599,89 +625,7 @@
       </p:sp>
       <p:sp>
         <p:nvSpPr>
-          <p:cNvPr id="290" name="Shape 290"/>
-          <p:cNvSpPr/>
-          <p:nvPr>
-            <p:ph type="body" sz="quarter" idx="1"/>
-          </p:nvPr>
-        </p:nvSpPr>
-        <p:spPr>
-          <a:prstGeom prst="rect">
-            <a:avLst/>
-          </a:prstGeom>
-        </p:spPr>
-        <p:txBody>
-          <a:bodyPr/>
-          <a:lstStyle>
-            <a:lvl1pPr indent="457200" algn="just">
-              <a:lnSpc>
-                <a:spcPct val="150000"/>
-              </a:lnSpc>
-              <a:defRPr sz="1100">
-                <a:latin typeface="Montserrat Light"/>
-                <a:ea typeface="Montserrat Light"/>
-                <a:cs typeface="Montserrat Light"/>
-                <a:sym typeface="Montserrat Light"/>
-              </a:defRPr>
-            </a:lvl1pPr>
-          </a:lstStyle>
-          <a:p>
-            <a:pPr/>
-            <a:r>
-              <a:t>The broker topology is depicted in the next image. As you can see, it works in a similar way to the mediator topology, only there is no mediator. This topology is used when there is relatively simple event processing and an event mediator is not needed to do event orchestration. </a:t>
-            </a:r>
-          </a:p>
-        </p:txBody>
-      </p:sp>
-    </p:spTree>
-  </p:cSld>
-  <p:clrMapOvr>
-    <a:masterClrMapping/>
-  </p:clrMapOvr>
-</p:notes>
-</file>
-
-<file path=ppt/notesSlides/notesSlide11.xml><?xml version="1.0" encoding="utf-8"?>
-<p:notes xmlns:a="http://schemas.openxmlformats.org/drawingml/2006/main" xmlns:r="http://schemas.openxmlformats.org/officeDocument/2006/relationships" xmlns:p="http://schemas.openxmlformats.org/presentationml/2006/main" xmlns:m="http://schemas.openxmlformats.org/officeDocument/2006/math" xmlns:a14="http://schemas.microsoft.com/office/drawing/2010/main" showMasterSp="1" showMasterPhAnim="1">
-  <p:cSld>
-    <p:spTree>
-      <p:nvGrpSpPr>
-        <p:cNvPr id="1" name=""/>
-        <p:cNvGrpSpPr/>
-        <p:nvPr/>
-      </p:nvGrpSpPr>
-      <p:grpSpPr>
-        <a:xfrm>
-          <a:off x="0" y="0"/>
-          <a:ext cx="0" cy="0"/>
-          <a:chOff x="0" y="0"/>
-          <a:chExt cx="0" cy="0"/>
-        </a:xfrm>
-      </p:grpSpPr>
-      <p:sp>
-        <p:nvSpPr>
-          <p:cNvPr id="297" name="Shape 297"/>
-          <p:cNvSpPr/>
-          <p:nvPr>
-            <p:ph type="sldImg"/>
-          </p:nvPr>
-        </p:nvSpPr>
-        <p:spPr>
-          <a:prstGeom prst="rect">
-            <a:avLst/>
-          </a:prstGeom>
-        </p:spPr>
-        <p:txBody>
-          <a:bodyPr/>
-          <a:lstStyle/>
-          <a:p>
-            <a:pPr/>
-          </a:p>
-        </p:txBody>
-      </p:sp>
-      <p:sp>
-        <p:nvSpPr>
-          <p:cNvPr id="298" name="Shape 298"/>
+          <p:cNvPr id="291" name="Shape 291"/>
           <p:cNvSpPr/>
           <p:nvPr>
             <p:ph type="body" sz="quarter" idx="1"/>
@@ -716,14 +660,13 @@
               <a:lnSpc>
                 <a:spcPct val="150000"/>
               </a:lnSpc>
-              <a:defRPr sz="1100"/>
+              <a:defRPr sz="1100">
+                <a:latin typeface="Montserrat Light"/>
+                <a:ea typeface="Montserrat Light"/>
+                <a:cs typeface="Montserrat Light"/>
+                <a:sym typeface="Montserrat Light"/>
+              </a:defRPr>
             </a:pPr>
-            <a:endParaRPr>
-              <a:latin typeface="Montserrat Light"/>
-              <a:ea typeface="Montserrat Light"/>
-              <a:cs typeface="Montserrat Light"/>
-              <a:sym typeface="Montserrat Light"/>
-            </a:endParaRPr>
           </a:p>
           <a:p>
             <a:pPr algn="just">
@@ -770,7 +713,7 @@
       </p:grpSpPr>
       <p:sp>
         <p:nvSpPr>
-          <p:cNvPr id="230" name="Shape 230"/>
+          <p:cNvPr id="229" name="Shape 229"/>
           <p:cNvSpPr/>
           <p:nvPr>
             <p:ph type="sldImg"/>
@@ -791,7 +734,7 @@
       </p:sp>
       <p:sp>
         <p:nvSpPr>
-          <p:cNvPr id="231" name="Shape 231"/>
+          <p:cNvPr id="230" name="Shape 230"/>
           <p:cNvSpPr/>
           <p:nvPr>
             <p:ph type="body" sz="quarter" idx="1"/>
@@ -806,10 +749,16 @@
           <a:bodyPr/>
           <a:lstStyle/>
           <a:p>
-            <a:pPr algn="just">
+            <a:pPr marL="457200" indent="-298450" algn="just">
               <a:lnSpc>
                 <a:spcPct val="125000"/>
               </a:lnSpc>
+              <a:buClr>
+                <a:srgbClr val="000000"/>
+              </a:buClr>
+              <a:buSzPts val="1100"/>
+              <a:buFont typeface="Helvetica"/>
+              <a:buChar char="●"/>
               <a:defRPr sz="1100">
                 <a:latin typeface="Montserrat Light"/>
                 <a:ea typeface="Montserrat Light"/>
@@ -818,28 +767,20 @@
               </a:defRPr>
             </a:pPr>
             <a:r>
-              <a:t>A framework is a basic structure that supports something. A web framework, or a web application framework, is a framework that provides web developers support when developing web applications.  </a:t>
-            </a:r>
-          </a:p>
-          <a:p>
-            <a:pPr algn="just">
+              <a:t>The programming language you will be using. Web frameworks generally support only a few programming languages. You would, therefore, obviously need to look for a framework that you can use to develop web applications in a programming language/languages you can code in.</a:t>
+            </a:r>
+          </a:p>
+          <a:p>
+            <a:pPr marL="457200" indent="-298450" algn="just">
               <a:lnSpc>
                 <a:spcPct val="125000"/>
               </a:lnSpc>
-              <a:defRPr sz="1100"/>
-            </a:pPr>
-            <a:endParaRPr>
-              <a:latin typeface="Montserrat Light"/>
-              <a:ea typeface="Montserrat Light"/>
-              <a:cs typeface="Montserrat Light"/>
-              <a:sym typeface="Montserrat Light"/>
-            </a:endParaRPr>
-          </a:p>
-          <a:p>
-            <a:pPr algn="just">
-              <a:lnSpc>
-                <a:spcPct val="125000"/>
-              </a:lnSpc>
+              <a:buClr>
+                <a:srgbClr val="000000"/>
+              </a:buClr>
+              <a:buSzPts val="1100"/>
+              <a:buFont typeface="Helvetica"/>
+              <a:buChar char="●"/>
               <a:defRPr sz="1100">
                 <a:latin typeface="Montserrat Light"/>
                 <a:ea typeface="Montserrat Light"/>
@@ -848,7 +789,73 @@
               </a:defRPr>
             </a:pPr>
             <a:r>
-              <a:t>Web frameworks are used by developers to write their code. They are made up of a number of software components that make it quicker and easier for a web developer to create web applications. They are collections of functions, objects, rules and other code constructs designed to solve common problems, speed up development and simplify the different types of tasks faced in a particular domain.  Frameworks can be used for both client and server-side code, however the domains, and therefore the frameworks,  are very different. </a:t>
+              <a:t>The popularity of the framework. You want to use a framework that is popular because:</a:t>
+            </a:r>
+          </a:p>
+          <a:p>
+            <a:pPr lvl="1" marL="914400" indent="-298450" algn="just">
+              <a:lnSpc>
+                <a:spcPct val="125000"/>
+              </a:lnSpc>
+              <a:buClr>
+                <a:srgbClr val="000000"/>
+              </a:buClr>
+              <a:buSzPts val="1100"/>
+              <a:buFont typeface="Helvetica"/>
+              <a:buChar char="○"/>
+              <a:defRPr sz="1100">
+                <a:latin typeface="Montserrat Light"/>
+                <a:ea typeface="Montserrat Light"/>
+                <a:cs typeface="Montserrat Light"/>
+                <a:sym typeface="Montserrat Light"/>
+              </a:defRPr>
+            </a:pPr>
+            <a:r>
+              <a:t>it is then more likely to be used in industry, </a:t>
+            </a:r>
+          </a:p>
+          <a:p>
+            <a:pPr lvl="1" marL="914400" indent="-298450" algn="just">
+              <a:lnSpc>
+                <a:spcPct val="125000"/>
+              </a:lnSpc>
+              <a:buClr>
+                <a:srgbClr val="000000"/>
+              </a:buClr>
+              <a:buSzPts val="1100"/>
+              <a:buFont typeface="Helvetica"/>
+              <a:buChar char="○"/>
+              <a:defRPr sz="1100">
+                <a:latin typeface="Montserrat Light"/>
+                <a:ea typeface="Montserrat Light"/>
+                <a:cs typeface="Montserrat Light"/>
+                <a:sym typeface="Montserrat Light"/>
+              </a:defRPr>
+            </a:pPr>
+            <a:r>
+              <a:t>it will, therefore, be around for longer and </a:t>
+            </a:r>
+          </a:p>
+          <a:p>
+            <a:pPr lvl="1" marL="914400" indent="-298450" algn="just">
+              <a:lnSpc>
+                <a:spcPct val="125000"/>
+              </a:lnSpc>
+              <a:buClr>
+                <a:srgbClr val="000000"/>
+              </a:buClr>
+              <a:buSzPts val="1100"/>
+              <a:buFont typeface="Helvetica"/>
+              <a:buChar char="○"/>
+              <a:defRPr sz="1100">
+                <a:latin typeface="Montserrat Light"/>
+                <a:ea typeface="Montserrat Light"/>
+                <a:cs typeface="Montserrat Light"/>
+                <a:sym typeface="Montserrat Light"/>
+              </a:defRPr>
+            </a:pPr>
+            <a:r>
+              <a:t>it is more likely to provide better support and documentation for developers.</a:t>
             </a:r>
           </a:p>
         </p:txBody>
@@ -880,7 +887,7 @@
       </p:grpSpPr>
       <p:sp>
         <p:nvSpPr>
-          <p:cNvPr id="236" name="Shape 236"/>
+          <p:cNvPr id="235" name="Shape 235"/>
           <p:cNvSpPr/>
           <p:nvPr>
             <p:ph type="sldImg"/>
@@ -901,7 +908,7 @@
       </p:sp>
       <p:sp>
         <p:nvSpPr>
-          <p:cNvPr id="237" name="Shape 237"/>
+          <p:cNvPr id="236" name="Shape 236"/>
           <p:cNvSpPr/>
           <p:nvPr>
             <p:ph type="body" sz="quarter" idx="1"/>
@@ -916,113 +923,29 @@
           <a:bodyPr/>
           <a:lstStyle/>
           <a:p>
-            <a:pPr marL="457200" indent="-298450" algn="just">
+            <a:pPr algn="just">
               <a:lnSpc>
-                <a:spcPct val="125000"/>
+                <a:spcPct val="150000"/>
               </a:lnSpc>
-              <a:buClr>
-                <a:srgbClr val="000000"/>
-              </a:buClr>
-              <a:buSzPts val="1100"/>
-              <a:buFont typeface="Helvetica"/>
-              <a:buChar char="●"/>
-              <a:defRPr sz="1100">
-                <a:latin typeface="Montserrat Light"/>
-                <a:ea typeface="Montserrat Light"/>
-                <a:cs typeface="Montserrat Light"/>
-                <a:sym typeface="Montserrat Light"/>
+              <a:defRPr b="1" sz="1200">
+                <a:solidFill>
+                  <a:srgbClr val="222222"/>
+                </a:solidFill>
               </a:defRPr>
             </a:pPr>
             <a:r>
-              <a:t>The programming language you will be using. Web frameworks generally support only a few programming languages. You would, therefore, obviously need to look for a framework that you can use to develop web applications in a programming language/languages you can code in.</a:t>
-            </a:r>
-          </a:p>
-          <a:p>
-            <a:pPr marL="457200" indent="-298450" algn="just">
-              <a:lnSpc>
-                <a:spcPct val="125000"/>
-              </a:lnSpc>
-              <a:buClr>
-                <a:srgbClr val="000000"/>
-              </a:buClr>
-              <a:buSzPts val="1100"/>
-              <a:buFont typeface="Helvetica"/>
-              <a:buChar char="●"/>
-              <a:defRPr sz="1100">
-                <a:latin typeface="Montserrat Light"/>
-                <a:ea typeface="Montserrat Light"/>
-                <a:cs typeface="Montserrat Light"/>
-                <a:sym typeface="Montserrat Light"/>
-              </a:defRPr>
-            </a:pPr>
-            <a:r>
-              <a:t>The popularity of the framework. You want to use a framework that is popular because:</a:t>
-            </a:r>
-          </a:p>
-          <a:p>
-            <a:pPr lvl="1" marL="914400" indent="-298450" algn="just">
-              <a:lnSpc>
-                <a:spcPct val="125000"/>
-              </a:lnSpc>
-              <a:buClr>
-                <a:srgbClr val="000000"/>
-              </a:buClr>
-              <a:buSzPts val="1100"/>
-              <a:buFont typeface="Helvetica"/>
-              <a:buChar char="○"/>
-              <a:defRPr sz="1100">
-                <a:latin typeface="Montserrat Light"/>
-                <a:ea typeface="Montserrat Light"/>
-                <a:cs typeface="Montserrat Light"/>
-                <a:sym typeface="Montserrat Light"/>
-              </a:defRPr>
-            </a:pPr>
-            <a:r>
-              <a:t>it is then more likely to be used in industry, </a:t>
-            </a:r>
-          </a:p>
-          <a:p>
-            <a:pPr lvl="1" marL="914400" indent="-298450" algn="just">
-              <a:lnSpc>
-                <a:spcPct val="125000"/>
-              </a:lnSpc>
-              <a:buClr>
-                <a:srgbClr val="000000"/>
-              </a:buClr>
-              <a:buSzPts val="1100"/>
-              <a:buFont typeface="Helvetica"/>
-              <a:buChar char="○"/>
-              <a:defRPr sz="1100">
-                <a:latin typeface="Montserrat Light"/>
-                <a:ea typeface="Montserrat Light"/>
-                <a:cs typeface="Montserrat Light"/>
-                <a:sym typeface="Montserrat Light"/>
-              </a:defRPr>
-            </a:pPr>
-            <a:r>
-              <a:t>it will, therefore, be around for longer and </a:t>
-            </a:r>
-          </a:p>
-          <a:p>
-            <a:pPr lvl="1" marL="914400" indent="-298450" algn="just">
-              <a:lnSpc>
-                <a:spcPct val="125000"/>
-              </a:lnSpc>
-              <a:buClr>
-                <a:srgbClr val="000000"/>
-              </a:buClr>
-              <a:buSzPts val="1100"/>
-              <a:buFont typeface="Helvetica"/>
-              <a:buChar char="○"/>
-              <a:defRPr sz="1100">
-                <a:latin typeface="Montserrat Light"/>
-                <a:ea typeface="Montserrat Light"/>
-                <a:cs typeface="Montserrat Light"/>
-                <a:sym typeface="Montserrat Light"/>
-              </a:defRPr>
-            </a:pPr>
-            <a:r>
-              <a:t>it is more likely to provide better support and documentation for developers.</a:t>
+              <a:t>LAMP</a:t>
+            </a:r>
+            <a:r>
+              <a:rPr b="0"/>
+              <a:t> </a:t>
+            </a:r>
+            <a:r>
+              <a:t>stacks</a:t>
+            </a:r>
+            <a:r>
+              <a:rPr b="0"/>
+              <a:t> typically consist of the Linux operating system, the Apache HTTP Server, the MySQL relational database management system, and the PHP programming language</a:t>
             </a:r>
           </a:p>
         </p:txBody>
@@ -1054,7 +977,7 @@
       </p:grpSpPr>
       <p:sp>
         <p:nvSpPr>
-          <p:cNvPr id="242" name="Shape 242"/>
+          <p:cNvPr id="241" name="Shape 241"/>
           <p:cNvSpPr/>
           <p:nvPr>
             <p:ph type="sldImg"/>
@@ -1075,7 +998,7 @@
       </p:sp>
       <p:sp>
         <p:nvSpPr>
-          <p:cNvPr id="243" name="Shape 243"/>
+          <p:cNvPr id="242" name="Shape 242"/>
           <p:cNvSpPr/>
           <p:nvPr>
             <p:ph type="body" sz="quarter" idx="1"/>
@@ -1092,27 +1015,46 @@
           <a:p>
             <a:pPr algn="just">
               <a:lnSpc>
-                <a:spcPct val="150000"/>
+                <a:spcPct val="125000"/>
               </a:lnSpc>
-              <a:defRPr b="1" sz="1200">
-                <a:solidFill>
-                  <a:srgbClr val="222222"/>
-                </a:solidFill>
+              <a:defRPr sz="1100">
+                <a:latin typeface="Montserrat Light"/>
+                <a:ea typeface="Montserrat Light"/>
+                <a:cs typeface="Montserrat Light"/>
+                <a:sym typeface="Montserrat Light"/>
               </a:defRPr>
             </a:pPr>
             <a:r>
-              <a:t>LAMP</a:t>
-            </a:r>
-            <a:r>
-              <a:rPr b="0"/>
-              <a:t> </a:t>
-            </a:r>
-            <a:r>
-              <a:t>stacks</a:t>
-            </a:r>
-            <a:r>
-              <a:rPr b="0"/>
-              <a:t> typically consist of the Linux operating system, the Apache HTTP Server, the MySQL relational database management system, and the PHP programming language</a:t>
+              <a:t>Most approaches to web development are based on established software architecture patterns. These architecture patterns are well researched and provide ways of thinking about and approaching web development that is known to work.</a:t>
+            </a:r>
+          </a:p>
+          <a:p>
+            <a:pPr algn="just">
+              <a:lnSpc>
+                <a:spcPct val="125000"/>
+              </a:lnSpc>
+              <a:defRPr sz="1100">
+                <a:latin typeface="Montserrat Light"/>
+                <a:ea typeface="Montserrat Light"/>
+                <a:cs typeface="Montserrat Light"/>
+                <a:sym typeface="Montserrat Light"/>
+              </a:defRPr>
+            </a:pPr>
+          </a:p>
+          <a:p>
+            <a:pPr algn="just">
+              <a:lnSpc>
+                <a:spcPct val="125000"/>
+              </a:lnSpc>
+              <a:defRPr sz="1100">
+                <a:latin typeface="Montserrat Light"/>
+                <a:ea typeface="Montserrat Light"/>
+                <a:cs typeface="Montserrat Light"/>
+                <a:sym typeface="Montserrat Light"/>
+              </a:defRPr>
+            </a:pPr>
+            <a:r>
+              <a:t>software architecture patterns provide an overview of the essential characteristics and actions of software applications. Just as not all people would choose to build their house using the same architectural plan, there are different architectural patterns with different strengths and weaknesses which will better suit the design of different software applications. </a:t>
             </a:r>
           </a:p>
         </p:txBody>
@@ -1144,7 +1086,7 @@
       </p:grpSpPr>
       <p:sp>
         <p:nvSpPr>
-          <p:cNvPr id="248" name="Shape 248"/>
+          <p:cNvPr id="254" name="Shape 254"/>
           <p:cNvSpPr/>
           <p:nvPr>
             <p:ph type="sldImg"/>
@@ -1165,7 +1107,7 @@
       </p:sp>
       <p:sp>
         <p:nvSpPr>
-          <p:cNvPr id="249" name="Shape 249"/>
+          <p:cNvPr id="255" name="Shape 255"/>
           <p:cNvSpPr/>
           <p:nvPr>
             <p:ph type="body" sz="quarter" idx="1"/>
@@ -1182,7 +1124,7 @@
           <a:p>
             <a:pPr algn="just">
               <a:lnSpc>
-                <a:spcPct val="125000"/>
+                <a:spcPct val="150000"/>
               </a:lnSpc>
               <a:defRPr sz="1100">
                 <a:latin typeface="Montserrat Light"/>
@@ -1192,27 +1134,13 @@
               </a:defRPr>
             </a:pPr>
             <a:r>
-              <a:t>Most approaches to web development are based on established software architecture patterns. These architecture patterns are well researched and provide ways of thinking about and approaching web development that is known to work.</a:t>
+              <a:t>The MVC pattern consists of 3 components or layers:</a:t>
             </a:r>
           </a:p>
           <a:p>
             <a:pPr algn="just">
               <a:lnSpc>
-                <a:spcPct val="125000"/>
-              </a:lnSpc>
-              <a:defRPr sz="1100"/>
-            </a:pPr>
-            <a:endParaRPr>
-              <a:latin typeface="Montserrat Light"/>
-              <a:ea typeface="Montserrat Light"/>
-              <a:cs typeface="Montserrat Light"/>
-              <a:sym typeface="Montserrat Light"/>
-            </a:endParaRPr>
-          </a:p>
-          <a:p>
-            <a:pPr algn="just">
-              <a:lnSpc>
-                <a:spcPct val="125000"/>
+                <a:spcPct val="150000"/>
               </a:lnSpc>
               <a:defRPr sz="1100">
                 <a:latin typeface="Montserrat Light"/>
@@ -1221,9 +1149,108 @@
                 <a:sym typeface="Montserrat Light"/>
               </a:defRPr>
             </a:pPr>
-            <a:r>
-              <a:t>software architecture patterns provide an overview of the essential characteristics and actions of software applications. Just as not all people would choose to build their house using the same architectural plan, there are different architectural patterns with different strengths and weaknesses which will better suit the design of different software applications. </a:t>
-            </a:r>
+          </a:p>
+          <a:p>
+            <a:pPr marL="457200" indent="-298450" algn="just">
+              <a:lnSpc>
+                <a:spcPct val="150000"/>
+              </a:lnSpc>
+              <a:buClr>
+                <a:srgbClr val="000000"/>
+              </a:buClr>
+              <a:buSzPts val="1100"/>
+              <a:buAutoNum type="arabicPeriod" startAt="1"/>
+              <a:defRPr sz="1100">
+                <a:latin typeface="Montserrat Light"/>
+                <a:ea typeface="Montserrat Light"/>
+                <a:cs typeface="Montserrat Light"/>
+                <a:sym typeface="Montserrat Light"/>
+              </a:defRPr>
+            </a:pPr>
+            <a:r>
+              <a:t>The view - this is the component that is responsible for the user interface i.e. it manages how the user views information. With web applications, the view is everything that a user can see in the browser. </a:t>
+            </a:r>
+          </a:p>
+          <a:p>
+            <a:pPr indent="457200" algn="just">
+              <a:lnSpc>
+                <a:spcPct val="150000"/>
+              </a:lnSpc>
+              <a:defRPr sz="1100">
+                <a:latin typeface="Montserrat Light"/>
+                <a:ea typeface="Montserrat Light"/>
+                <a:cs typeface="Montserrat Light"/>
+                <a:sym typeface="Montserrat Light"/>
+              </a:defRPr>
+            </a:pPr>
+          </a:p>
+          <a:p>
+            <a:pPr marL="457200" indent="-298450" algn="just">
+              <a:lnSpc>
+                <a:spcPct val="150000"/>
+              </a:lnSpc>
+              <a:buClr>
+                <a:srgbClr val="000000"/>
+              </a:buClr>
+              <a:buSzPts val="1100"/>
+              <a:buAutoNum type="arabicPeriod" startAt="1"/>
+              <a:defRPr sz="1100">
+                <a:latin typeface="Montserrat Light"/>
+                <a:ea typeface="Montserrat Light"/>
+                <a:cs typeface="Montserrat Light"/>
+                <a:sym typeface="Montserrat Light"/>
+              </a:defRPr>
+            </a:pPr>
+            <a:r>
+              <a:t>The model - this is the component that controls the data and business logic of an application.  The model often interfaces with a database. It is the heart of the application. The controller and view are dependant on the model but the model is not dependant on the view or controller.</a:t>
+            </a:r>
+          </a:p>
+          <a:p>
+            <a:pPr indent="457200" algn="just">
+              <a:lnSpc>
+                <a:spcPct val="150000"/>
+              </a:lnSpc>
+              <a:defRPr sz="1100">
+                <a:latin typeface="Montserrat Light"/>
+                <a:ea typeface="Montserrat Light"/>
+                <a:cs typeface="Montserrat Light"/>
+                <a:sym typeface="Montserrat Light"/>
+              </a:defRPr>
+            </a:pPr>
+          </a:p>
+          <a:p>
+            <a:pPr marL="457200" indent="-298450" algn="just">
+              <a:lnSpc>
+                <a:spcPct val="150000"/>
+              </a:lnSpc>
+              <a:buClr>
+                <a:srgbClr val="000000"/>
+              </a:buClr>
+              <a:buSzPts val="1100"/>
+              <a:buAutoNum type="arabicPeriod" startAt="1"/>
+              <a:defRPr sz="1100">
+                <a:latin typeface="Montserrat Light"/>
+                <a:ea typeface="Montserrat Light"/>
+                <a:cs typeface="Montserrat Light"/>
+                <a:sym typeface="Montserrat Light"/>
+              </a:defRPr>
+            </a:pPr>
+            <a:r>
+              <a:t>The Controller - the controller is the component that controls the interaction between the model and the view. If the user interacts with the view, the controller will know this and can update the model component as needed. The model will perform the necessary business logic and then, if necessary, notify the controller of any changes to the view. The controller should contain orchestration logic, not business logic. </a:t>
+            </a:r>
+          </a:p>
+          <a:p>
+            <a:pPr algn="just">
+              <a:lnSpc>
+                <a:spcPct val="150000"/>
+              </a:lnSpc>
+              <a:defRPr sz="1100">
+                <a:latin typeface="Montserrat Light"/>
+                <a:ea typeface="Montserrat Light"/>
+                <a:cs typeface="Montserrat Light"/>
+                <a:sym typeface="Montserrat Light"/>
+              </a:defRPr>
+            </a:pPr>
           </a:p>
         </p:txBody>
       </p:sp>
@@ -1254,7 +1281,7 @@
       </p:grpSpPr>
       <p:sp>
         <p:nvSpPr>
-          <p:cNvPr id="261" name="Shape 261"/>
+          <p:cNvPr id="260" name="Shape 260"/>
           <p:cNvSpPr/>
           <p:nvPr>
             <p:ph type="sldImg"/>
@@ -1275,7 +1302,7 @@
       </p:sp>
       <p:sp>
         <p:nvSpPr>
-          <p:cNvPr id="262" name="Shape 262"/>
+          <p:cNvPr id="261" name="Shape 261"/>
           <p:cNvSpPr/>
           <p:nvPr>
             <p:ph type="body" sz="quarter" idx="1"/>
@@ -1302,7 +1329,7 @@
               </a:defRPr>
             </a:pPr>
             <a:r>
-              <a:t>The MVC pattern consists of 3 components or layers:</a:t>
+              <a:t>consider how Django implements principles of the MVC pattern using MVT (model, view, template). The components are implemented in Django as described below:</a:t>
             </a:r>
           </a:p>
           <a:p>
@@ -1310,14 +1337,13 @@
               <a:lnSpc>
                 <a:spcPct val="150000"/>
               </a:lnSpc>
-              <a:defRPr sz="1100"/>
+              <a:defRPr sz="1100">
+                <a:latin typeface="Montserrat Light"/>
+                <a:ea typeface="Montserrat Light"/>
+                <a:cs typeface="Montserrat Light"/>
+                <a:sym typeface="Montserrat Light"/>
+              </a:defRPr>
             </a:pPr>
-            <a:endParaRPr>
-              <a:latin typeface="Montserrat Light"/>
-              <a:ea typeface="Montserrat Light"/>
-              <a:cs typeface="Montserrat Light"/>
-              <a:sym typeface="Montserrat Light"/>
-            </a:endParaRPr>
           </a:p>
           <a:p>
             <a:pPr marL="457200" indent="-298450" algn="just">
@@ -1328,7 +1354,8 @@
                 <a:srgbClr val="000000"/>
               </a:buClr>
               <a:buSzPts val="1100"/>
-              <a:buAutoNum type="arabicPeriod" startAt="1"/>
+              <a:buFont typeface="Helvetica"/>
+              <a:buChar char="●"/>
               <a:defRPr sz="1100">
                 <a:latin typeface="Montserrat Light"/>
                 <a:ea typeface="Montserrat Light"/>
@@ -1337,7 +1364,7 @@
               </a:defRPr>
             </a:pPr>
             <a:r>
-              <a:t>The view - this is the component that is responsible for the user interface i.e. it manages how the user views information. With web applications, the view is everything that a user can see in the browser. </a:t>
+              <a:t>View - With Django, the view component is more about interpreting what data is presented, as opposed to how the data is presented. The view component in Django, therefore, manages most of the data processing and business logic. </a:t>
             </a:r>
           </a:p>
           <a:p>
@@ -1345,14 +1372,13 @@
               <a:lnSpc>
                 <a:spcPct val="150000"/>
               </a:lnSpc>
-              <a:defRPr sz="1100"/>
+              <a:defRPr sz="1100">
+                <a:latin typeface="Montserrat Light"/>
+                <a:ea typeface="Montserrat Light"/>
+                <a:cs typeface="Montserrat Light"/>
+                <a:sym typeface="Montserrat Light"/>
+              </a:defRPr>
             </a:pPr>
-            <a:endParaRPr>
-              <a:latin typeface="Montserrat Light"/>
-              <a:ea typeface="Montserrat Light"/>
-              <a:cs typeface="Montserrat Light"/>
-              <a:sym typeface="Montserrat Light"/>
-            </a:endParaRPr>
           </a:p>
           <a:p>
             <a:pPr marL="457200" indent="-298450" algn="just">
@@ -1363,7 +1389,8 @@
                 <a:srgbClr val="000000"/>
               </a:buClr>
               <a:buSzPts val="1100"/>
-              <a:buAutoNum type="arabicPeriod" startAt="1"/>
+              <a:buFont typeface="Helvetica"/>
+              <a:buChar char="●"/>
               <a:defRPr sz="1100">
                 <a:latin typeface="Montserrat Light"/>
                 <a:ea typeface="Montserrat Light"/>
@@ -1372,7 +1399,7 @@
               </a:defRPr>
             </a:pPr>
             <a:r>
-              <a:t>The model - this is the component that controls the data and business logic of an application.  The model often interfaces with a database. It is the heart of the application. The controller and view are dependant on the model but the model is not dependant on the view or controller.</a:t>
+              <a:t>Template - Django uses templates to describe how the data is presented.</a:t>
             </a:r>
           </a:p>
           <a:p>
@@ -1380,14 +1407,13 @@
               <a:lnSpc>
                 <a:spcPct val="150000"/>
               </a:lnSpc>
-              <a:defRPr sz="1100"/>
+              <a:defRPr sz="1100">
+                <a:latin typeface="Montserrat Light"/>
+                <a:ea typeface="Montserrat Light"/>
+                <a:cs typeface="Montserrat Light"/>
+                <a:sym typeface="Montserrat Light"/>
+              </a:defRPr>
             </a:pPr>
-            <a:endParaRPr>
-              <a:latin typeface="Montserrat Light"/>
-              <a:ea typeface="Montserrat Light"/>
-              <a:cs typeface="Montserrat Light"/>
-              <a:sym typeface="Montserrat Light"/>
-            </a:endParaRPr>
           </a:p>
           <a:p>
             <a:pPr marL="457200" indent="-298450" algn="just">
@@ -1398,7 +1424,8 @@
                 <a:srgbClr val="000000"/>
               </a:buClr>
               <a:buSzPts val="1100"/>
-              <a:buAutoNum type="arabicPeriod" startAt="1"/>
+              <a:buFont typeface="Helvetica"/>
+              <a:buChar char="●"/>
               <a:defRPr sz="1100">
                 <a:latin typeface="Montserrat Light"/>
                 <a:ea typeface="Montserrat Light"/>
@@ -1407,36 +1434,8 @@
               </a:defRPr>
             </a:pPr>
             <a:r>
-              <a:t>The Controller - the controller is the component that controls the interaction between the model and the view. If the user interacts with the view, the controller will know this and can update the model component as needed. The model will perform the necessary business logic and then, if necessary, notify the controller of any changes to the view. The controller should contain orchestration logic, not business logic. </a:t>
-            </a:r>
-          </a:p>
-          <a:p>
-            <a:pPr algn="just">
-              <a:lnSpc>
-                <a:spcPct val="150000"/>
-              </a:lnSpc>
-              <a:defRPr sz="1100"/>
-            </a:pPr>
-            <a:endParaRPr>
-              <a:latin typeface="Montserrat Light"/>
-              <a:ea typeface="Montserrat Light"/>
-              <a:cs typeface="Montserrat Light"/>
-              <a:sym typeface="Montserrat Light"/>
-            </a:endParaRPr>
-          </a:p>
-          <a:p>
-            <a:pPr algn="just">
-              <a:lnSpc>
-                <a:spcPct val="150000"/>
-              </a:lnSpc>
-              <a:defRPr sz="1100"/>
-            </a:pPr>
-            <a:endParaRPr>
-              <a:latin typeface="Montserrat Light"/>
-              <a:ea typeface="Montserrat Light"/>
-              <a:cs typeface="Montserrat Light"/>
-              <a:sym typeface="Montserrat Light"/>
-            </a:endParaRPr>
+              <a:t>Model - With Django, the component that interfaces with the database is the model. This is implemented with Django’s Object-Relational Mapping (ORM). </a:t>
+            </a:r>
           </a:p>
         </p:txBody>
       </p:sp>
@@ -1467,7 +1466,7 @@
       </p:grpSpPr>
       <p:sp>
         <p:nvSpPr>
-          <p:cNvPr id="267" name="Shape 267"/>
+          <p:cNvPr id="266" name="Shape 266"/>
           <p:cNvSpPr/>
           <p:nvPr>
             <p:ph type="sldImg"/>
@@ -1488,7 +1487,7 @@
       </p:sp>
       <p:sp>
         <p:nvSpPr>
-          <p:cNvPr id="268" name="Shape 268"/>
+          <p:cNvPr id="267" name="Shape 267"/>
           <p:cNvSpPr/>
           <p:nvPr>
             <p:ph type="body" sz="quarter" idx="1"/>
@@ -1501,9 +1500,8 @@
         </p:spPr>
         <p:txBody>
           <a:bodyPr/>
-          <a:lstStyle/>
-          <a:p>
-            <a:pPr algn="just">
+          <a:lstStyle>
+            <a:lvl1pPr algn="just">
               <a:lnSpc>
                 <a:spcPct val="150000"/>
               </a:lnSpc>
@@ -1513,117 +1511,12 @@
                 <a:cs typeface="Montserrat Light"/>
                 <a:sym typeface="Montserrat Light"/>
               </a:defRPr>
-            </a:pPr>
-            <a:r>
-              <a:t>consider how Django implements principles of the MVC pattern using MVT (model, view, template). The components are implemented in Django as described below:</a:t>
-            </a:r>
-          </a:p>
-          <a:p>
-            <a:pPr algn="just">
-              <a:lnSpc>
-                <a:spcPct val="150000"/>
-              </a:lnSpc>
-              <a:defRPr sz="1100"/>
-            </a:pPr>
-            <a:endParaRPr>
-              <a:latin typeface="Montserrat Light"/>
-              <a:ea typeface="Montserrat Light"/>
-              <a:cs typeface="Montserrat Light"/>
-              <a:sym typeface="Montserrat Light"/>
-            </a:endParaRPr>
-          </a:p>
-          <a:p>
-            <a:pPr marL="457200" indent="-298450" algn="just">
-              <a:lnSpc>
-                <a:spcPct val="150000"/>
-              </a:lnSpc>
-              <a:buClr>
-                <a:srgbClr val="000000"/>
-              </a:buClr>
-              <a:buSzPts val="1100"/>
-              <a:buFont typeface="Helvetica"/>
-              <a:buChar char="●"/>
-              <a:defRPr sz="1100">
-                <a:latin typeface="Montserrat Light"/>
-                <a:ea typeface="Montserrat Light"/>
-                <a:cs typeface="Montserrat Light"/>
-                <a:sym typeface="Montserrat Light"/>
-              </a:defRPr>
-            </a:pPr>
-            <a:r>
-              <a:t>View - With Django, the view component is more about interpreting what data is presented, as opposed to how the data is presented. The view component in Django, therefore, manages most of the data processing and business logic. </a:t>
-            </a:r>
-          </a:p>
-          <a:p>
-            <a:pPr indent="457200" algn="just">
-              <a:lnSpc>
-                <a:spcPct val="150000"/>
-              </a:lnSpc>
-              <a:defRPr sz="1100"/>
-            </a:pPr>
-            <a:endParaRPr>
-              <a:latin typeface="Montserrat Light"/>
-              <a:ea typeface="Montserrat Light"/>
-              <a:cs typeface="Montserrat Light"/>
-              <a:sym typeface="Montserrat Light"/>
-            </a:endParaRPr>
-          </a:p>
-          <a:p>
-            <a:pPr marL="457200" indent="-298450" algn="just">
-              <a:lnSpc>
-                <a:spcPct val="150000"/>
-              </a:lnSpc>
-              <a:buClr>
-                <a:srgbClr val="000000"/>
-              </a:buClr>
-              <a:buSzPts val="1100"/>
-              <a:buFont typeface="Helvetica"/>
-              <a:buChar char="●"/>
-              <a:defRPr sz="1100">
-                <a:latin typeface="Montserrat Light"/>
-                <a:ea typeface="Montserrat Light"/>
-                <a:cs typeface="Montserrat Light"/>
-                <a:sym typeface="Montserrat Light"/>
-              </a:defRPr>
-            </a:pPr>
-            <a:r>
-              <a:t>Template - Django uses templates to describe how the data is presented.</a:t>
-            </a:r>
-          </a:p>
-          <a:p>
-            <a:pPr indent="457200" algn="just">
-              <a:lnSpc>
-                <a:spcPct val="150000"/>
-              </a:lnSpc>
-              <a:defRPr sz="1100"/>
-            </a:pPr>
-            <a:endParaRPr>
-              <a:latin typeface="Montserrat Light"/>
-              <a:ea typeface="Montserrat Light"/>
-              <a:cs typeface="Montserrat Light"/>
-              <a:sym typeface="Montserrat Light"/>
-            </a:endParaRPr>
-          </a:p>
-          <a:p>
-            <a:pPr marL="457200" indent="-298450" algn="just">
-              <a:lnSpc>
-                <a:spcPct val="150000"/>
-              </a:lnSpc>
-              <a:buClr>
-                <a:srgbClr val="000000"/>
-              </a:buClr>
-              <a:buSzPts val="1100"/>
-              <a:buFont typeface="Helvetica"/>
-              <a:buChar char="●"/>
-              <a:defRPr sz="1100">
-                <a:latin typeface="Montserrat Light"/>
-                <a:ea typeface="Montserrat Light"/>
-                <a:cs typeface="Montserrat Light"/>
-                <a:sym typeface="Montserrat Light"/>
-              </a:defRPr>
-            </a:pPr>
-            <a:r>
-              <a:t>Model - With Django, the component that interfaces with the database is the model. This is implemented with Django’s Object-Relational Mapping (ORM). </a:t>
+            </a:lvl1pPr>
+          </a:lstStyle>
+          <a:p>
+            <a:pPr/>
+            <a:r>
+              <a:t>Pay close attention to this architecture pattern -  we will refer back to it in the next task. Understanding this pattern is important in helping us to understand how JavaScript works. </a:t>
             </a:r>
           </a:p>
         </p:txBody>
@@ -1655,7 +1548,7 @@
       </p:grpSpPr>
       <p:sp>
         <p:nvSpPr>
-          <p:cNvPr id="273" name="Shape 273"/>
+          <p:cNvPr id="274" name="Shape 274"/>
           <p:cNvSpPr/>
           <p:nvPr>
             <p:ph type="sldImg"/>
@@ -1676,7 +1569,7 @@
       </p:sp>
       <p:sp>
         <p:nvSpPr>
-          <p:cNvPr id="274" name="Shape 274"/>
+          <p:cNvPr id="275" name="Shape 275"/>
           <p:cNvSpPr/>
           <p:nvPr>
             <p:ph type="body" sz="quarter" idx="1"/>
@@ -1689,8 +1582,9 @@
         </p:spPr>
         <p:txBody>
           <a:bodyPr/>
-          <a:lstStyle>
-            <a:lvl1pPr algn="just">
+          <a:lstStyle/>
+          <a:p>
+            <a:pPr algn="just">
               <a:lnSpc>
                 <a:spcPct val="150000"/>
               </a:lnSpc>
@@ -1700,12 +1594,194 @@
                 <a:cs typeface="Montserrat Light"/>
                 <a:sym typeface="Montserrat Light"/>
               </a:defRPr>
-            </a:lvl1pPr>
-          </a:lstStyle>
-          <a:p>
-            <a:pPr/>
-            <a:r>
-              <a:t>Pay close attention to this architecture pattern -  we will refer back to it in the next task. Understanding this pattern is important in helping us to understand how JavaScript works. </a:t>
+            </a:pPr>
+            <a:r>
+              <a:t>The mediator topology is depicted in Figure 3. The mediator topology is used when a single event needs to be processed using more than one step. As you can see, it is made up of several components including:</a:t>
+            </a:r>
+          </a:p>
+          <a:p>
+            <a:pPr algn="just">
+              <a:lnSpc>
+                <a:spcPct val="150000"/>
+              </a:lnSpc>
+              <a:defRPr sz="1100">
+                <a:latin typeface="Montserrat Light"/>
+                <a:ea typeface="Montserrat Light"/>
+                <a:cs typeface="Montserrat Light"/>
+                <a:sym typeface="Montserrat Light"/>
+              </a:defRPr>
+            </a:pPr>
+          </a:p>
+          <a:p>
+            <a:pPr marL="457200" indent="-298450" algn="just">
+              <a:lnSpc>
+                <a:spcPct val="150000"/>
+              </a:lnSpc>
+              <a:buClr>
+                <a:srgbClr val="000000"/>
+              </a:buClr>
+              <a:buSzPts val="1100"/>
+              <a:buFont typeface="Helvetica"/>
+              <a:buChar char="●"/>
+              <a:defRPr sz="1100">
+                <a:latin typeface="Montserrat Light"/>
+                <a:ea typeface="Montserrat Light"/>
+                <a:cs typeface="Montserrat Light"/>
+                <a:sym typeface="Montserrat Light"/>
+              </a:defRPr>
+            </a:pPr>
+            <a:r>
+              <a:t>Event queue: as events are triggered they are put onto an event queue where they wait until they can be passed on to the event mediator.</a:t>
+            </a:r>
+          </a:p>
+          <a:p>
+            <a:pPr indent="457200" algn="just">
+              <a:lnSpc>
+                <a:spcPct val="150000"/>
+              </a:lnSpc>
+              <a:defRPr sz="1100">
+                <a:latin typeface="Montserrat Light"/>
+                <a:ea typeface="Montserrat Light"/>
+                <a:cs typeface="Montserrat Light"/>
+                <a:sym typeface="Montserrat Light"/>
+              </a:defRPr>
+            </a:pPr>
+          </a:p>
+          <a:p>
+            <a:pPr marL="457200" indent="-298450" algn="just">
+              <a:lnSpc>
+                <a:spcPct val="150000"/>
+              </a:lnSpc>
+              <a:buClr>
+                <a:srgbClr val="000000"/>
+              </a:buClr>
+              <a:buSzPts val="1100"/>
+              <a:buFont typeface="Helvetica"/>
+              <a:buChar char="●"/>
+              <a:defRPr sz="1100">
+                <a:latin typeface="Montserrat Light"/>
+                <a:ea typeface="Montserrat Light"/>
+                <a:cs typeface="Montserrat Light"/>
+                <a:sym typeface="Montserrat Light"/>
+              </a:defRPr>
+            </a:pPr>
+            <a:r>
+              <a:t>Event mediator: since the event needs to be handled using various steps, you need an event mediator. The event mediator breaks the original event into a set of processing events that are sent to various event channels. The mediator is responsible for orchestrating the processing events, ie determining the order in which events should be processed, which events can be processed at the same time etc. BPEL (Business Process Execution Language) is a standard XML-like language that describes the data and steps required for processing an initial event.</a:t>
+            </a:r>
+          </a:p>
+          <a:p>
+            <a:pPr marL="457200" indent="-298450" algn="just">
+              <a:lnSpc>
+                <a:spcPct val="150000"/>
+              </a:lnSpc>
+              <a:buClr>
+                <a:srgbClr val="000000"/>
+              </a:buClr>
+              <a:buSzPts val="1100"/>
+              <a:buFont typeface="Helvetica"/>
+              <a:buChar char="●"/>
+              <a:defRPr sz="1100">
+                <a:latin typeface="Montserrat Light"/>
+                <a:ea typeface="Montserrat Light"/>
+                <a:cs typeface="Montserrat Light"/>
+                <a:sym typeface="Montserrat Light"/>
+              </a:defRPr>
+            </a:pPr>
+          </a:p>
+          <a:p>
+            <a:pPr algn="just">
+              <a:lnSpc>
+                <a:spcPct val="150000"/>
+              </a:lnSpc>
+              <a:defRPr sz="1100">
+                <a:latin typeface="Montserrat Light"/>
+                <a:ea typeface="Montserrat Light"/>
+                <a:cs typeface="Montserrat Light"/>
+                <a:sym typeface="Montserrat Light"/>
+              </a:defRPr>
+            </a:pPr>
+          </a:p>
+          <a:p>
+            <a:pPr algn="just">
+              <a:lnSpc>
+                <a:spcPct val="150000"/>
+              </a:lnSpc>
+              <a:defRPr sz="1100">
+                <a:latin typeface="Montserrat Light"/>
+                <a:ea typeface="Montserrat Light"/>
+                <a:cs typeface="Montserrat Light"/>
+                <a:sym typeface="Montserrat Light"/>
+              </a:defRPr>
+            </a:pPr>
+          </a:p>
+          <a:p>
+            <a:pPr indent="457200" algn="just">
+              <a:lnSpc>
+                <a:spcPct val="150000"/>
+              </a:lnSpc>
+              <a:defRPr sz="1100">
+                <a:latin typeface="Montserrat Light"/>
+                <a:ea typeface="Montserrat Light"/>
+                <a:cs typeface="Montserrat Light"/>
+                <a:sym typeface="Montserrat Light"/>
+              </a:defRPr>
+            </a:pPr>
+          </a:p>
+          <a:p>
+            <a:pPr marL="457200" indent="-298450" algn="just">
+              <a:lnSpc>
+                <a:spcPct val="150000"/>
+              </a:lnSpc>
+              <a:buClr>
+                <a:srgbClr val="000000"/>
+              </a:buClr>
+              <a:buSzPts val="1100"/>
+              <a:buFont typeface="Helvetica"/>
+              <a:buChar char="●"/>
+              <a:defRPr sz="1100">
+                <a:latin typeface="Montserrat Light"/>
+                <a:ea typeface="Montserrat Light"/>
+                <a:cs typeface="Montserrat Light"/>
+                <a:sym typeface="Montserrat Light"/>
+              </a:defRPr>
+            </a:pPr>
+            <a:r>
+              <a:t>Event channels: event channels receive processing events from the event mediator and pass them on to event processors.</a:t>
+            </a:r>
+          </a:p>
+          <a:p>
+            <a:pPr indent="457200" algn="just">
+              <a:lnSpc>
+                <a:spcPct val="150000"/>
+              </a:lnSpc>
+              <a:defRPr sz="1100">
+                <a:latin typeface="Montserrat Light"/>
+                <a:ea typeface="Montserrat Light"/>
+                <a:cs typeface="Montserrat Light"/>
+                <a:sym typeface="Montserrat Light"/>
+              </a:defRPr>
+            </a:pPr>
+          </a:p>
+          <a:p>
+            <a:pPr marL="457200" indent="-298450" algn="just">
+              <a:lnSpc>
+                <a:spcPct val="150000"/>
+              </a:lnSpc>
+              <a:buClr>
+                <a:srgbClr val="000000"/>
+              </a:buClr>
+              <a:buSzPts val="1100"/>
+              <a:buFont typeface="Helvetica"/>
+              <a:buChar char="●"/>
+              <a:defRPr sz="1100">
+                <a:latin typeface="Montserrat Light"/>
+                <a:ea typeface="Montserrat Light"/>
+                <a:cs typeface="Montserrat Light"/>
+                <a:sym typeface="Montserrat Light"/>
+              </a:defRPr>
+            </a:pPr>
+            <a:r>
+              <a:t>Event processors: here the actual work happens. The event processor receives the process event and executes the logic to process the event. </a:t>
             </a:r>
           </a:p>
         </p:txBody>
@@ -1737,7 +1813,7 @@
       </p:grpSpPr>
       <p:sp>
         <p:nvSpPr>
-          <p:cNvPr id="281" name="Shape 281"/>
+          <p:cNvPr id="282" name="Shape 282"/>
           <p:cNvSpPr/>
           <p:nvPr>
             <p:ph type="sldImg"/>
@@ -1758,7 +1834,7 @@
       </p:sp>
       <p:sp>
         <p:nvSpPr>
-          <p:cNvPr id="282" name="Shape 282"/>
+          <p:cNvPr id="283" name="Shape 283"/>
           <p:cNvSpPr/>
           <p:nvPr>
             <p:ph type="body" sz="quarter" idx="1"/>
@@ -1771,9 +1847,8 @@
         </p:spPr>
         <p:txBody>
           <a:bodyPr/>
-          <a:lstStyle/>
-          <a:p>
-            <a:pPr algn="just">
+          <a:lstStyle>
+            <a:lvl1pPr indent="457200" algn="just">
               <a:lnSpc>
                 <a:spcPct val="150000"/>
               </a:lnSpc>
@@ -1783,216 +1858,13 @@
                 <a:cs typeface="Montserrat Light"/>
                 <a:sym typeface="Montserrat Light"/>
               </a:defRPr>
-            </a:pPr>
-            <a:r>
-              <a:t>The mediator topology is depicted in Figure 3. The mediator topology is used when a single event needs to be processed using more than one step. As you can see, it is made up of several components including:</a:t>
-            </a:r>
-          </a:p>
-          <a:p>
-            <a:pPr algn="just">
-              <a:lnSpc>
-                <a:spcPct val="150000"/>
-              </a:lnSpc>
-              <a:defRPr sz="1100"/>
-            </a:pPr>
-            <a:endParaRPr>
-              <a:latin typeface="Montserrat Light"/>
-              <a:ea typeface="Montserrat Light"/>
-              <a:cs typeface="Montserrat Light"/>
-              <a:sym typeface="Montserrat Light"/>
-            </a:endParaRPr>
-          </a:p>
-          <a:p>
-            <a:pPr marL="457200" indent="-298450" algn="just">
-              <a:lnSpc>
-                <a:spcPct val="150000"/>
-              </a:lnSpc>
-              <a:buClr>
-                <a:srgbClr val="000000"/>
-              </a:buClr>
-              <a:buSzPts val="1100"/>
-              <a:buFont typeface="Helvetica"/>
-              <a:buChar char="●"/>
-              <a:defRPr sz="1100">
-                <a:latin typeface="Montserrat Light"/>
-                <a:ea typeface="Montserrat Light"/>
-                <a:cs typeface="Montserrat Light"/>
-                <a:sym typeface="Montserrat Light"/>
-              </a:defRPr>
-            </a:pPr>
-            <a:r>
-              <a:t>Event queue: as events are triggered they are put onto an event queue where they wait until they can be passed on to the event mediator.</a:t>
-            </a:r>
-          </a:p>
-          <a:p>
-            <a:pPr indent="457200" algn="just">
-              <a:lnSpc>
-                <a:spcPct val="150000"/>
-              </a:lnSpc>
-              <a:defRPr sz="1100"/>
-            </a:pPr>
-            <a:endParaRPr>
-              <a:latin typeface="Montserrat Light"/>
-              <a:ea typeface="Montserrat Light"/>
-              <a:cs typeface="Montserrat Light"/>
-              <a:sym typeface="Montserrat Light"/>
-            </a:endParaRPr>
-          </a:p>
-          <a:p>
-            <a:pPr marL="457200" indent="-298450" algn="just">
-              <a:lnSpc>
-                <a:spcPct val="150000"/>
-              </a:lnSpc>
-              <a:buClr>
-                <a:srgbClr val="000000"/>
-              </a:buClr>
-              <a:buSzPts val="1100"/>
-              <a:buFont typeface="Helvetica"/>
-              <a:buChar char="●"/>
-              <a:defRPr sz="1100">
-                <a:latin typeface="Montserrat Light"/>
-                <a:ea typeface="Montserrat Light"/>
-                <a:cs typeface="Montserrat Light"/>
-                <a:sym typeface="Montserrat Light"/>
-              </a:defRPr>
-            </a:pPr>
-            <a:r>
-              <a:t>Event mediator: since the event needs to be handled using various steps, you need an event mediator. The event mediator breaks the original event into a set of processing events that are sent to various event channels. The mediator is responsible for orchestrating the processing events, ie determining the order in which events should be processed, which events can be processed at the same time etc. BPEL (Business Process Execution Language) is a standard XML-like language that describes the data and steps required for processing an initial event.</a:t>
-            </a:r>
-          </a:p>
-          <a:p>
-            <a:pPr marL="457200" indent="-298450" algn="just">
-              <a:lnSpc>
-                <a:spcPct val="150000"/>
-              </a:lnSpc>
-              <a:buClr>
-                <a:srgbClr val="000000"/>
-              </a:buClr>
-              <a:buSzPts val="1100"/>
-              <a:buFont typeface="Helvetica"/>
-              <a:buChar char="●"/>
-              <a:defRPr sz="1100"/>
-            </a:pPr>
-            <a:endParaRPr>
-              <a:latin typeface="Montserrat Light"/>
-              <a:ea typeface="Montserrat Light"/>
-              <a:cs typeface="Montserrat Light"/>
-              <a:sym typeface="Montserrat Light"/>
-            </a:endParaRPr>
-          </a:p>
-          <a:p>
-            <a:pPr algn="just">
-              <a:lnSpc>
-                <a:spcPct val="150000"/>
-              </a:lnSpc>
-              <a:defRPr sz="1100"/>
-            </a:pPr>
-            <a:endParaRPr>
-              <a:latin typeface="Montserrat Light"/>
-              <a:ea typeface="Montserrat Light"/>
-              <a:cs typeface="Montserrat Light"/>
-              <a:sym typeface="Montserrat Light"/>
-            </a:endParaRPr>
-          </a:p>
-          <a:p>
-            <a:pPr algn="just">
-              <a:lnSpc>
-                <a:spcPct val="150000"/>
-              </a:lnSpc>
-              <a:defRPr sz="1100"/>
-            </a:pPr>
-            <a:endParaRPr>
-              <a:latin typeface="Montserrat Light"/>
-              <a:ea typeface="Montserrat Light"/>
-              <a:cs typeface="Montserrat Light"/>
-              <a:sym typeface="Montserrat Light"/>
-            </a:endParaRPr>
-          </a:p>
-          <a:p>
-            <a:pPr indent="457200" algn="just">
-              <a:lnSpc>
-                <a:spcPct val="150000"/>
-              </a:lnSpc>
-              <a:defRPr sz="1100"/>
-            </a:pPr>
-            <a:endParaRPr>
-              <a:latin typeface="Montserrat Light"/>
-              <a:ea typeface="Montserrat Light"/>
-              <a:cs typeface="Montserrat Light"/>
-              <a:sym typeface="Montserrat Light"/>
-            </a:endParaRPr>
-          </a:p>
-          <a:p>
-            <a:pPr marL="457200" indent="-298450" algn="just">
-              <a:lnSpc>
-                <a:spcPct val="150000"/>
-              </a:lnSpc>
-              <a:buClr>
-                <a:srgbClr val="000000"/>
-              </a:buClr>
-              <a:buSzPts val="1100"/>
-              <a:buFont typeface="Helvetica"/>
-              <a:buChar char="●"/>
-              <a:defRPr sz="1100">
-                <a:latin typeface="Montserrat Light"/>
-                <a:ea typeface="Montserrat Light"/>
-                <a:cs typeface="Montserrat Light"/>
-                <a:sym typeface="Montserrat Light"/>
-              </a:defRPr>
-            </a:pPr>
-            <a:r>
-              <a:t>Event channels: event channels receive processing events from the event mediator and pass them on to event processors.</a:t>
-            </a:r>
-          </a:p>
-          <a:p>
-            <a:pPr indent="457200" algn="just">
-              <a:lnSpc>
-                <a:spcPct val="150000"/>
-              </a:lnSpc>
-              <a:defRPr sz="1100"/>
-            </a:pPr>
-            <a:endParaRPr>
-              <a:latin typeface="Montserrat Light"/>
-              <a:ea typeface="Montserrat Light"/>
-              <a:cs typeface="Montserrat Light"/>
-              <a:sym typeface="Montserrat Light"/>
-            </a:endParaRPr>
-          </a:p>
-          <a:p>
-            <a:pPr marL="457200" indent="-298450" algn="just">
-              <a:lnSpc>
-                <a:spcPct val="150000"/>
-              </a:lnSpc>
-              <a:buClr>
-                <a:srgbClr val="000000"/>
-              </a:buClr>
-              <a:buSzPts val="1100"/>
-              <a:buFont typeface="Helvetica"/>
-              <a:buChar char="●"/>
-              <a:defRPr sz="1100">
-                <a:latin typeface="Montserrat Light"/>
-                <a:ea typeface="Montserrat Light"/>
-                <a:cs typeface="Montserrat Light"/>
-                <a:sym typeface="Montserrat Light"/>
-              </a:defRPr>
-            </a:pPr>
-            <a:r>
-              <a:t>Event processors: here the actual work happens. The event processor receives the process event and executes the logic to process the event. </a:t>
-            </a:r>
-          </a:p>
-          <a:p>
-            <a:pPr algn="just">
-              <a:lnSpc>
-                <a:spcPct val="150000"/>
-              </a:lnSpc>
-              <a:defRPr sz="1100"/>
-            </a:pPr>
-            <a:endParaRPr>
-              <a:latin typeface="Montserrat Light"/>
-              <a:ea typeface="Montserrat Light"/>
-              <a:cs typeface="Montserrat Light"/>
-              <a:sym typeface="Montserrat Light"/>
-            </a:endParaRPr>
+            </a:lvl1pPr>
+          </a:lstStyle>
+          <a:p>
+            <a:pPr/>
+            <a:r>
+              <a:t>The broker topology is depicted in the next image. As you can see, it works in a similar way to the mediator topology, only there is no mediator. This topology is used when there is relatively simple event processing and an event mediator is not needed to do event orchestration. </a:t>
+            </a:r>
           </a:p>
         </p:txBody>
       </p:sp>
@@ -2029,10 +1901,10 @@
         </p:nvGrpSpPr>
         <p:grpSpPr>
           <a:xfrm>
-            <a:off x="-1" y="-6351"/>
-            <a:ext cx="9144001" cy="5149851"/>
+            <a:off x="-2" y="-6352"/>
+            <a:ext cx="9144003" cy="5149853"/>
             <a:chOff x="0" y="0"/>
-            <a:chExt cx="9144000" cy="5149850"/>
+            <a:chExt cx="9144001" cy="5149852"/>
           </a:xfrm>
         </p:grpSpPr>
         <p:sp>
@@ -2043,8 +1915,8 @@
           </p:nvSpPr>
           <p:spPr>
             <a:xfrm>
-              <a:off x="7028258" y="6350"/>
-              <a:ext cx="914401" cy="5143500"/>
+              <a:off x="7028258" y="6349"/>
+              <a:ext cx="914402" cy="5143502"/>
             </a:xfrm>
             <a:prstGeom prst="line">
               <a:avLst/>
@@ -2060,7 +1932,7 @@
             <a:effectLst/>
           </p:spPr>
           <p:txBody>
-            <a:bodyPr wrap="square" lIns="0" tIns="0" rIns="0" bIns="0" numCol="1" anchor="t">
+            <a:bodyPr wrap="square" lIns="45718" tIns="45718" rIns="45718" bIns="45718" numCol="1" anchor="t">
               <a:noAutofit/>
             </a:bodyPr>
             <a:lstStyle/>
@@ -2078,7 +1950,7 @@
           <p:spPr>
             <a:xfrm flipH="1">
               <a:off x="5568950" y="2767409"/>
-              <a:ext cx="3572669" cy="2382441"/>
+              <a:ext cx="3572671" cy="2382442"/>
             </a:xfrm>
             <a:prstGeom prst="line">
               <a:avLst/>
@@ -2094,7 +1966,7 @@
             <a:effectLst/>
           </p:spPr>
           <p:txBody>
-            <a:bodyPr wrap="square" lIns="0" tIns="0" rIns="0" bIns="0" numCol="1" anchor="t">
+            <a:bodyPr wrap="square" lIns="45718" tIns="45718" rIns="45718" bIns="45718" numCol="1" anchor="t">
               <a:noAutofit/>
             </a:bodyPr>
             <a:lstStyle/>
@@ -2112,7 +1984,7 @@
           <p:spPr>
             <a:xfrm>
               <a:off x="6886106" y="-1"/>
-              <a:ext cx="2255513" cy="5149851"/>
+              <a:ext cx="2255514" cy="5149853"/>
             </a:xfrm>
             <a:custGeom>
               <a:avLst/>
@@ -2184,7 +2056,7 @@
           <p:spPr>
             <a:xfrm>
               <a:off x="7202581" y="-1"/>
-              <a:ext cx="1941419" cy="5149851"/>
+              <a:ext cx="1941420" cy="5149853"/>
             </a:xfrm>
             <a:custGeom>
               <a:avLst/>
@@ -2256,7 +2128,7 @@
           <p:spPr>
             <a:xfrm>
               <a:off x="6699249" y="2292350"/>
-              <a:ext cx="2444751" cy="2857500"/>
+              <a:ext cx="2444752" cy="2857501"/>
             </a:xfrm>
             <a:custGeom>
               <a:avLst/>
@@ -2322,7 +2194,7 @@
           <p:spPr>
             <a:xfrm>
               <a:off x="7000874" y="-1"/>
-              <a:ext cx="2140746" cy="5149851"/>
+              <a:ext cx="2140748" cy="5149853"/>
             </a:xfrm>
             <a:custGeom>
               <a:avLst/>
@@ -2394,7 +2266,7 @@
           <p:spPr>
             <a:xfrm>
               <a:off x="8174047" y="-1"/>
-              <a:ext cx="967571" cy="5149851"/>
+              <a:ext cx="967572" cy="5149853"/>
             </a:xfrm>
             <a:custGeom>
               <a:avLst/>
@@ -2466,7 +2338,7 @@
           <p:spPr>
             <a:xfrm>
               <a:off x="8204249" y="-1"/>
-              <a:ext cx="937369" cy="5149851"/>
+              <a:ext cx="937370" cy="5149853"/>
             </a:xfrm>
             <a:custGeom>
               <a:avLst/>
@@ -2538,7 +2410,7 @@
           <p:spPr>
             <a:xfrm>
               <a:off x="7778749" y="2698750"/>
-              <a:ext cx="1362870" cy="2451100"/>
+              <a:ext cx="1362871" cy="2451102"/>
             </a:xfrm>
             <a:custGeom>
               <a:avLst/>
@@ -2603,8 +2475,8 @@
           </p:nvSpPr>
           <p:spPr>
             <a:xfrm rot="10800000">
-              <a:off x="0" y="6350"/>
-              <a:ext cx="631948" cy="4249616"/>
+              <a:off x="-1" y="6349"/>
+              <a:ext cx="631949" cy="4249618"/>
             </a:xfrm>
             <a:custGeom>
               <a:avLst/>
@@ -2714,7 +2586,7 @@
         <p:txBody>
           <a:bodyPr lIns="45699" tIns="45699" rIns="45699" bIns="45699"/>
           <a:lstStyle>
-            <a:lvl1pPr marL="297179" indent="-137159" algn="r">
+            <a:lvl1pPr marL="137158" indent="22861" algn="r">
               <a:spcBef>
                 <a:spcPts val="700"/>
               </a:spcBef>
@@ -2728,7 +2600,7 @@
                 </a:solidFill>
               </a:defRPr>
             </a:lvl1pPr>
-            <a:lvl2pPr marL="297179" indent="327660" algn="r">
+            <a:lvl2pPr marL="137158" indent="160020" algn="r">
               <a:spcBef>
                 <a:spcPts val="700"/>
               </a:spcBef>
@@ -2742,7 +2614,7 @@
                 </a:solidFill>
               </a:defRPr>
             </a:lvl2pPr>
-            <a:lvl3pPr marL="297179" indent="792480" algn="r">
+            <a:lvl3pPr marL="137158" indent="160020" algn="r">
               <a:spcBef>
                 <a:spcPts val="700"/>
               </a:spcBef>
@@ -2756,7 +2628,7 @@
                 </a:solidFill>
               </a:defRPr>
             </a:lvl3pPr>
-            <a:lvl4pPr marL="297179" indent="1257300" algn="r">
+            <a:lvl4pPr marL="137158" indent="160020" algn="r">
               <a:spcBef>
                 <a:spcPts val="700"/>
               </a:spcBef>
@@ -2770,7 +2642,7 @@
                 </a:solidFill>
               </a:defRPr>
             </a:lvl4pPr>
-            <a:lvl5pPr marL="297179" indent="1714500" algn="r">
+            <a:lvl5pPr marL="137158" indent="160020" algn="r">
               <a:spcBef>
                 <a:spcPts val="700"/>
               </a:spcBef>
@@ -2827,8 +2699,8 @@
         </p:nvSpPr>
         <p:spPr>
           <a:xfrm>
-            <a:off x="6771481" y="4577793"/>
-            <a:ext cx="184021" cy="180301"/>
+            <a:off x="6771483" y="4577794"/>
+            <a:ext cx="184020" cy="180299"/>
           </a:xfrm>
           <a:prstGeom prst="rect">
             <a:avLst/>
@@ -2912,7 +2784,7 @@
         <p:spPr>
           <a:xfrm>
             <a:off x="508001" y="457200"/>
-            <a:ext cx="6447502" cy="2884290"/>
+            <a:ext cx="6447503" cy="2884291"/>
           </a:xfrm>
           <a:prstGeom prst="rect">
             <a:avLst/>
@@ -2939,7 +2811,7 @@
         <p:spPr>
           <a:xfrm>
             <a:off x="508001" y="4025503"/>
-            <a:ext cx="6447500" cy="505519"/>
+            <a:ext cx="6447500" cy="505520"/>
           </a:xfrm>
           <a:prstGeom prst="rect">
             <a:avLst/>
@@ -2948,7 +2820,7 @@
         <p:txBody>
           <a:bodyPr lIns="45699" tIns="45699" rIns="45699" bIns="45699"/>
           <a:lstStyle>
-            <a:lvl1pPr marL="228600" indent="0">
+            <a:lvl1pPr marL="0" indent="228600">
               <a:spcBef>
                 <a:spcPts val="700"/>
               </a:spcBef>
@@ -2958,7 +2830,7 @@
               <a:buNone/>
               <a:defRPr sz="900"/>
             </a:lvl1pPr>
-            <a:lvl2pPr marL="228600" indent="457200">
+            <a:lvl2pPr marL="0" indent="228600">
               <a:spcBef>
                 <a:spcPts val="700"/>
               </a:spcBef>
@@ -2968,7 +2840,7 @@
               <a:buNone/>
               <a:defRPr sz="900"/>
             </a:lvl2pPr>
-            <a:lvl3pPr marL="228600" indent="914400">
+            <a:lvl3pPr marL="0" indent="228600">
               <a:spcBef>
                 <a:spcPts val="700"/>
               </a:spcBef>
@@ -2978,7 +2850,7 @@
               <a:buNone/>
               <a:defRPr sz="900"/>
             </a:lvl3pPr>
-            <a:lvl4pPr marL="228600" indent="1371600">
+            <a:lvl4pPr marL="0" indent="228600">
               <a:spcBef>
                 <a:spcPts val="700"/>
               </a:spcBef>
@@ -2988,7 +2860,7 @@
               <a:buNone/>
               <a:defRPr sz="900"/>
             </a:lvl4pPr>
-            <a:lvl5pPr marL="228600" indent="1828800">
+            <a:lvl5pPr marL="0" indent="228600">
               <a:spcBef>
                 <a:spcPts val="700"/>
               </a:spcBef>
@@ -3041,8 +2913,8 @@
         </p:nvSpPr>
         <p:spPr>
           <a:xfrm>
-            <a:off x="6771481" y="4577793"/>
-            <a:ext cx="184021" cy="180301"/>
+            <a:off x="6771483" y="4577794"/>
+            <a:ext cx="184020" cy="180299"/>
           </a:xfrm>
           <a:prstGeom prst="rect">
             <a:avLst/>
@@ -3094,7 +2966,7 @@
         <p:spPr>
           <a:xfrm>
             <a:off x="508001" y="457200"/>
-            <a:ext cx="6447502" cy="2552700"/>
+            <a:ext cx="6447503" cy="2552700"/>
           </a:xfrm>
           <a:prstGeom prst="rect">
             <a:avLst/>
@@ -3126,7 +2998,7 @@
         <p:spPr>
           <a:xfrm>
             <a:off x="508001" y="3352800"/>
-            <a:ext cx="6447502" cy="1178222"/>
+            <a:ext cx="6447503" cy="1178222"/>
           </a:xfrm>
           <a:prstGeom prst="rect">
             <a:avLst/>
@@ -3135,7 +3007,7 @@
         <p:txBody>
           <a:bodyPr lIns="45699" tIns="45699" rIns="45699" bIns="45699" anchor="ctr"/>
           <a:lstStyle>
-            <a:lvl1pPr marL="228600" indent="0">
+            <a:lvl1pPr marL="0" indent="228600">
               <a:spcBef>
                 <a:spcPts val="700"/>
               </a:spcBef>
@@ -3144,7 +3016,7 @@
               <a:buFontTx/>
               <a:buNone/>
             </a:lvl1pPr>
-            <a:lvl2pPr marL="228600" indent="457200">
+            <a:lvl2pPr marL="0" indent="228600">
               <a:spcBef>
                 <a:spcPts val="700"/>
               </a:spcBef>
@@ -3153,7 +3025,7 @@
               <a:buFontTx/>
               <a:buNone/>
             </a:lvl2pPr>
-            <a:lvl3pPr marL="228600" indent="914400">
+            <a:lvl3pPr marL="0" indent="228600">
               <a:spcBef>
                 <a:spcPts val="700"/>
               </a:spcBef>
@@ -3162,7 +3034,7 @@
               <a:buFontTx/>
               <a:buNone/>
             </a:lvl3pPr>
-            <a:lvl4pPr marL="228600" indent="1371600">
+            <a:lvl4pPr marL="0" indent="228600">
               <a:spcBef>
                 <a:spcPts val="700"/>
               </a:spcBef>
@@ -3171,7 +3043,7 @@
               <a:buFontTx/>
               <a:buNone/>
             </a:lvl4pPr>
-            <a:lvl5pPr marL="228600" indent="1828800">
+            <a:lvl5pPr marL="0" indent="228600">
               <a:spcBef>
                 <a:spcPts val="700"/>
               </a:spcBef>
@@ -3223,8 +3095,8 @@
         </p:nvSpPr>
         <p:spPr>
           <a:xfrm>
-            <a:off x="6771481" y="4577793"/>
-            <a:ext cx="184021" cy="180301"/>
+            <a:off x="6771483" y="4577794"/>
+            <a:ext cx="184020" cy="180299"/>
           </a:xfrm>
           <a:prstGeom prst="rect">
             <a:avLst/>
@@ -3317,7 +3189,7 @@
         <p:txBody>
           <a:bodyPr lIns="45699" tIns="45699" rIns="45699" bIns="45699" anchor="ctr"/>
           <a:lstStyle>
-            <a:lvl1pPr marL="228600" indent="0">
+            <a:lvl1pPr marL="0" indent="228600">
               <a:spcBef>
                 <a:spcPts val="700"/>
               </a:spcBef>
@@ -3331,7 +3203,7 @@
                 </a:solidFill>
               </a:defRPr>
             </a:lvl1pPr>
-            <a:lvl2pPr marL="228600" indent="457200">
+            <a:lvl2pPr marL="0" indent="228600">
               <a:spcBef>
                 <a:spcPts val="700"/>
               </a:spcBef>
@@ -3345,7 +3217,7 @@
                 </a:solidFill>
               </a:defRPr>
             </a:lvl2pPr>
-            <a:lvl3pPr marL="228600" indent="914400">
+            <a:lvl3pPr marL="0" indent="228600">
               <a:spcBef>
                 <a:spcPts val="700"/>
               </a:spcBef>
@@ -3359,7 +3231,7 @@
                 </a:solidFill>
               </a:defRPr>
             </a:lvl3pPr>
-            <a:lvl4pPr marL="228600" indent="1371600">
+            <a:lvl4pPr marL="0" indent="228600">
               <a:spcBef>
                 <a:spcPts val="700"/>
               </a:spcBef>
@@ -3373,7 +3245,7 @@
                 </a:solidFill>
               </a:defRPr>
             </a:lvl4pPr>
-            <a:lvl5pPr marL="228600" indent="1828800">
+            <a:lvl5pPr marL="0" indent="228600">
               <a:spcBef>
                 <a:spcPts val="700"/>
               </a:spcBef>
@@ -3430,8 +3302,8 @@
         </p:nvSpPr>
         <p:spPr>
           <a:xfrm>
-            <a:off x="508001" y="3352800"/>
-            <a:ext cx="6447502" cy="1178222"/>
+            <a:off x="508000" y="3352800"/>
+            <a:ext cx="6447504" cy="1178222"/>
           </a:xfrm>
           <a:prstGeom prst="rect">
             <a:avLst/>
@@ -3441,15 +3313,7 @@
           <a:bodyPr lIns="45699" tIns="45699" rIns="45699" bIns="45699" anchor="ctr"/>
           <a:lstStyle/>
           <a:p>
-            <a:pPr marL="228600" indent="0">
-              <a:spcBef>
-                <a:spcPts val="700"/>
-              </a:spcBef>
-              <a:buClrTx/>
-              <a:buSzTx/>
-              <a:buFontTx/>
-              <a:buNone/>
-            </a:pPr>
+            <a:pPr/>
           </a:p>
         </p:txBody>
       </p:sp>
@@ -3461,8 +3325,8 @@
         </p:nvSpPr>
         <p:spPr>
           <a:xfrm>
-            <a:off x="440703" y="352114"/>
-            <a:ext cx="388601" cy="919922"/>
+            <a:off x="440702" y="352113"/>
+            <a:ext cx="388603" cy="919923"/>
           </a:xfrm>
           <a:prstGeom prst="rect">
             <a:avLst/>
@@ -3506,7 +3370,7 @@
         <p:spPr>
           <a:xfrm>
             <a:off x="6704058" y="1924247"/>
-            <a:ext cx="388601" cy="919922"/>
+            <a:ext cx="388602" cy="919922"/>
           </a:xfrm>
           <a:prstGeom prst="rect">
             <a:avLst/>
@@ -3551,8 +3415,8 @@
         </p:nvSpPr>
         <p:spPr>
           <a:xfrm>
-            <a:off x="6771481" y="4577793"/>
-            <a:ext cx="184021" cy="180301"/>
+            <a:off x="6771483" y="4577794"/>
+            <a:ext cx="184020" cy="180299"/>
           </a:xfrm>
           <a:prstGeom prst="rect">
             <a:avLst/>
@@ -3604,7 +3468,7 @@
         <p:spPr>
           <a:xfrm>
             <a:off x="508001" y="1448991"/>
-            <a:ext cx="6447502" cy="1946595"/>
+            <a:ext cx="6447503" cy="1946595"/>
           </a:xfrm>
           <a:prstGeom prst="rect">
             <a:avLst/>
@@ -3636,7 +3500,7 @@
         <p:spPr>
           <a:xfrm>
             <a:off x="508001" y="3395586"/>
-            <a:ext cx="6447502" cy="1135437"/>
+            <a:ext cx="6447503" cy="1135438"/>
           </a:xfrm>
           <a:prstGeom prst="rect">
             <a:avLst/>
@@ -3645,7 +3509,7 @@
         <p:txBody>
           <a:bodyPr lIns="45699" tIns="45699" rIns="45699" bIns="45699"/>
           <a:lstStyle>
-            <a:lvl1pPr marL="228600" indent="0">
+            <a:lvl1pPr marL="0" indent="228600">
               <a:spcBef>
                 <a:spcPts val="700"/>
               </a:spcBef>
@@ -3654,7 +3518,7 @@
               <a:buFontTx/>
               <a:buNone/>
             </a:lvl1pPr>
-            <a:lvl2pPr marL="228600" indent="457200">
+            <a:lvl2pPr marL="0" indent="228600">
               <a:spcBef>
                 <a:spcPts val="700"/>
               </a:spcBef>
@@ -3663,7 +3527,7 @@
               <a:buFontTx/>
               <a:buNone/>
             </a:lvl2pPr>
-            <a:lvl3pPr marL="228600" indent="914400">
+            <a:lvl3pPr marL="0" indent="228600">
               <a:spcBef>
                 <a:spcPts val="700"/>
               </a:spcBef>
@@ -3672,7 +3536,7 @@
               <a:buFontTx/>
               <a:buNone/>
             </a:lvl3pPr>
-            <a:lvl4pPr marL="228600" indent="1371600">
+            <a:lvl4pPr marL="0" indent="228600">
               <a:spcBef>
                 <a:spcPts val="700"/>
               </a:spcBef>
@@ -3681,7 +3545,7 @@
               <a:buFontTx/>
               <a:buNone/>
             </a:lvl4pPr>
-            <a:lvl5pPr marL="228600" indent="1828800">
+            <a:lvl5pPr marL="0" indent="228600">
               <a:spcBef>
                 <a:spcPts val="700"/>
               </a:spcBef>
@@ -3733,8 +3597,8 @@
         </p:nvSpPr>
         <p:spPr>
           <a:xfrm>
-            <a:off x="6771481" y="4577793"/>
-            <a:ext cx="184021" cy="180301"/>
+            <a:off x="6771483" y="4577794"/>
+            <a:ext cx="184020" cy="180299"/>
           </a:xfrm>
           <a:prstGeom prst="rect">
             <a:avLst/>
@@ -3818,7 +3682,7 @@
         <p:spPr>
           <a:xfrm>
             <a:off x="507998" y="3009900"/>
-            <a:ext cx="6447504" cy="385687"/>
+            <a:ext cx="6447505" cy="385687"/>
           </a:xfrm>
           <a:prstGeom prst="rect">
             <a:avLst/>
@@ -3827,7 +3691,7 @@
         <p:txBody>
           <a:bodyPr lIns="45699" tIns="45699" rIns="45699" bIns="45699" anchor="b"/>
           <a:lstStyle>
-            <a:lvl1pPr marL="228600" indent="0">
+            <a:lvl1pPr marL="0" indent="228600">
               <a:spcBef>
                 <a:spcPts val="700"/>
               </a:spcBef>
@@ -3837,7 +3701,7 @@
               <a:buNone/>
               <a:defRPr sz="1800"/>
             </a:lvl1pPr>
-            <a:lvl2pPr marL="228600" indent="457200">
+            <a:lvl2pPr marL="0" indent="228600">
               <a:spcBef>
                 <a:spcPts val="700"/>
               </a:spcBef>
@@ -3847,7 +3711,7 @@
               <a:buNone/>
               <a:defRPr sz="1800"/>
             </a:lvl2pPr>
-            <a:lvl3pPr marL="228600" indent="914400">
+            <a:lvl3pPr marL="0" indent="228600">
               <a:spcBef>
                 <a:spcPts val="700"/>
               </a:spcBef>
@@ -3857,7 +3721,7 @@
               <a:buNone/>
               <a:defRPr sz="1800"/>
             </a:lvl3pPr>
-            <a:lvl4pPr marL="228600" indent="1371600">
+            <a:lvl4pPr marL="0" indent="228600">
               <a:spcBef>
                 <a:spcPts val="700"/>
               </a:spcBef>
@@ -3867,7 +3731,7 @@
               <a:buNone/>
               <a:defRPr sz="1800"/>
             </a:lvl4pPr>
-            <a:lvl5pPr marL="228600" indent="1828800">
+            <a:lvl5pPr marL="0" indent="228600">
               <a:spcBef>
                 <a:spcPts val="700"/>
               </a:spcBef>
@@ -3920,8 +3784,8 @@
         </p:nvSpPr>
         <p:spPr>
           <a:xfrm>
-            <a:off x="508001" y="3395586"/>
-            <a:ext cx="6447502" cy="1135437"/>
+            <a:off x="508000" y="3395586"/>
+            <a:ext cx="6447504" cy="1135438"/>
           </a:xfrm>
           <a:prstGeom prst="rect">
             <a:avLst/>
@@ -3931,20 +3795,7 @@
           <a:bodyPr lIns="45699" tIns="45699" rIns="45699" bIns="45699"/>
           <a:lstStyle/>
           <a:p>
-            <a:pPr marL="228600" indent="0">
-              <a:spcBef>
-                <a:spcPts val="700"/>
-              </a:spcBef>
-              <a:buClrTx/>
-              <a:buSzTx/>
-              <a:buFontTx/>
-              <a:buNone/>
-              <a:defRPr>
-                <a:solidFill>
-                  <a:srgbClr val="7F7F7F"/>
-                </a:solidFill>
-              </a:defRPr>
-            </a:pPr>
+            <a:pPr/>
           </a:p>
         </p:txBody>
       </p:sp>
@@ -3956,8 +3807,8 @@
         </p:nvSpPr>
         <p:spPr>
           <a:xfrm>
-            <a:off x="440703" y="352114"/>
-            <a:ext cx="388601" cy="919922"/>
+            <a:off x="440702" y="352113"/>
+            <a:ext cx="388603" cy="919923"/>
           </a:xfrm>
           <a:prstGeom prst="rect">
             <a:avLst/>
@@ -4001,7 +3852,7 @@
         <p:spPr>
           <a:xfrm>
             <a:off x="6704058" y="1924247"/>
-            <a:ext cx="388601" cy="919922"/>
+            <a:ext cx="388602" cy="919922"/>
           </a:xfrm>
           <a:prstGeom prst="rect">
             <a:avLst/>
@@ -4046,8 +3897,8 @@
         </p:nvSpPr>
         <p:spPr>
           <a:xfrm>
-            <a:off x="6771481" y="4577793"/>
-            <a:ext cx="184021" cy="180301"/>
+            <a:off x="6771483" y="4577794"/>
+            <a:ext cx="184020" cy="180299"/>
           </a:xfrm>
           <a:prstGeom prst="rect">
             <a:avLst/>
@@ -4131,7 +3982,7 @@
         <p:spPr>
           <a:xfrm>
             <a:off x="507998" y="3009900"/>
-            <a:ext cx="6447504" cy="385687"/>
+            <a:ext cx="6447505" cy="385687"/>
           </a:xfrm>
           <a:prstGeom prst="rect">
             <a:avLst/>
@@ -4140,7 +3991,7 @@
         <p:txBody>
           <a:bodyPr lIns="45699" tIns="45699" rIns="45699" bIns="45699" anchor="b"/>
           <a:lstStyle>
-            <a:lvl1pPr marL="228600" indent="0">
+            <a:lvl1pPr marL="0" indent="228600">
               <a:spcBef>
                 <a:spcPts val="700"/>
               </a:spcBef>
@@ -4154,7 +4005,7 @@
                 </a:solidFill>
               </a:defRPr>
             </a:lvl1pPr>
-            <a:lvl2pPr marL="228600" indent="457200">
+            <a:lvl2pPr marL="0" indent="228600">
               <a:spcBef>
                 <a:spcPts val="700"/>
               </a:spcBef>
@@ -4168,7 +4019,7 @@
                 </a:solidFill>
               </a:defRPr>
             </a:lvl2pPr>
-            <a:lvl3pPr marL="228600" indent="914400">
+            <a:lvl3pPr marL="0" indent="228600">
               <a:spcBef>
                 <a:spcPts val="700"/>
               </a:spcBef>
@@ -4182,7 +4033,7 @@
                 </a:solidFill>
               </a:defRPr>
             </a:lvl3pPr>
-            <a:lvl4pPr marL="228600" indent="1371600">
+            <a:lvl4pPr marL="0" indent="228600">
               <a:spcBef>
                 <a:spcPts val="700"/>
               </a:spcBef>
@@ -4196,7 +4047,7 @@
                 </a:solidFill>
               </a:defRPr>
             </a:lvl4pPr>
-            <a:lvl5pPr marL="228600" indent="1828800">
+            <a:lvl5pPr marL="0" indent="228600">
               <a:spcBef>
                 <a:spcPts val="700"/>
               </a:spcBef>
@@ -4253,8 +4104,8 @@
         </p:nvSpPr>
         <p:spPr>
           <a:xfrm>
-            <a:off x="508001" y="3395586"/>
-            <a:ext cx="6447502" cy="1135437"/>
+            <a:off x="508000" y="3395586"/>
+            <a:ext cx="6447504" cy="1135438"/>
           </a:xfrm>
           <a:prstGeom prst="rect">
             <a:avLst/>
@@ -4264,20 +4115,7 @@
           <a:bodyPr lIns="45699" tIns="45699" rIns="45699" bIns="45699"/>
           <a:lstStyle/>
           <a:p>
-            <a:pPr marL="228600" indent="0">
-              <a:spcBef>
-                <a:spcPts val="700"/>
-              </a:spcBef>
-              <a:buClrTx/>
-              <a:buSzTx/>
-              <a:buFontTx/>
-              <a:buNone/>
-              <a:defRPr>
-                <a:solidFill>
-                  <a:srgbClr val="7F7F7F"/>
-                </a:solidFill>
-              </a:defRPr>
-            </a:pPr>
+            <a:pPr/>
           </a:p>
         </p:txBody>
       </p:sp>
@@ -4291,8 +4129,8 @@
         </p:nvSpPr>
         <p:spPr>
           <a:xfrm>
-            <a:off x="6771481" y="4577793"/>
-            <a:ext cx="184021" cy="180301"/>
+            <a:off x="6771483" y="4577794"/>
+            <a:ext cx="184020" cy="180299"/>
           </a:xfrm>
           <a:prstGeom prst="rect">
             <a:avLst/>
@@ -4344,7 +4182,7 @@
         <p:spPr>
           <a:xfrm>
             <a:off x="508001" y="457200"/>
-            <a:ext cx="6447502" cy="990600"/>
+            <a:ext cx="6447503" cy="990600"/>
           </a:xfrm>
           <a:prstGeom prst="rect">
             <a:avLst/>
@@ -4372,7 +4210,7 @@
         <p:spPr>
           <a:xfrm rot="5400000">
             <a:off x="2276462" y="-148020"/>
-            <a:ext cx="2910581" cy="6447503"/>
+            <a:ext cx="2910582" cy="6447503"/>
           </a:xfrm>
           <a:prstGeom prst="rect">
             <a:avLst/>
@@ -4387,25 +4225,25 @@
               </a:spcBef>
               <a:buChar char="►"/>
             </a:lvl1pPr>
-            <a:lvl2pPr marL="941069" indent="-346709">
+            <a:lvl2pPr marL="941069" indent="-346708">
               <a:spcBef>
                 <a:spcPts val="700"/>
               </a:spcBef>
               <a:buChar char="►"/>
             </a:lvl2pPr>
-            <a:lvl3pPr marL="1467611" indent="-416050">
+            <a:lvl3pPr marL="1467611" indent="-416049">
               <a:spcBef>
                 <a:spcPts val="700"/>
               </a:spcBef>
               <a:buChar char="►"/>
             </a:lvl3pPr>
-            <a:lvl4pPr marL="1971039" indent="-462278">
+            <a:lvl4pPr marL="1971038" indent="-462277">
               <a:spcBef>
                 <a:spcPts val="700"/>
               </a:spcBef>
               <a:buChar char="►"/>
             </a:lvl4pPr>
-            <a:lvl5pPr marL="2428239" indent="-462278">
+            <a:lvl5pPr marL="2428238" indent="-462277">
               <a:spcBef>
                 <a:spcPts val="700"/>
               </a:spcBef>
@@ -4454,8 +4292,8 @@
         </p:nvSpPr>
         <p:spPr>
           <a:xfrm>
-            <a:off x="6771481" y="4577793"/>
-            <a:ext cx="184021" cy="180301"/>
+            <a:off x="6771483" y="4577794"/>
+            <a:ext cx="184020" cy="180299"/>
           </a:xfrm>
           <a:prstGeom prst="rect">
             <a:avLst/>
@@ -4507,7 +4345,7 @@
         <p:spPr>
           <a:xfrm rot="5400000">
             <a:off x="4495739" y="1937215"/>
-            <a:ext cx="3938589" cy="978558"/>
+            <a:ext cx="3938590" cy="978559"/>
           </a:xfrm>
           <a:prstGeom prst="rect">
             <a:avLst/>
@@ -4534,8 +4372,8 @@
         </p:nvSpPr>
         <p:spPr>
           <a:xfrm rot="5400000">
-            <a:off x="1186264" y="-221064"/>
-            <a:ext cx="3938588" cy="5295114"/>
+            <a:off x="1186264" y="-221065"/>
+            <a:ext cx="3938588" cy="5295115"/>
           </a:xfrm>
           <a:prstGeom prst="rect">
             <a:avLst/>
@@ -4550,25 +4388,25 @@
               </a:spcBef>
               <a:buChar char="►"/>
             </a:lvl1pPr>
-            <a:lvl2pPr marL="941069" indent="-346709">
+            <a:lvl2pPr marL="941069" indent="-346708">
               <a:spcBef>
                 <a:spcPts val="700"/>
               </a:spcBef>
               <a:buChar char="►"/>
             </a:lvl2pPr>
-            <a:lvl3pPr marL="1467611" indent="-416050">
+            <a:lvl3pPr marL="1467611" indent="-416049">
               <a:spcBef>
                 <a:spcPts val="700"/>
               </a:spcBef>
               <a:buChar char="►"/>
             </a:lvl3pPr>
-            <a:lvl4pPr marL="1971039" indent="-462278">
+            <a:lvl4pPr marL="1971038" indent="-462277">
               <a:spcBef>
                 <a:spcPts val="700"/>
               </a:spcBef>
               <a:buChar char="►"/>
             </a:lvl4pPr>
-            <a:lvl5pPr marL="2428239" indent="-462278">
+            <a:lvl5pPr marL="2428238" indent="-462277">
               <a:spcBef>
                 <a:spcPts val="700"/>
               </a:spcBef>
@@ -4617,8 +4455,8 @@
         </p:nvSpPr>
         <p:spPr>
           <a:xfrm>
-            <a:off x="6771481" y="4577793"/>
-            <a:ext cx="184021" cy="180301"/>
+            <a:off x="6771483" y="4577794"/>
+            <a:ext cx="184020" cy="180299"/>
           </a:xfrm>
           <a:prstGeom prst="rect">
             <a:avLst/>
@@ -4694,9 +4532,9 @@
                 <a:solidFill>
                   <a:srgbClr val="FFFFFF"/>
                 </a:solidFill>
-                <a:latin typeface="+mj-lt"/>
-                <a:ea typeface="+mj-ea"/>
-                <a:cs typeface="+mj-cs"/>
+                <a:latin typeface="+mn-lt"/>
+                <a:ea typeface="+mn-ea"/>
+                <a:cs typeface="+mn-cs"/>
                 <a:sym typeface="Helvetica"/>
               </a:defRPr>
             </a:lvl1pPr>
@@ -4720,7 +4558,7 @@
         <p:spPr>
           <a:xfrm>
             <a:off x="452437" y="2698824"/>
-            <a:ext cx="8239126" cy="714380"/>
+            <a:ext cx="8239126" cy="714381"/>
           </a:xfrm>
           <a:prstGeom prst="rect">
             <a:avLst/>
@@ -4738,9 +4576,9 @@
                 <a:solidFill>
                   <a:srgbClr val="FFFFFF"/>
                 </a:solidFill>
-                <a:latin typeface="+mj-lt"/>
-                <a:ea typeface="+mj-ea"/>
-                <a:cs typeface="+mj-cs"/>
+                <a:latin typeface="+mn-lt"/>
+                <a:ea typeface="+mn-ea"/>
+                <a:cs typeface="+mn-cs"/>
                 <a:sym typeface="Helvetica"/>
               </a:defRPr>
             </a:lvl1pPr>
@@ -4753,9 +4591,9 @@
                 <a:solidFill>
                   <a:srgbClr val="FFFFFF"/>
                 </a:solidFill>
-                <a:latin typeface="+mj-lt"/>
-                <a:ea typeface="+mj-ea"/>
-                <a:cs typeface="+mj-cs"/>
+                <a:latin typeface="+mn-lt"/>
+                <a:ea typeface="+mn-ea"/>
+                <a:cs typeface="+mn-cs"/>
                 <a:sym typeface="Helvetica"/>
               </a:defRPr>
             </a:lvl2pPr>
@@ -4768,9 +4606,9 @@
                 <a:solidFill>
                   <a:srgbClr val="FFFFFF"/>
                 </a:solidFill>
-                <a:latin typeface="+mj-lt"/>
-                <a:ea typeface="+mj-ea"/>
-                <a:cs typeface="+mj-cs"/>
+                <a:latin typeface="+mn-lt"/>
+                <a:ea typeface="+mn-ea"/>
+                <a:cs typeface="+mn-cs"/>
                 <a:sym typeface="Helvetica"/>
               </a:defRPr>
             </a:lvl3pPr>
@@ -4783,9 +4621,9 @@
                 <a:solidFill>
                   <a:srgbClr val="FFFFFF"/>
                 </a:solidFill>
-                <a:latin typeface="+mj-lt"/>
-                <a:ea typeface="+mj-ea"/>
-                <a:cs typeface="+mj-cs"/>
+                <a:latin typeface="+mn-lt"/>
+                <a:ea typeface="+mn-ea"/>
+                <a:cs typeface="+mn-cs"/>
                 <a:sym typeface="Helvetica"/>
               </a:defRPr>
             </a:lvl4pPr>
@@ -4798,9 +4636,9 @@
                 <a:solidFill>
                   <a:srgbClr val="FFFFFF"/>
                 </a:solidFill>
-                <a:latin typeface="+mj-lt"/>
-                <a:ea typeface="+mj-ea"/>
-                <a:cs typeface="+mj-cs"/>
+                <a:latin typeface="+mn-lt"/>
+                <a:ea typeface="+mn-ea"/>
+                <a:cs typeface="+mn-cs"/>
                 <a:sym typeface="Helvetica"/>
               </a:defRPr>
             </a:lvl5pPr>
@@ -4885,7 +4723,7 @@
         <p:spPr>
           <a:xfrm>
             <a:off x="-206645" y="4003075"/>
-            <a:ext cx="2676121" cy="1504498"/>
+            <a:ext cx="2676121" cy="1504499"/>
           </a:xfrm>
           <a:prstGeom prst="rect">
             <a:avLst/>
@@ -4914,7 +4752,7 @@
         <p:spPr>
           <a:xfrm>
             <a:off x="3566517" y="4003075"/>
-            <a:ext cx="2127278" cy="1504498"/>
+            <a:ext cx="2127279" cy="1504499"/>
           </a:xfrm>
           <a:prstGeom prst="rect">
             <a:avLst/>
@@ -4932,10 +4770,10 @@
         </p:nvGrpSpPr>
         <p:grpSpPr>
           <a:xfrm>
-            <a:off x="2191" y="-20603"/>
-            <a:ext cx="9139616" cy="574446"/>
-            <a:chOff x="-1" y="0"/>
-            <a:chExt cx="9139614" cy="574445"/>
+            <a:off x="2189" y="-20605"/>
+            <a:ext cx="9139619" cy="574448"/>
+            <a:chOff x="-1" y="-1"/>
+            <a:chExt cx="9139618" cy="574447"/>
           </a:xfrm>
         </p:grpSpPr>
         <p:sp>
@@ -4946,8 +4784,8 @@
           </p:nvSpPr>
           <p:spPr>
             <a:xfrm>
-              <a:off x="-2" y="-1"/>
-              <a:ext cx="9139616" cy="574446"/>
+              <a:off x="-2" y="-2"/>
+              <a:ext cx="9139619" cy="574448"/>
             </a:xfrm>
             <a:prstGeom prst="rect">
               <a:avLst/>
@@ -4990,7 +4828,7 @@
           <p:spPr>
             <a:xfrm>
               <a:off x="-2" y="175130"/>
-              <a:ext cx="9139616" cy="224180"/>
+              <a:ext cx="9139619" cy="224180"/>
             </a:xfrm>
             <a:prstGeom prst="rect">
               <a:avLst/>
@@ -5072,7 +4910,7 @@
         </p:nvSpPr>
         <p:spPr>
           <a:xfrm>
-            <a:off x="4501889" y="4918852"/>
+            <a:off x="4501889" y="4918853"/>
             <a:ext cx="135536" cy="127001"/>
           </a:xfrm>
           <a:prstGeom prst="rect">
@@ -5257,7 +5095,7 @@
         <p:spPr>
           <a:xfrm>
             <a:off x="508001" y="457200"/>
-            <a:ext cx="6447502" cy="990600"/>
+            <a:ext cx="6447503" cy="990600"/>
           </a:xfrm>
           <a:prstGeom prst="rect">
             <a:avLst/>
@@ -5285,7 +5123,7 @@
         <p:spPr>
           <a:xfrm>
             <a:off x="508001" y="1620441"/>
-            <a:ext cx="6447502" cy="2910582"/>
+            <a:ext cx="6447503" cy="2910583"/>
           </a:xfrm>
           <a:prstGeom prst="rect">
             <a:avLst/>
@@ -5300,25 +5138,25 @@
               </a:spcBef>
               <a:buChar char="►"/>
             </a:lvl1pPr>
-            <a:lvl2pPr marL="941069" indent="-346709">
+            <a:lvl2pPr marL="941069" indent="-346708">
               <a:spcBef>
                 <a:spcPts val="700"/>
               </a:spcBef>
               <a:buChar char="►"/>
             </a:lvl2pPr>
-            <a:lvl3pPr marL="1467611" indent="-416050">
+            <a:lvl3pPr marL="1467611" indent="-416049">
               <a:spcBef>
                 <a:spcPts val="700"/>
               </a:spcBef>
               <a:buChar char="►"/>
             </a:lvl3pPr>
-            <a:lvl4pPr marL="1971039" indent="-462278">
+            <a:lvl4pPr marL="1971038" indent="-462277">
               <a:spcBef>
                 <a:spcPts val="700"/>
               </a:spcBef>
               <a:buChar char="►"/>
             </a:lvl4pPr>
-            <a:lvl5pPr marL="2428239" indent="-462278">
+            <a:lvl5pPr marL="2428238" indent="-462277">
               <a:spcBef>
                 <a:spcPts val="700"/>
               </a:spcBef>
@@ -5367,8 +5205,8 @@
         </p:nvSpPr>
         <p:spPr>
           <a:xfrm>
-            <a:off x="6771481" y="4577793"/>
-            <a:ext cx="184021" cy="180301"/>
+            <a:off x="6771483" y="4577794"/>
+            <a:ext cx="184020" cy="180299"/>
           </a:xfrm>
           <a:prstGeom prst="rect">
             <a:avLst/>
@@ -5420,7 +5258,7 @@
         <p:spPr>
           <a:xfrm>
             <a:off x="508001" y="2025650"/>
-            <a:ext cx="6447502" cy="1369937"/>
+            <a:ext cx="6447503" cy="1369938"/>
           </a:xfrm>
           <a:prstGeom prst="rect">
             <a:avLst/>
@@ -5452,7 +5290,7 @@
         <p:spPr>
           <a:xfrm>
             <a:off x="508001" y="3395586"/>
-            <a:ext cx="6447502" cy="645301"/>
+            <a:ext cx="6447503" cy="645302"/>
           </a:xfrm>
           <a:prstGeom prst="rect">
             <a:avLst/>
@@ -5461,7 +5299,7 @@
         <p:txBody>
           <a:bodyPr lIns="45699" tIns="45699" rIns="45699" bIns="45699"/>
           <a:lstStyle>
-            <a:lvl1pPr marL="228600" indent="0">
+            <a:lvl1pPr marL="0" indent="228600">
               <a:spcBef>
                 <a:spcPts val="700"/>
               </a:spcBef>
@@ -5475,7 +5313,7 @@
                 </a:solidFill>
               </a:defRPr>
             </a:lvl1pPr>
-            <a:lvl2pPr marL="228600" indent="457200">
+            <a:lvl2pPr marL="0" indent="228600">
               <a:spcBef>
                 <a:spcPts val="700"/>
               </a:spcBef>
@@ -5489,7 +5327,7 @@
                 </a:solidFill>
               </a:defRPr>
             </a:lvl2pPr>
-            <a:lvl3pPr marL="228600" indent="914400">
+            <a:lvl3pPr marL="0" indent="228600">
               <a:spcBef>
                 <a:spcPts val="700"/>
               </a:spcBef>
@@ -5503,7 +5341,7 @@
                 </a:solidFill>
               </a:defRPr>
             </a:lvl3pPr>
-            <a:lvl4pPr marL="228600" indent="1371600">
+            <a:lvl4pPr marL="0" indent="228600">
               <a:spcBef>
                 <a:spcPts val="700"/>
               </a:spcBef>
@@ -5517,7 +5355,7 @@
                 </a:solidFill>
               </a:defRPr>
             </a:lvl4pPr>
-            <a:lvl5pPr marL="228600" indent="1828800">
+            <a:lvl5pPr marL="0" indent="228600">
               <a:spcBef>
                 <a:spcPts val="700"/>
               </a:spcBef>
@@ -5574,8 +5412,8 @@
         </p:nvSpPr>
         <p:spPr>
           <a:xfrm>
-            <a:off x="6771481" y="4577793"/>
-            <a:ext cx="184021" cy="180301"/>
+            <a:off x="6771483" y="4577794"/>
+            <a:ext cx="184020" cy="180299"/>
           </a:xfrm>
           <a:prstGeom prst="rect">
             <a:avLst/>
@@ -5627,7 +5465,7 @@
         <p:spPr>
           <a:xfrm>
             <a:off x="508001" y="457200"/>
-            <a:ext cx="6447502" cy="990600"/>
+            <a:ext cx="6447503" cy="990600"/>
           </a:xfrm>
           <a:prstGeom prst="rect">
             <a:avLst/>
@@ -5655,7 +5493,7 @@
         <p:spPr>
           <a:xfrm>
             <a:off x="508001" y="1620441"/>
-            <a:ext cx="3138027" cy="2910580"/>
+            <a:ext cx="3138028" cy="2910581"/>
           </a:xfrm>
           <a:prstGeom prst="rect">
             <a:avLst/>
@@ -5670,25 +5508,25 @@
               </a:spcBef>
               <a:buChar char="►"/>
             </a:lvl1pPr>
-            <a:lvl2pPr marL="941069" indent="-346709">
+            <a:lvl2pPr marL="941069" indent="-346708">
               <a:spcBef>
                 <a:spcPts val="700"/>
               </a:spcBef>
               <a:buChar char="►"/>
             </a:lvl2pPr>
-            <a:lvl3pPr marL="1467611" indent="-416050">
+            <a:lvl3pPr marL="1467611" indent="-416049">
               <a:spcBef>
                 <a:spcPts val="700"/>
               </a:spcBef>
               <a:buChar char="►"/>
             </a:lvl3pPr>
-            <a:lvl4pPr marL="1971039" indent="-462278">
+            <a:lvl4pPr marL="1971038" indent="-462277">
               <a:spcBef>
                 <a:spcPts val="700"/>
               </a:spcBef>
               <a:buChar char="►"/>
             </a:lvl4pPr>
-            <a:lvl5pPr marL="2428239" indent="-462278">
+            <a:lvl5pPr marL="2428238" indent="-462277">
               <a:spcBef>
                 <a:spcPts val="700"/>
               </a:spcBef>
@@ -5737,8 +5575,8 @@
         </p:nvSpPr>
         <p:spPr>
           <a:xfrm>
-            <a:off x="3817477" y="1620441"/>
-            <a:ext cx="3138027" cy="2910582"/>
+            <a:off x="3817477" y="1620440"/>
+            <a:ext cx="3138028" cy="2910584"/>
           </a:xfrm>
           <a:prstGeom prst="rect">
             <a:avLst/>
@@ -5748,12 +5586,7 @@
           <a:bodyPr lIns="45699" tIns="45699" rIns="45699" bIns="45699"/>
           <a:lstStyle/>
           <a:p>
-            <a:pPr indent="-320040">
-              <a:spcBef>
-                <a:spcPts val="700"/>
-              </a:spcBef>
-              <a:buChar char="►"/>
-            </a:pPr>
+            <a:pPr/>
           </a:p>
         </p:txBody>
       </p:sp>
@@ -5767,8 +5600,8 @@
         </p:nvSpPr>
         <p:spPr>
           <a:xfrm>
-            <a:off x="6771481" y="4577793"/>
-            <a:ext cx="184021" cy="180301"/>
+            <a:off x="6771483" y="4577794"/>
+            <a:ext cx="184020" cy="180299"/>
           </a:xfrm>
           <a:prstGeom prst="rect">
             <a:avLst/>
@@ -5820,7 +5653,7 @@
         <p:spPr>
           <a:xfrm>
             <a:off x="508001" y="457200"/>
-            <a:ext cx="6447502" cy="990600"/>
+            <a:ext cx="6447503" cy="990600"/>
           </a:xfrm>
           <a:prstGeom prst="rect">
             <a:avLst/>
@@ -5848,7 +5681,7 @@
         <p:spPr>
           <a:xfrm>
             <a:off x="506808" y="1620737"/>
-            <a:ext cx="3139218" cy="432198"/>
+            <a:ext cx="3139219" cy="432199"/>
           </a:xfrm>
           <a:prstGeom prst="rect">
             <a:avLst/>
@@ -5857,7 +5690,7 @@
         <p:txBody>
           <a:bodyPr lIns="45699" tIns="45699" rIns="45699" bIns="45699" anchor="b"/>
           <a:lstStyle>
-            <a:lvl1pPr marL="228600" indent="0">
+            <a:lvl1pPr marL="0" indent="228600">
               <a:spcBef>
                 <a:spcPts val="700"/>
               </a:spcBef>
@@ -5867,7 +5700,7 @@
               <a:buNone/>
               <a:defRPr sz="1800"/>
             </a:lvl1pPr>
-            <a:lvl2pPr marL="228600" indent="457200">
+            <a:lvl2pPr marL="0" indent="228600">
               <a:spcBef>
                 <a:spcPts val="700"/>
               </a:spcBef>
@@ -5877,7 +5710,7 @@
               <a:buNone/>
               <a:defRPr sz="1800"/>
             </a:lvl2pPr>
-            <a:lvl3pPr marL="228600" indent="914400">
+            <a:lvl3pPr marL="0" indent="228600">
               <a:spcBef>
                 <a:spcPts val="700"/>
               </a:spcBef>
@@ -5887,7 +5720,7 @@
               <a:buNone/>
               <a:defRPr sz="1800"/>
             </a:lvl3pPr>
-            <a:lvl4pPr marL="228600" indent="1371600">
+            <a:lvl4pPr marL="0" indent="228600">
               <a:spcBef>
                 <a:spcPts val="700"/>
               </a:spcBef>
@@ -5897,7 +5730,7 @@
               <a:buNone/>
               <a:defRPr sz="1800"/>
             </a:lvl4pPr>
-            <a:lvl5pPr marL="228600" indent="1828800">
+            <a:lvl5pPr marL="0" indent="228600">
               <a:spcBef>
                 <a:spcPts val="700"/>
               </a:spcBef>
@@ -5950,8 +5783,8 @@
         </p:nvSpPr>
         <p:spPr>
           <a:xfrm>
-            <a:off x="506808" y="2052933"/>
-            <a:ext cx="3139219" cy="2478090"/>
+            <a:off x="506807" y="2052933"/>
+            <a:ext cx="3139221" cy="2478091"/>
           </a:xfrm>
           <a:prstGeom prst="rect">
             <a:avLst/>
@@ -5961,12 +5794,7 @@
           <a:bodyPr lIns="45699" tIns="45699" rIns="45699" bIns="45699"/>
           <a:lstStyle/>
           <a:p>
-            <a:pPr indent="-320040">
-              <a:spcBef>
-                <a:spcPts val="700"/>
-              </a:spcBef>
-              <a:buChar char="►"/>
-            </a:pPr>
+            <a:pPr/>
           </a:p>
         </p:txBody>
       </p:sp>
@@ -5981,7 +5809,7 @@
         <p:spPr>
           <a:xfrm>
             <a:off x="3816286" y="1620737"/>
-            <a:ext cx="3139215" cy="432198"/>
+            <a:ext cx="3139216" cy="432199"/>
           </a:xfrm>
           <a:prstGeom prst="rect">
             <a:avLst/>
@@ -5991,16 +5819,7 @@
           <a:bodyPr lIns="45699" tIns="45699" rIns="45699" bIns="45699" anchor="b"/>
           <a:lstStyle/>
           <a:p>
-            <a:pPr marL="228600" indent="0">
-              <a:spcBef>
-                <a:spcPts val="700"/>
-              </a:spcBef>
-              <a:buClrTx/>
-              <a:buSzTx/>
-              <a:buFontTx/>
-              <a:buNone/>
-              <a:defRPr sz="1800"/>
-            </a:pPr>
+            <a:pPr/>
           </a:p>
         </p:txBody>
       </p:sp>
@@ -6014,8 +5833,8 @@
         </p:nvSpPr>
         <p:spPr>
           <a:xfrm>
-            <a:off x="3816287" y="2052933"/>
-            <a:ext cx="3139215" cy="2478090"/>
+            <a:off x="3816286" y="2052933"/>
+            <a:ext cx="3139216" cy="2478091"/>
           </a:xfrm>
           <a:prstGeom prst="rect">
             <a:avLst/>
@@ -6025,12 +5844,7 @@
           <a:bodyPr lIns="45699" tIns="45699" rIns="45699" bIns="45699"/>
           <a:lstStyle/>
           <a:p>
-            <a:pPr indent="-320040">
-              <a:spcBef>
-                <a:spcPts val="700"/>
-              </a:spcBef>
-              <a:buChar char="►"/>
-            </a:pPr>
+            <a:pPr/>
           </a:p>
         </p:txBody>
       </p:sp>
@@ -6044,8 +5858,8 @@
         </p:nvSpPr>
         <p:spPr>
           <a:xfrm>
-            <a:off x="6771481" y="4577793"/>
-            <a:ext cx="184021" cy="180301"/>
+            <a:off x="6771483" y="4577794"/>
+            <a:ext cx="184020" cy="180299"/>
           </a:xfrm>
           <a:prstGeom prst="rect">
             <a:avLst/>
@@ -6097,7 +5911,7 @@
         <p:spPr>
           <a:xfrm>
             <a:off x="508001" y="457200"/>
-            <a:ext cx="6447502" cy="990600"/>
+            <a:ext cx="6447503" cy="990600"/>
           </a:xfrm>
           <a:prstGeom prst="rect">
             <a:avLst/>
@@ -6124,8 +5938,8 @@
         </p:nvSpPr>
         <p:spPr>
           <a:xfrm>
-            <a:off x="6771481" y="4577793"/>
-            <a:ext cx="184021" cy="180301"/>
+            <a:off x="6771483" y="4577794"/>
+            <a:ext cx="184020" cy="180299"/>
           </a:xfrm>
           <a:prstGeom prst="rect">
             <a:avLst/>
@@ -6176,8 +5990,8 @@
         </p:nvSpPr>
         <p:spPr>
           <a:xfrm>
-            <a:off x="6771481" y="4577793"/>
-            <a:ext cx="184021" cy="180301"/>
+            <a:off x="6771483" y="4577794"/>
+            <a:ext cx="184020" cy="180299"/>
           </a:xfrm>
           <a:prstGeom prst="rect">
             <a:avLst/>
@@ -6229,7 +6043,7 @@
         <p:spPr>
           <a:xfrm>
             <a:off x="508001" y="1123953"/>
-            <a:ext cx="2890897" cy="958851"/>
+            <a:ext cx="2890898" cy="958851"/>
           </a:xfrm>
           <a:prstGeom prst="rect">
             <a:avLst/>
@@ -6276,25 +6090,25 @@
               </a:spcBef>
               <a:buChar char="►"/>
             </a:lvl1pPr>
-            <a:lvl2pPr marL="941069" indent="-346709">
+            <a:lvl2pPr marL="941069" indent="-346708">
               <a:spcBef>
                 <a:spcPts val="700"/>
               </a:spcBef>
               <a:buChar char="►"/>
             </a:lvl2pPr>
-            <a:lvl3pPr marL="1467611" indent="-416050">
+            <a:lvl3pPr marL="1467611" indent="-416049">
               <a:spcBef>
                 <a:spcPts val="700"/>
               </a:spcBef>
               <a:buChar char="►"/>
             </a:lvl3pPr>
-            <a:lvl4pPr marL="1971039" indent="-462278">
+            <a:lvl4pPr marL="1971038" indent="-462277">
               <a:spcBef>
                 <a:spcPts val="700"/>
               </a:spcBef>
               <a:buChar char="►"/>
             </a:lvl4pPr>
-            <a:lvl5pPr marL="2428239" indent="-462278">
+            <a:lvl5pPr marL="2428238" indent="-462277">
               <a:spcBef>
                 <a:spcPts val="700"/>
               </a:spcBef>
@@ -6343,8 +6157,8 @@
         </p:nvSpPr>
         <p:spPr>
           <a:xfrm>
-            <a:off x="508001" y="2082801"/>
-            <a:ext cx="2890897" cy="1938337"/>
+            <a:off x="508001" y="2082800"/>
+            <a:ext cx="2890898" cy="1938337"/>
           </a:xfrm>
           <a:prstGeom prst="rect">
             <a:avLst/>
@@ -6354,16 +6168,7 @@
           <a:bodyPr lIns="45699" tIns="45699" rIns="45699" bIns="45699"/>
           <a:lstStyle/>
           <a:p>
-            <a:pPr marL="228600" indent="0">
-              <a:spcBef>
-                <a:spcPts val="700"/>
-              </a:spcBef>
-              <a:buClrTx/>
-              <a:buSzTx/>
-              <a:buFontTx/>
-              <a:buNone/>
-              <a:defRPr sz="1000"/>
-            </a:pPr>
+            <a:pPr/>
           </a:p>
         </p:txBody>
       </p:sp>
@@ -6377,8 +6182,8 @@
         </p:nvSpPr>
         <p:spPr>
           <a:xfrm>
-            <a:off x="6771481" y="4577793"/>
-            <a:ext cx="184021" cy="180301"/>
+            <a:off x="6771483" y="4577794"/>
+            <a:ext cx="184020" cy="180299"/>
           </a:xfrm>
           <a:prstGeom prst="rect">
             <a:avLst/>
@@ -6434,10 +6239,10 @@
         </p:nvGrpSpPr>
         <p:grpSpPr>
           <a:xfrm>
-            <a:off x="-1" y="-6351"/>
-            <a:ext cx="9144001" cy="5149851"/>
+            <a:off x="-2" y="-6352"/>
+            <a:ext cx="9144004" cy="5149853"/>
             <a:chOff x="0" y="0"/>
-            <a:chExt cx="9143999" cy="5149850"/>
+            <a:chExt cx="9144002" cy="5149852"/>
           </a:xfrm>
         </p:grpSpPr>
         <p:sp>
@@ -6448,8 +6253,8 @@
           </p:nvSpPr>
           <p:spPr>
             <a:xfrm>
-              <a:off x="7028258" y="6350"/>
-              <a:ext cx="914401" cy="5143500"/>
+              <a:off x="7028259" y="6349"/>
+              <a:ext cx="914402" cy="5143502"/>
             </a:xfrm>
             <a:prstGeom prst="line">
               <a:avLst/>
@@ -6465,7 +6270,7 @@
             <a:effectLst/>
           </p:spPr>
           <p:txBody>
-            <a:bodyPr wrap="square" lIns="0" tIns="0" rIns="0" bIns="0" numCol="1" anchor="t">
+            <a:bodyPr wrap="square" lIns="45718" tIns="45718" rIns="45718" bIns="45718" numCol="1" anchor="t">
               <a:noAutofit/>
             </a:bodyPr>
             <a:lstStyle/>
@@ -6482,8 +6287,8 @@
           </p:nvSpPr>
           <p:spPr>
             <a:xfrm flipH="1">
-              <a:off x="5568950" y="2767409"/>
-              <a:ext cx="3572669" cy="2382441"/>
+              <a:off x="5568951" y="2767409"/>
+              <a:ext cx="3572670" cy="2382442"/>
             </a:xfrm>
             <a:prstGeom prst="line">
               <a:avLst/>
@@ -6499,7 +6304,7 @@
             <a:effectLst/>
           </p:spPr>
           <p:txBody>
-            <a:bodyPr wrap="square" lIns="0" tIns="0" rIns="0" bIns="0" numCol="1" anchor="t">
+            <a:bodyPr wrap="square" lIns="45718" tIns="45718" rIns="45718" bIns="45718" numCol="1" anchor="t">
               <a:noAutofit/>
             </a:bodyPr>
             <a:lstStyle/>
@@ -6516,8 +6321,8 @@
           </p:nvSpPr>
           <p:spPr>
             <a:xfrm>
-              <a:off x="6886106" y="-1"/>
-              <a:ext cx="2255513" cy="5149851"/>
+              <a:off x="6886107" y="-1"/>
+              <a:ext cx="2255514" cy="5149853"/>
             </a:xfrm>
             <a:custGeom>
               <a:avLst/>
@@ -6588,8 +6393,8 @@
           </p:nvSpPr>
           <p:spPr>
             <a:xfrm>
-              <a:off x="7202581" y="-1"/>
-              <a:ext cx="1941419" cy="5149851"/>
+              <a:off x="7202582" y="-1"/>
+              <a:ext cx="1941420" cy="5149853"/>
             </a:xfrm>
             <a:custGeom>
               <a:avLst/>
@@ -6660,8 +6465,8 @@
           </p:nvSpPr>
           <p:spPr>
             <a:xfrm>
-              <a:off x="6699249" y="2292350"/>
-              <a:ext cx="2444751" cy="2857500"/>
+              <a:off x="6699250" y="2292350"/>
+              <a:ext cx="2444752" cy="2857501"/>
             </a:xfrm>
             <a:custGeom>
               <a:avLst/>
@@ -6726,8 +6531,8 @@
           </p:nvSpPr>
           <p:spPr>
             <a:xfrm>
-              <a:off x="7000874" y="-1"/>
-              <a:ext cx="2140746" cy="5149851"/>
+              <a:off x="7000875" y="-1"/>
+              <a:ext cx="2140747" cy="5149853"/>
             </a:xfrm>
             <a:custGeom>
               <a:avLst/>
@@ -6798,8 +6603,8 @@
           </p:nvSpPr>
           <p:spPr>
             <a:xfrm>
-              <a:off x="8174047" y="-1"/>
-              <a:ext cx="967571" cy="5149851"/>
+              <a:off x="8174048" y="-1"/>
+              <a:ext cx="967572" cy="5149853"/>
             </a:xfrm>
             <a:custGeom>
               <a:avLst/>
@@ -6870,8 +6675,8 @@
           </p:nvSpPr>
           <p:spPr>
             <a:xfrm>
-              <a:off x="8204249" y="-1"/>
-              <a:ext cx="937369" cy="5149851"/>
+              <a:off x="8204250" y="-1"/>
+              <a:ext cx="937370" cy="5149853"/>
             </a:xfrm>
             <a:custGeom>
               <a:avLst/>
@@ -6942,8 +6747,8 @@
           </p:nvSpPr>
           <p:spPr>
             <a:xfrm>
-              <a:off x="7778749" y="2698750"/>
-              <a:ext cx="1362870" cy="2451100"/>
+              <a:off x="7778750" y="2698750"/>
+              <a:ext cx="1362871" cy="2451102"/>
             </a:xfrm>
             <a:custGeom>
               <a:avLst/>
@@ -7008,8 +6813,8 @@
           </p:nvSpPr>
           <p:spPr>
             <a:xfrm>
-              <a:off x="0" y="3016250"/>
-              <a:ext cx="336550" cy="2133600"/>
+              <a:off x="-1" y="3016250"/>
+              <a:ext cx="336552" cy="2133602"/>
             </a:xfrm>
             <a:custGeom>
               <a:avLst/>
@@ -7077,8 +6882,8 @@
         </p:nvSpPr>
         <p:spPr>
           <a:xfrm>
-            <a:off x="311699" y="445025"/>
-            <a:ext cx="8520602" cy="572701"/>
+            <a:off x="311698" y="445025"/>
+            <a:ext cx="8520603" cy="572702"/>
           </a:xfrm>
           <a:prstGeom prst="rect">
             <a:avLst/>
@@ -7093,7 +6898,7 @@
           </a:extLst>
         </p:spPr>
         <p:txBody>
-          <a:bodyPr lIns="91424" tIns="91424" rIns="91424" bIns="91424">
+          <a:bodyPr lIns="91423" tIns="91423" rIns="91423" bIns="91423">
             <a:normAutofit fontScale="100000" lnSpcReduction="0"/>
           </a:bodyPr>
           <a:lstStyle/>
@@ -7115,8 +6920,8 @@
         </p:nvSpPr>
         <p:spPr>
           <a:xfrm>
-            <a:off x="311699" y="1152475"/>
-            <a:ext cx="8520602" cy="3416400"/>
+            <a:off x="311698" y="1152475"/>
+            <a:ext cx="8520603" cy="3416400"/>
           </a:xfrm>
           <a:prstGeom prst="rect">
             <a:avLst/>
@@ -7131,7 +6936,7 @@
           </a:extLst>
         </p:spPr>
         <p:txBody>
-          <a:bodyPr lIns="91424" tIns="91424" rIns="91424" bIns="91424">
+          <a:bodyPr lIns="91423" tIns="91423" rIns="91423" bIns="91423">
             <a:normAutofit fontScale="100000" lnSpcReduction="0"/>
           </a:bodyPr>
           <a:lstStyle/>
@@ -7177,8 +6982,8 @@
         </p:nvSpPr>
         <p:spPr>
           <a:xfrm>
-            <a:off x="8745687" y="4724141"/>
-            <a:ext cx="275472" cy="271751"/>
+            <a:off x="8745690" y="4724142"/>
+            <a:ext cx="275470" cy="271749"/>
           </a:xfrm>
           <a:prstGeom prst="rect">
             <a:avLst/>
@@ -7188,7 +6993,7 @@
           </a:ln>
         </p:spPr>
         <p:txBody>
-          <a:bodyPr wrap="none" lIns="91424" tIns="91424" rIns="91424" bIns="91424" anchor="ctr">
+          <a:bodyPr wrap="none" lIns="91423" tIns="91423" rIns="91423" bIns="91423" anchor="ctr">
             <a:spAutoFit/>
           </a:bodyPr>
           <a:lstStyle>
@@ -7500,7 +7305,7 @@
           <a:sym typeface="Trebuchet MS"/>
         </a:defRPr>
       </a:lvl1pPr>
-      <a:lvl2pPr marL="940858" marR="0" indent="-343958" algn="l" defTabSz="914400" rtl="0" latinLnBrk="0">
+      <a:lvl2pPr marL="940857" marR="0" indent="-343957" algn="l" defTabSz="914400" rtl="0" latinLnBrk="0">
         <a:lnSpc>
           <a:spcPct val="100000"/>
         </a:lnSpc>
@@ -7556,7 +7361,7 @@
           <a:sym typeface="Trebuchet MS"/>
         </a:defRPr>
       </a:lvl3pPr>
-      <a:lvl4pPr marL="1969911" marR="0" indent="-458611" algn="l" defTabSz="914400" rtl="0" latinLnBrk="0">
+      <a:lvl4pPr marL="1969910" marR="0" indent="-458610" algn="l" defTabSz="914400" rtl="0" latinLnBrk="0">
         <a:lnSpc>
           <a:spcPct val="100000"/>
         </a:lnSpc>
@@ -7584,7 +7389,7 @@
           <a:sym typeface="Trebuchet MS"/>
         </a:defRPr>
       </a:lvl4pPr>
-      <a:lvl5pPr marL="2427111" marR="0" indent="-458611" algn="l" defTabSz="914400" rtl="0" latinLnBrk="0">
+      <a:lvl5pPr marL="2427110" marR="0" indent="-458610" algn="l" defTabSz="914400" rtl="0" latinLnBrk="0">
         <a:lnSpc>
           <a:spcPct val="100000"/>
         </a:lnSpc>
@@ -7612,7 +7417,7 @@
           <a:sym typeface="Trebuchet MS"/>
         </a:defRPr>
       </a:lvl5pPr>
-      <a:lvl6pPr marL="2884311" marR="0" indent="-458611" algn="l" defTabSz="914400" rtl="0" latinLnBrk="0">
+      <a:lvl6pPr marL="2884310" marR="0" indent="-458610" algn="l" defTabSz="914400" rtl="0" latinLnBrk="0">
         <a:lnSpc>
           <a:spcPct val="100000"/>
         </a:lnSpc>
@@ -7640,7 +7445,7 @@
           <a:sym typeface="Trebuchet MS"/>
         </a:defRPr>
       </a:lvl6pPr>
-      <a:lvl7pPr marL="3341511" marR="0" indent="-458611" algn="l" defTabSz="914400" rtl="0" latinLnBrk="0">
+      <a:lvl7pPr marL="3341511" marR="0" indent="-458610" algn="l" defTabSz="914400" rtl="0" latinLnBrk="0">
         <a:lnSpc>
           <a:spcPct val="100000"/>
         </a:lnSpc>
@@ -8042,7 +7847,7 @@
       </p:grpSpPr>
       <p:pic>
         <p:nvPicPr>
-          <p:cNvPr id="264" name="Google Shape;215;p28" descr="Google Shape;215;p28"/>
+          <p:cNvPr id="263" name="Google Shape;222;p29" descr="Google Shape;222;p29"/>
           <p:cNvPicPr>
             <a:picLocks noChangeAspect="1"/>
           </p:cNvPicPr>
@@ -8071,7 +7876,7 @@
       </p:pic>
       <p:sp>
         <p:nvSpPr>
-          <p:cNvPr id="265" name="Google Shape;216;p28"/>
+          <p:cNvPr id="264" name="Google Shape;223;p29"/>
           <p:cNvSpPr txBox="1"/>
           <p:nvPr>
             <p:ph type="title"/>
@@ -8079,8 +7884,8 @@
         </p:nvSpPr>
         <p:spPr>
           <a:xfrm>
-            <a:off x="311699" y="213767"/>
-            <a:ext cx="8520602" cy="572702"/>
+            <a:off x="311699" y="213766"/>
+            <a:ext cx="8520602" cy="572703"/>
           </a:xfrm>
           <a:prstGeom prst="rect">
             <a:avLst/>
@@ -8089,8 +7894,8 @@
         <p:txBody>
           <a:bodyPr/>
           <a:lstStyle>
-            <a:lvl1pPr algn="ctr" defTabSz="877823">
-              <a:defRPr b="1" sz="2592">
+            <a:lvl1pPr algn="ctr" defTabSz="877822">
+              <a:defRPr b="1" sz="2500">
                 <a:solidFill>
                   <a:schemeClr val="accent3"/>
                 </a:solidFill>
@@ -8107,7 +7912,7 @@
       </p:sp>
       <p:sp>
         <p:nvSpPr>
-          <p:cNvPr id="266" name="Google Shape;217;p28"/>
+          <p:cNvPr id="265" name="Google Shape;224;p29"/>
           <p:cNvSpPr txBox="1"/>
           <p:nvPr>
             <p:ph type="body" idx="1"/>
@@ -8115,8 +7920,8 @@
         </p:nvSpPr>
         <p:spPr>
           <a:xfrm>
-            <a:off x="411999" y="786475"/>
-            <a:ext cx="8238002" cy="4222501"/>
+            <a:off x="411999" y="786474"/>
+            <a:ext cx="8238002" cy="4222503"/>
           </a:xfrm>
           <a:prstGeom prst="rect">
             <a:avLst/>
@@ -8136,7 +7941,7 @@
               </a:defRPr>
             </a:pPr>
             <a:r>
-              <a:t>Django’s MVT Implementation: </a:t>
+              <a:t>Event-Driven Architecture Pattern: </a:t>
             </a:r>
           </a:p>
           <a:p>
@@ -8156,7 +7961,7 @@
               </a:defRPr>
             </a:pPr>
             <a:r>
-              <a:t>The MVC pattern has formed the </a:t>
+              <a:t>Used to describe distributed </a:t>
             </a:r>
             <a:r>
               <a:rPr>
@@ -8164,10 +7969,38 @@
                   <a:schemeClr val="accent3"/>
                 </a:solidFill>
               </a:rPr>
-              <a:t>basis </a:t>
-            </a:r>
-            <a:r>
-              <a:t>of many other patterns. The components are implemented in Django: </a:t>
+              <a:t>asynchronous, highly scalable</a:t>
+            </a:r>
+            <a:r>
+              <a:t> applications</a:t>
+            </a:r>
+          </a:p>
+          <a:p>
+            <a:pPr indent="-381000">
+              <a:buClr>
+                <a:schemeClr val="accent3"/>
+              </a:buClr>
+              <a:buSzPts val="2400"/>
+              <a:buChar char="❖"/>
+              <a:defRPr sz="2400">
+                <a:solidFill>
+                  <a:srgbClr val="FFFFFF"/>
+                </a:solidFill>
+              </a:defRPr>
+            </a:pPr>
+            <a:r>
+              <a:t>Main </a:t>
+            </a:r>
+            <a:r>
+              <a:rPr>
+                <a:solidFill>
+                  <a:schemeClr val="accent3"/>
+                </a:solidFill>
+              </a:rPr>
+              <a:t>topologies</a:t>
+            </a:r>
+            <a:r>
+              <a:t>:</a:t>
             </a:r>
           </a:p>
           <a:p>
@@ -8184,7 +8017,7 @@
               </a:defRPr>
             </a:pPr>
             <a:r>
-              <a:t>View</a:t>
+              <a:t>The mediator</a:t>
             </a:r>
           </a:p>
           <a:p>
@@ -8201,24 +8034,7 @@
               </a:defRPr>
             </a:pPr>
             <a:r>
-              <a:t>Template</a:t>
-            </a:r>
-          </a:p>
-          <a:p>
-            <a:pPr lvl="1" marL="914400" indent="-381000">
-              <a:buClr>
-                <a:schemeClr val="accent3"/>
-              </a:buClr>
-              <a:buSzPts val="2400"/>
-              <a:buChar char="➢"/>
-              <a:defRPr sz="2400">
-                <a:solidFill>
-                  <a:srgbClr val="FFFFFF"/>
-                </a:solidFill>
-              </a:defRPr>
-            </a:pPr>
-            <a:r>
-              <a:t>Model</a:t>
+              <a:t>The broker </a:t>
             </a:r>
           </a:p>
         </p:txBody>
@@ -8251,7 +8067,7 @@
       </p:grpSpPr>
       <p:pic>
         <p:nvPicPr>
-          <p:cNvPr id="270" name="Google Shape;222;p29" descr="Google Shape;222;p29"/>
+          <p:cNvPr id="269" name="Google Shape;229;p30" descr="Google Shape;229;p30"/>
           <p:cNvPicPr>
             <a:picLocks noChangeAspect="1"/>
           </p:cNvPicPr>
@@ -8280,7 +8096,7 @@
       </p:pic>
       <p:sp>
         <p:nvSpPr>
-          <p:cNvPr id="271" name="Google Shape;223;p29"/>
+          <p:cNvPr id="270" name="Google Shape;230;p30"/>
           <p:cNvSpPr txBox="1"/>
           <p:nvPr>
             <p:ph type="title"/>
@@ -8288,8 +8104,8 @@
         </p:nvSpPr>
         <p:spPr>
           <a:xfrm>
-            <a:off x="311699" y="213767"/>
-            <a:ext cx="8520602" cy="572702"/>
+            <a:off x="311699" y="213766"/>
+            <a:ext cx="8520602" cy="572703"/>
           </a:xfrm>
           <a:prstGeom prst="rect">
             <a:avLst/>
@@ -8298,8 +8114,8 @@
         <p:txBody>
           <a:bodyPr/>
           <a:lstStyle>
-            <a:lvl1pPr algn="ctr" defTabSz="877823">
-              <a:defRPr b="1" sz="2592">
+            <a:lvl1pPr algn="ctr" defTabSz="877822">
+              <a:defRPr b="1" sz="2500">
                 <a:solidFill>
                   <a:schemeClr val="accent3"/>
                 </a:solidFill>
@@ -8316,7 +8132,7 @@
       </p:sp>
       <p:sp>
         <p:nvSpPr>
-          <p:cNvPr id="272" name="Google Shape;224;p29"/>
+          <p:cNvPr id="271" name="Google Shape;231;p30"/>
           <p:cNvSpPr txBox="1"/>
           <p:nvPr>
             <p:ph type="body" idx="1"/>
@@ -8324,8 +8140,8 @@
         </p:nvSpPr>
         <p:spPr>
           <a:xfrm>
-            <a:off x="411999" y="786475"/>
-            <a:ext cx="8238002" cy="4222501"/>
+            <a:off x="411999" y="786474"/>
+            <a:ext cx="8238002" cy="4222503"/>
           </a:xfrm>
           <a:prstGeom prst="rect">
             <a:avLst/>
@@ -8336,6 +8152,9 @@
           <a:lstStyle/>
           <a:p>
             <a:pPr marL="0" indent="0">
+              <a:spcBef>
+                <a:spcPts val="1600"/>
+              </a:spcBef>
               <a:buSzTx/>
               <a:buNone/>
               <a:defRPr sz="2400">
@@ -8345,100 +8164,92 @@
               </a:defRPr>
             </a:pPr>
             <a:r>
-              <a:t>Event-Driven Architecture Pattern: </a:t>
-            </a:r>
-          </a:p>
-          <a:p>
-            <a:pPr indent="-381000">
-              <a:spcBef>
-                <a:spcPts val="1600"/>
-              </a:spcBef>
-              <a:buClr>
-                <a:schemeClr val="accent3"/>
-              </a:buClr>
-              <a:buSzPts val="2400"/>
-              <a:buChar char="❖"/>
-              <a:defRPr sz="2400">
+              <a:t>Mediator Topology:</a:t>
+            </a:r>
+            <a:r>
+              <a:rPr>
                 <a:solidFill>
                   <a:srgbClr val="FFFFFF"/>
                 </a:solidFill>
-              </a:defRPr>
-            </a:pPr>
-            <a:r>
-              <a:t>Used to describe distributed </a:t>
-            </a:r>
-            <a:r>
-              <a:rPr>
-                <a:solidFill>
-                  <a:schemeClr val="accent3"/>
-                </a:solidFill>
               </a:rPr>
-              <a:t>asynchronous, highly scalable</a:t>
-            </a:r>
-            <a:r>
-              <a:t> applications</a:t>
-            </a:r>
-          </a:p>
-          <a:p>
-            <a:pPr indent="-381000">
-              <a:buClr>
-                <a:schemeClr val="accent3"/>
-              </a:buClr>
-              <a:buSzPts val="2400"/>
-              <a:buChar char="❖"/>
-              <a:defRPr sz="2400">
+              <a:t> </a:t>
+            </a:r>
+          </a:p>
+        </p:txBody>
+      </p:sp>
+      <p:pic>
+        <p:nvPicPr>
+          <p:cNvPr id="272" name="Google Shape;232;p30" descr="Google Shape;232;p30"/>
+          <p:cNvPicPr>
+            <a:picLocks noChangeAspect="1"/>
+          </p:cNvPicPr>
+          <p:nvPr/>
+        </p:nvPicPr>
+        <p:blipFill>
+          <a:blip r:embed="rId4">
+            <a:extLst/>
+          </a:blip>
+          <a:stretch>
+            <a:fillRect/>
+          </a:stretch>
+        </p:blipFill>
+        <p:spPr>
+          <a:xfrm>
+            <a:off x="2358575" y="1390350"/>
+            <a:ext cx="4258456" cy="3283350"/>
+          </a:xfrm>
+          <a:prstGeom prst="rect">
+            <a:avLst/>
+          </a:prstGeom>
+          <a:ln w="12700">
+            <a:miter lim="400000"/>
+          </a:ln>
+        </p:spPr>
+      </p:pic>
+      <p:sp>
+        <p:nvSpPr>
+          <p:cNvPr id="273" name="Google Shape;233;p30"/>
+          <p:cNvSpPr txBox="1"/>
+          <p:nvPr/>
+        </p:nvSpPr>
+        <p:spPr>
+          <a:xfrm>
+            <a:off x="1670325" y="4673698"/>
+            <a:ext cx="6325200" cy="360649"/>
+          </a:xfrm>
+          <a:prstGeom prst="rect">
+            <a:avLst/>
+          </a:prstGeom>
+          <a:ln w="12700">
+            <a:miter lim="400000"/>
+          </a:ln>
+          <a:extLst>
+            <a:ext uri="{C572A759-6A51-4108-AA02-DFA0A04FC94B}">
+              <ma14:wrappingTextBoxFlag xmlns:ma14="http://schemas.microsoft.com/office/mac/drawingml/2011/main" val="1"/>
+            </a:ext>
+          </a:extLst>
+        </p:spPr>
+        <p:txBody>
+          <a:bodyPr lIns="91423" tIns="91423" rIns="91423" bIns="91423">
+            <a:spAutoFit/>
+          </a:bodyPr>
+          <a:lstStyle>
+            <a:lvl1pPr>
+              <a:defRPr sz="1200">
                 <a:solidFill>
                   <a:srgbClr val="FFFFFF"/>
                 </a:solidFill>
-              </a:defRPr>
-            </a:pPr>
-            <a:r>
-              <a:t>Main </a:t>
-            </a:r>
-            <a:r>
-              <a:rPr>
-                <a:solidFill>
-                  <a:schemeClr val="accent3"/>
-                </a:solidFill>
-              </a:rPr>
-              <a:t>topologies</a:t>
-            </a:r>
-            <a:r>
-              <a:t>:</a:t>
-            </a:r>
-          </a:p>
-          <a:p>
-            <a:pPr lvl="1" marL="914400" indent="-381000">
-              <a:buClr>
-                <a:schemeClr val="accent3"/>
-              </a:buClr>
-              <a:buSzPts val="2400"/>
-              <a:buChar char="➢"/>
-              <a:defRPr sz="2400">
-                <a:solidFill>
-                  <a:srgbClr val="FFFFFF"/>
-                </a:solidFill>
-              </a:defRPr>
-            </a:pPr>
-            <a:r>
-              <a:t>The mediator</a:t>
-            </a:r>
-          </a:p>
-          <a:p>
-            <a:pPr lvl="1" marL="914400" indent="-381000">
-              <a:buClr>
-                <a:schemeClr val="accent3"/>
-              </a:buClr>
-              <a:buSzPts val="2400"/>
-              <a:buChar char="➢"/>
-              <a:defRPr sz="2400">
-                <a:solidFill>
-                  <a:srgbClr val="FFFFFF"/>
-                </a:solidFill>
-              </a:defRPr>
-            </a:pPr>
-            <a:r>
-              <a:t>The broker </a:t>
+                <a:latin typeface="Trebuchet MS"/>
+                <a:ea typeface="Trebuchet MS"/>
+                <a:cs typeface="Trebuchet MS"/>
+                <a:sym typeface="Trebuchet MS"/>
+              </a:defRPr>
+            </a:lvl1pPr>
+          </a:lstStyle>
+          <a:p>
+            <a:pPr/>
+            <a:r>
+              <a:t>Event-driven architecture pattern: the mediator topology as described by O’Reilly</a:t>
             </a:r>
           </a:p>
         </p:txBody>
@@ -8471,7 +8282,7 @@
       </p:grpSpPr>
       <p:pic>
         <p:nvPicPr>
-          <p:cNvPr id="276" name="Google Shape;229;p30" descr="Google Shape;229;p30"/>
+          <p:cNvPr id="277" name="Google Shape;238;p31" descr="Google Shape;238;p31"/>
           <p:cNvPicPr>
             <a:picLocks noChangeAspect="1"/>
           </p:cNvPicPr>
@@ -8500,7 +8311,7 @@
       </p:pic>
       <p:sp>
         <p:nvSpPr>
-          <p:cNvPr id="277" name="Google Shape;230;p30"/>
+          <p:cNvPr id="278" name="Google Shape;239;p31"/>
           <p:cNvSpPr txBox="1"/>
           <p:nvPr>
             <p:ph type="title"/>
@@ -8508,8 +8319,8 @@
         </p:nvSpPr>
         <p:spPr>
           <a:xfrm>
-            <a:off x="311699" y="213767"/>
-            <a:ext cx="8520602" cy="572702"/>
+            <a:off x="311699" y="213766"/>
+            <a:ext cx="8520602" cy="572703"/>
           </a:xfrm>
           <a:prstGeom prst="rect">
             <a:avLst/>
@@ -8518,8 +8329,8 @@
         <p:txBody>
           <a:bodyPr/>
           <a:lstStyle>
-            <a:lvl1pPr algn="ctr" defTabSz="877823">
-              <a:defRPr b="1" sz="2592">
+            <a:lvl1pPr algn="ctr" defTabSz="877822">
+              <a:defRPr b="1" sz="2500">
                 <a:solidFill>
                   <a:schemeClr val="accent3"/>
                 </a:solidFill>
@@ -8536,7 +8347,7 @@
       </p:sp>
       <p:sp>
         <p:nvSpPr>
-          <p:cNvPr id="278" name="Google Shape;231;p30"/>
+          <p:cNvPr id="279" name="Google Shape;240;p31"/>
           <p:cNvSpPr txBox="1"/>
           <p:nvPr>
             <p:ph type="body" idx="1"/>
@@ -8544,8 +8355,8 @@
         </p:nvSpPr>
         <p:spPr>
           <a:xfrm>
-            <a:off x="411999" y="786475"/>
-            <a:ext cx="8238002" cy="4222501"/>
+            <a:off x="411999" y="786474"/>
+            <a:ext cx="8238002" cy="4222503"/>
           </a:xfrm>
           <a:prstGeom prst="rect">
             <a:avLst/>
@@ -8553,9 +8364,8 @@
         </p:spPr>
         <p:txBody>
           <a:bodyPr/>
-          <a:lstStyle/>
-          <a:p>
-            <a:pPr marL="0" indent="0">
+          <a:lstStyle>
+            <a:lvl1pPr marL="0" indent="0">
               <a:spcBef>
                 <a:spcPts val="1600"/>
               </a:spcBef>
@@ -8566,24 +8376,67 @@
                   <a:schemeClr val="accent3"/>
                 </a:solidFill>
               </a:defRPr>
-            </a:pPr>
-            <a:r>
-              <a:t>Mediator Topology:</a:t>
-            </a:r>
-            <a:r>
-              <a:rPr>
+            </a:lvl1pPr>
+          </a:lstStyle>
+          <a:p>
+            <a:pPr/>
+            <a:r>
+              <a:t>Broker Topology: </a:t>
+            </a:r>
+          </a:p>
+        </p:txBody>
+      </p:sp>
+      <p:sp>
+        <p:nvSpPr>
+          <p:cNvPr id="280" name="Google Shape;241;p31"/>
+          <p:cNvSpPr txBox="1"/>
+          <p:nvPr/>
+        </p:nvSpPr>
+        <p:spPr>
+          <a:xfrm>
+            <a:off x="1670325" y="4673698"/>
+            <a:ext cx="6325200" cy="360649"/>
+          </a:xfrm>
+          <a:prstGeom prst="rect">
+            <a:avLst/>
+          </a:prstGeom>
+          <a:ln w="12700">
+            <a:miter lim="400000"/>
+          </a:ln>
+          <a:extLst>
+            <a:ext uri="{C572A759-6A51-4108-AA02-DFA0A04FC94B}">
+              <ma14:wrappingTextBoxFlag xmlns:ma14="http://schemas.microsoft.com/office/mac/drawingml/2011/main" val="1"/>
+            </a:ext>
+          </a:extLst>
+        </p:spPr>
+        <p:txBody>
+          <a:bodyPr lIns="91423" tIns="91423" rIns="91423" bIns="91423">
+            <a:spAutoFit/>
+          </a:bodyPr>
+          <a:lstStyle>
+            <a:lvl1pPr>
+              <a:defRPr sz="1200">
                 <a:solidFill>
                   <a:srgbClr val="FFFFFF"/>
                 </a:solidFill>
-              </a:rPr>
-              <a:t> </a:t>
+                <a:latin typeface="Trebuchet MS"/>
+                <a:ea typeface="Trebuchet MS"/>
+                <a:cs typeface="Trebuchet MS"/>
+                <a:sym typeface="Trebuchet MS"/>
+              </a:defRPr>
+            </a:lvl1pPr>
+          </a:lstStyle>
+          <a:p>
+            <a:pPr/>
+            <a:r>
+              <a:t>Event-driven architecture pattern: the mediator topology as described by O’Reilly</a:t>
             </a:r>
           </a:p>
         </p:txBody>
       </p:sp>
       <p:pic>
         <p:nvPicPr>
-          <p:cNvPr id="279" name="Google Shape;232;p30" descr="Google Shape;232;p30"/>
+          <p:cNvPr id="281" name="Google Shape;242;p31" descr="Google Shape;242;p31"/>
           <p:cNvPicPr>
             <a:picLocks noChangeAspect="1"/>
           </p:cNvPicPr>
@@ -8599,8 +8452,8 @@
         </p:blipFill>
         <p:spPr>
           <a:xfrm>
-            <a:off x="2358575" y="1390350"/>
-            <a:ext cx="4258455" cy="3283350"/>
+            <a:off x="2133600" y="1304925"/>
+            <a:ext cx="4876800" cy="3295650"/>
           </a:xfrm>
           <a:prstGeom prst="rect">
             <a:avLst/>
@@ -8610,54 +8463,6 @@
           </a:ln>
         </p:spPr>
       </p:pic>
-      <p:sp>
-        <p:nvSpPr>
-          <p:cNvPr id="280" name="Google Shape;233;p30"/>
-          <p:cNvSpPr txBox="1"/>
-          <p:nvPr/>
-        </p:nvSpPr>
-        <p:spPr>
-          <a:xfrm>
-            <a:off x="1670325" y="4673699"/>
-            <a:ext cx="6325200" cy="360651"/>
-          </a:xfrm>
-          <a:prstGeom prst="rect">
-            <a:avLst/>
-          </a:prstGeom>
-          <a:ln w="12700">
-            <a:miter lim="400000"/>
-          </a:ln>
-          <a:extLst>
-            <a:ext uri="{C572A759-6A51-4108-AA02-DFA0A04FC94B}">
-              <ma14:wrappingTextBoxFlag xmlns:ma14="http://schemas.microsoft.com/office/mac/drawingml/2011/main" val="1"/>
-            </a:ext>
-          </a:extLst>
-        </p:spPr>
-        <p:txBody>
-          <a:bodyPr lIns="91424" tIns="91424" rIns="91424" bIns="91424">
-            <a:spAutoFit/>
-          </a:bodyPr>
-          <a:lstStyle>
-            <a:lvl1pPr>
-              <a:defRPr sz="1200">
-                <a:solidFill>
-                  <a:srgbClr val="FFFFFF"/>
-                </a:solidFill>
-                <a:latin typeface="Trebuchet MS"/>
-                <a:ea typeface="Trebuchet MS"/>
-                <a:cs typeface="Trebuchet MS"/>
-                <a:sym typeface="Trebuchet MS"/>
-              </a:defRPr>
-            </a:lvl1pPr>
-          </a:lstStyle>
-          <a:p>
-            <a:pPr/>
-            <a:r>
-              <a:t>Event-driven architecture pattern: the mediator topology as described by O’Reilly</a:t>
-            </a:r>
-          </a:p>
-        </p:txBody>
-      </p:sp>
     </p:spTree>
   </p:cSld>
   <p:clrMapOvr>
@@ -8686,7 +8491,7 @@
       </p:grpSpPr>
       <p:pic>
         <p:nvPicPr>
-          <p:cNvPr id="284" name="Google Shape;238;p31" descr="Google Shape;238;p31"/>
+          <p:cNvPr id="285" name="Google Shape;247;p32" descr="Google Shape;247;p32"/>
           <p:cNvPicPr>
             <a:picLocks noChangeAspect="1"/>
           </p:cNvPicPr>
@@ -8715,7 +8520,7 @@
       </p:pic>
       <p:sp>
         <p:nvSpPr>
-          <p:cNvPr id="285" name="Google Shape;239;p31"/>
+          <p:cNvPr id="286" name="Google Shape;248;p32"/>
           <p:cNvSpPr txBox="1"/>
           <p:nvPr>
             <p:ph type="title"/>
@@ -8723,8 +8528,8 @@
         </p:nvSpPr>
         <p:spPr>
           <a:xfrm>
-            <a:off x="311699" y="213767"/>
-            <a:ext cx="8520602" cy="572702"/>
+            <a:off x="311699" y="213766"/>
+            <a:ext cx="8520602" cy="572703"/>
           </a:xfrm>
           <a:prstGeom prst="rect">
             <a:avLst/>
@@ -8733,8 +8538,8 @@
         <p:txBody>
           <a:bodyPr/>
           <a:lstStyle>
-            <a:lvl1pPr algn="ctr" defTabSz="877823">
-              <a:defRPr b="1" sz="2592">
+            <a:lvl1pPr algn="ctr" defTabSz="877822">
+              <a:defRPr b="1" sz="2500">
                 <a:solidFill>
                   <a:schemeClr val="accent3"/>
                 </a:solidFill>
@@ -8751,7 +8556,7 @@
       </p:sp>
       <p:sp>
         <p:nvSpPr>
-          <p:cNvPr id="286" name="Google Shape;240;p31"/>
+          <p:cNvPr id="287" name="Google Shape;249;p32"/>
           <p:cNvSpPr txBox="1"/>
           <p:nvPr>
             <p:ph type="body" idx="1"/>
@@ -8759,8 +8564,8 @@
         </p:nvSpPr>
         <p:spPr>
           <a:xfrm>
-            <a:off x="411999" y="786475"/>
-            <a:ext cx="8238002" cy="4222501"/>
+            <a:off x="411999" y="786474"/>
+            <a:ext cx="8238002" cy="4222503"/>
           </a:xfrm>
           <a:prstGeom prst="rect">
             <a:avLst/>
@@ -8768,11 +8573,9 @@
         </p:spPr>
         <p:txBody>
           <a:bodyPr/>
-          <a:lstStyle>
-            <a:lvl1pPr marL="0" indent="0">
-              <a:spcBef>
-                <a:spcPts val="1600"/>
-              </a:spcBef>
+          <a:lstStyle/>
+          <a:p>
+            <a:pPr marL="0" indent="0">
               <a:buSzTx/>
               <a:buNone/>
               <a:defRPr sz="2400">
@@ -8780,67 +8583,54 @@
                   <a:schemeClr val="accent3"/>
                 </a:solidFill>
               </a:defRPr>
-            </a:lvl1pPr>
-          </a:lstStyle>
-          <a:p>
-            <a:pPr/>
-            <a:r>
-              <a:t>Broker Topology: </a:t>
-            </a:r>
-          </a:p>
-        </p:txBody>
-      </p:sp>
-      <p:sp>
-        <p:nvSpPr>
-          <p:cNvPr id="287" name="Google Shape;241;p31"/>
-          <p:cNvSpPr txBox="1"/>
-          <p:nvPr/>
-        </p:nvSpPr>
-        <p:spPr>
-          <a:xfrm>
-            <a:off x="1670325" y="4673699"/>
-            <a:ext cx="6325200" cy="360651"/>
-          </a:xfrm>
-          <a:prstGeom prst="rect">
-            <a:avLst/>
-          </a:prstGeom>
-          <a:ln w="12700">
-            <a:miter lim="400000"/>
-          </a:ln>
-          <a:extLst>
-            <a:ext uri="{C572A759-6A51-4108-AA02-DFA0A04FC94B}">
-              <ma14:wrappingTextBoxFlag xmlns:ma14="http://schemas.microsoft.com/office/mac/drawingml/2011/main" val="1"/>
-            </a:ext>
-          </a:extLst>
-        </p:spPr>
-        <p:txBody>
-          <a:bodyPr lIns="91424" tIns="91424" rIns="91424" bIns="91424">
-            <a:spAutoFit/>
-          </a:bodyPr>
-          <a:lstStyle>
-            <a:lvl1pPr>
-              <a:defRPr sz="1200">
+            </a:pPr>
+            <a:r>
+              <a:t>Micro-Services Architecture Pattern:</a:t>
+            </a:r>
+            <a:r>
+              <a:rPr>
                 <a:solidFill>
                   <a:srgbClr val="FFFFFF"/>
                 </a:solidFill>
-                <a:latin typeface="Trebuchet MS"/>
-                <a:ea typeface="Trebuchet MS"/>
-                <a:cs typeface="Trebuchet MS"/>
-                <a:sym typeface="Trebuchet MS"/>
-              </a:defRPr>
-            </a:lvl1pPr>
-          </a:lstStyle>
-          <a:p>
-            <a:pPr/>
-            <a:r>
-              <a:t>Event-driven architecture pattern: the mediator topology as described by O’Reilly</a:t>
+              </a:rPr>
+              <a:t> </a:t>
+            </a:r>
+            <a:endParaRPr>
+              <a:solidFill>
+                <a:srgbClr val="FFFFFF"/>
+              </a:solidFill>
+            </a:endParaRPr>
+          </a:p>
+          <a:p>
+            <a:pPr indent="-381000">
+              <a:buClr>
+                <a:schemeClr val="accent3"/>
+              </a:buClr>
+              <a:buSzPts val="2400"/>
+              <a:buChar char="❖"/>
+              <a:defRPr sz="2400">
+                <a:solidFill>
+                  <a:srgbClr val="FFFFFF"/>
+                </a:solidFill>
+              </a:defRPr>
+            </a:pPr>
+            <a:r>
+              <a:t>Used for systems that are made up of </a:t>
+            </a:r>
+            <a:r>
+              <a:rPr>
+                <a:solidFill>
+                  <a:schemeClr val="accent3"/>
+                </a:solidFill>
+              </a:rPr>
+              <a:t>decoupled, distributed service components</a:t>
             </a:r>
           </a:p>
         </p:txBody>
       </p:sp>
       <p:pic>
         <p:nvPicPr>
-          <p:cNvPr id="288" name="Google Shape;242;p31" descr="Google Shape;242;p31"/>
+          <p:cNvPr id="288" name="Google Shape;250;p32" descr="Google Shape;250;p32"/>
           <p:cNvPicPr>
             <a:picLocks noChangeAspect="1"/>
           </p:cNvPicPr>
@@ -8856,8 +8646,8 @@
         </p:blipFill>
         <p:spPr>
           <a:xfrm>
-            <a:off x="2133600" y="1304925"/>
-            <a:ext cx="4876800" cy="3295650"/>
+            <a:off x="1965824" y="2027638"/>
+            <a:ext cx="4876802" cy="2981327"/>
           </a:xfrm>
           <a:prstGeom prst="rect">
             <a:avLst/>
@@ -8867,210 +8657,16 @@
           </a:ln>
         </p:spPr>
       </p:pic>
-    </p:spTree>
-  </p:cSld>
-  <p:clrMapOvr>
-    <a:masterClrMapping/>
-  </p:clrMapOvr>
-  <p:transition xmlns:p14="http://schemas.microsoft.com/office/powerpoint/2010/main" spd="med" advClick="1"/>
-</p:sld>
-</file>
-
-<file path=ppt/slides/slide14.xml><?xml version="1.0" encoding="utf-8"?>
-<p:sld xmlns:a="http://schemas.openxmlformats.org/drawingml/2006/main" xmlns:r="http://schemas.openxmlformats.org/officeDocument/2006/relationships" xmlns:p="http://schemas.openxmlformats.org/presentationml/2006/main" xmlns:m="http://schemas.openxmlformats.org/officeDocument/2006/math" xmlns:a14="http://schemas.microsoft.com/office/drawing/2010/main" showMasterSp="1" showMasterPhAnim="1">
-  <p:cSld>
-    <p:spTree>
-      <p:nvGrpSpPr>
-        <p:cNvPr id="1" name=""/>
-        <p:cNvGrpSpPr/>
-        <p:nvPr/>
-      </p:nvGrpSpPr>
-      <p:grpSpPr>
-        <a:xfrm>
-          <a:off x="0" y="0"/>
-          <a:ext cx="0" cy="0"/>
-          <a:chOff x="0" y="0"/>
-          <a:chExt cx="0" cy="0"/>
-        </a:xfrm>
-      </p:grpSpPr>
-      <p:pic>
-        <p:nvPicPr>
-          <p:cNvPr id="292" name="Google Shape;247;p32" descr="Google Shape;247;p32"/>
-          <p:cNvPicPr>
-            <a:picLocks noChangeAspect="1"/>
-          </p:cNvPicPr>
-          <p:nvPr/>
-        </p:nvPicPr>
-        <p:blipFill>
-          <a:blip r:embed="rId3">
-            <a:extLst/>
-          </a:blip>
-          <a:stretch>
-            <a:fillRect/>
-          </a:stretch>
-        </p:blipFill>
-        <p:spPr>
-          <a:xfrm>
-            <a:off x="0" y="0"/>
-            <a:ext cx="9144000" cy="5143500"/>
-          </a:xfrm>
-          <a:prstGeom prst="rect">
-            <a:avLst/>
-          </a:prstGeom>
-          <a:ln w="12700">
-            <a:miter lim="400000"/>
-          </a:ln>
-        </p:spPr>
-      </p:pic>
       <p:sp>
         <p:nvSpPr>
-          <p:cNvPr id="293" name="Google Shape;248;p32"/>
-          <p:cNvSpPr txBox="1"/>
-          <p:nvPr>
-            <p:ph type="title"/>
-          </p:nvPr>
-        </p:nvSpPr>
-        <p:spPr>
-          <a:xfrm>
-            <a:off x="311699" y="213767"/>
-            <a:ext cx="8520602" cy="572702"/>
-          </a:xfrm>
-          <a:prstGeom prst="rect">
-            <a:avLst/>
-          </a:prstGeom>
-        </p:spPr>
-        <p:txBody>
-          <a:bodyPr/>
-          <a:lstStyle>
-            <a:lvl1pPr algn="ctr" defTabSz="877823">
-              <a:defRPr b="1" sz="2592">
-                <a:solidFill>
-                  <a:schemeClr val="accent3"/>
-                </a:solidFill>
-              </a:defRPr>
-            </a:lvl1pPr>
-          </a:lstStyle>
-          <a:p>
-            <a:pPr/>
-            <a:r>
-              <a:t>Software Architecture Patterns</a:t>
-            </a:r>
-          </a:p>
-        </p:txBody>
-      </p:sp>
-      <p:sp>
-        <p:nvSpPr>
-          <p:cNvPr id="294" name="Google Shape;249;p32"/>
-          <p:cNvSpPr txBox="1"/>
-          <p:nvPr>
-            <p:ph type="body" idx="1"/>
-          </p:nvPr>
-        </p:nvSpPr>
-        <p:spPr>
-          <a:xfrm>
-            <a:off x="411999" y="786475"/>
-            <a:ext cx="8238002" cy="4222501"/>
-          </a:xfrm>
-          <a:prstGeom prst="rect">
-            <a:avLst/>
-          </a:prstGeom>
-        </p:spPr>
-        <p:txBody>
-          <a:bodyPr/>
-          <a:lstStyle/>
-          <a:p>
-            <a:pPr marL="0" indent="0">
-              <a:buSzTx/>
-              <a:buNone/>
-              <a:defRPr sz="2400">
-                <a:solidFill>
-                  <a:schemeClr val="accent3"/>
-                </a:solidFill>
-              </a:defRPr>
-            </a:pPr>
-            <a:r>
-              <a:t>Micro-Services Architecture Pattern:</a:t>
-            </a:r>
-            <a:r>
-              <a:rPr>
-                <a:solidFill>
-                  <a:srgbClr val="FFFFFF"/>
-                </a:solidFill>
-              </a:rPr>
-              <a:t> </a:t>
-            </a:r>
-            <a:endParaRPr>
-              <a:solidFill>
-                <a:srgbClr val="FFFFFF"/>
-              </a:solidFill>
-            </a:endParaRPr>
-          </a:p>
-          <a:p>
-            <a:pPr indent="-381000">
-              <a:buClr>
-                <a:schemeClr val="accent3"/>
-              </a:buClr>
-              <a:buSzPts val="2400"/>
-              <a:buChar char="❖"/>
-              <a:defRPr sz="2400">
-                <a:solidFill>
-                  <a:srgbClr val="FFFFFF"/>
-                </a:solidFill>
-              </a:defRPr>
-            </a:pPr>
-            <a:r>
-              <a:t>Used for systems that are made up of </a:t>
-            </a:r>
-            <a:r>
-              <a:rPr>
-                <a:solidFill>
-                  <a:schemeClr val="accent3"/>
-                </a:solidFill>
-              </a:rPr>
-              <a:t>decoupled, distributed service components</a:t>
-            </a:r>
-          </a:p>
-        </p:txBody>
-      </p:sp>
-      <p:pic>
-        <p:nvPicPr>
-          <p:cNvPr id="295" name="Google Shape;250;p32" descr="Google Shape;250;p32"/>
-          <p:cNvPicPr>
-            <a:picLocks noChangeAspect="1"/>
-          </p:cNvPicPr>
-          <p:nvPr/>
-        </p:nvPicPr>
-        <p:blipFill>
-          <a:blip r:embed="rId4">
-            <a:extLst/>
-          </a:blip>
-          <a:stretch>
-            <a:fillRect/>
-          </a:stretch>
-        </p:blipFill>
-        <p:spPr>
-          <a:xfrm>
-            <a:off x="1965824" y="2027638"/>
-            <a:ext cx="4876801" cy="2981326"/>
-          </a:xfrm>
-          <a:prstGeom prst="rect">
-            <a:avLst/>
-          </a:prstGeom>
-          <a:ln w="12700">
-            <a:miter lim="400000"/>
-          </a:ln>
-        </p:spPr>
-      </p:pic>
-      <p:sp>
-        <p:nvSpPr>
-          <p:cNvPr id="296" name="Google Shape;251;p32"/>
+          <p:cNvPr id="289" name="Google Shape;251;p32"/>
           <p:cNvSpPr txBox="1"/>
           <p:nvPr/>
         </p:nvSpPr>
         <p:spPr>
           <a:xfrm rot="16200000">
-            <a:off x="4658624" y="2502225"/>
-            <a:ext cx="4886702" cy="309851"/>
+            <a:off x="4658622" y="2502226"/>
+            <a:ext cx="4886703" cy="309849"/>
           </a:xfrm>
           <a:prstGeom prst="rect">
             <a:avLst/>
@@ -9085,7 +8681,7 @@
           </a:extLst>
         </p:spPr>
         <p:txBody>
-          <a:bodyPr lIns="91424" tIns="91424" rIns="91424" bIns="91424">
+          <a:bodyPr lIns="91423" tIns="91423" rIns="91423" bIns="91423">
             <a:spAutoFit/>
           </a:bodyPr>
           <a:lstStyle>
@@ -9175,7 +8771,7 @@
         <p:spPr>
           <a:xfrm>
             <a:off x="727650" y="620400"/>
-            <a:ext cx="7688699" cy="535201"/>
+            <a:ext cx="7688699" cy="535202"/>
           </a:xfrm>
           <a:prstGeom prst="rect">
             <a:avLst/>
@@ -9185,7 +8781,7 @@
           <a:bodyPr/>
           <a:lstStyle>
             <a:lvl1pPr algn="ctr" defTabSz="676655">
-              <a:defRPr b="1" sz="2368">
+              <a:defRPr b="1" sz="2300">
                 <a:solidFill>
                   <a:schemeClr val="accent3"/>
                 </a:solidFill>
@@ -9211,7 +8807,7 @@
         <p:spPr>
           <a:xfrm>
             <a:off x="727649" y="1434525"/>
-            <a:ext cx="8035202" cy="3000601"/>
+            <a:ext cx="8035202" cy="3000602"/>
           </a:xfrm>
           <a:prstGeom prst="rect">
             <a:avLst/>
@@ -9292,7 +8888,7 @@
       </p:grpSpPr>
       <p:pic>
         <p:nvPicPr>
-          <p:cNvPr id="220" name="Google Shape;162;p21" descr="Google Shape;162;p21"/>
+          <p:cNvPr id="220" name="Google Shape;170;p22" descr="Google Shape;170;p22"/>
           <p:cNvPicPr>
             <a:picLocks noChangeAspect="1"/>
           </p:cNvPicPr>
@@ -9321,7 +8917,7 @@
       </p:pic>
       <p:sp>
         <p:nvSpPr>
-          <p:cNvPr id="221" name="Google Shape;163;p21"/>
+          <p:cNvPr id="221" name="Google Shape;171;p22"/>
           <p:cNvSpPr txBox="1"/>
           <p:nvPr>
             <p:ph type="title"/>
@@ -9329,8 +8925,8 @@
         </p:nvSpPr>
         <p:spPr>
           <a:xfrm>
-            <a:off x="311699" y="213767"/>
-            <a:ext cx="8520602" cy="572702"/>
+            <a:off x="311699" y="213766"/>
+            <a:ext cx="8520602" cy="572703"/>
           </a:xfrm>
           <a:prstGeom prst="rect">
             <a:avLst/>
@@ -9339,8 +8935,8 @@
         <p:txBody>
           <a:bodyPr/>
           <a:lstStyle>
-            <a:lvl1pPr algn="ctr" defTabSz="877823">
-              <a:defRPr b="1" sz="2592">
+            <a:lvl1pPr algn="ctr" defTabSz="877822">
+              <a:defRPr b="1" sz="2500">
                 <a:solidFill>
                   <a:schemeClr val="accent3"/>
                 </a:solidFill>
@@ -9350,14 +8946,14 @@
           <a:p>
             <a:pPr/>
             <a:r>
-              <a:t>Languages for Web Development</a:t>
+              <a:t>Frameworks for Web Development</a:t>
             </a:r>
           </a:p>
         </p:txBody>
       </p:sp>
       <p:sp>
         <p:nvSpPr>
-          <p:cNvPr id="222" name="Google Shape;164;p21"/>
+          <p:cNvPr id="222" name="Google Shape;172;p22"/>
           <p:cNvSpPr txBox="1"/>
           <p:nvPr>
             <p:ph type="body" idx="1"/>
@@ -9365,8 +8961,8 @@
         </p:nvSpPr>
         <p:spPr>
           <a:xfrm>
-            <a:off x="411999" y="748149"/>
-            <a:ext cx="8238002" cy="4202702"/>
+            <a:off x="411999" y="748148"/>
+            <a:ext cx="8238002" cy="3470404"/>
           </a:xfrm>
           <a:prstGeom prst="rect">
             <a:avLst/>
@@ -9377,9 +8973,6 @@
           <a:lstStyle/>
           <a:p>
             <a:pPr marL="0" indent="0">
-              <a:spcBef>
-                <a:spcPts val="1600"/>
-              </a:spcBef>
               <a:buSzTx/>
               <a:buNone/>
               <a:defRPr sz="2400">
@@ -9389,7 +8982,57 @@
               </a:defRPr>
             </a:pPr>
             <a:r>
-              <a:t>Languages ranked by </a:t>
+              <a:t>Opinionated and Un-opinionated Frameworks: </a:t>
+            </a:r>
+          </a:p>
+          <a:p>
+            <a:pPr indent="-381000">
+              <a:spcBef>
+                <a:spcPts val="1600"/>
+              </a:spcBef>
+              <a:buClr>
+                <a:schemeClr val="accent3"/>
+              </a:buClr>
+              <a:buSzPts val="2400"/>
+              <a:buChar char="❖"/>
+              <a:defRPr sz="2400">
+                <a:solidFill>
+                  <a:schemeClr val="accent3"/>
+                </a:solidFill>
+              </a:defRPr>
+            </a:pPr>
+            <a:r>
+              <a:t>Opinionated:</a:t>
+            </a:r>
+            <a:r>
+              <a:rPr>
+                <a:solidFill>
+                  <a:srgbClr val="FFFFFF"/>
+                </a:solidFill>
+              </a:rPr>
+              <a:t> those with opinions about the "right way" to handle any particular task</a:t>
+            </a:r>
+            <a:endParaRPr>
+              <a:solidFill>
+                <a:srgbClr val="FFFFFF"/>
+              </a:solidFill>
+            </a:endParaRPr>
+          </a:p>
+          <a:p>
+            <a:pPr lvl="1" marL="914400" indent="-381000">
+              <a:buClr>
+                <a:schemeClr val="accent3"/>
+              </a:buClr>
+              <a:buSzPts val="2400"/>
+              <a:buChar char="➢"/>
+              <a:defRPr sz="2400">
+                <a:solidFill>
+                  <a:srgbClr val="FFFFFF"/>
+                </a:solidFill>
+              </a:defRPr>
+            </a:pPr>
+            <a:r>
+              <a:t>Support </a:t>
             </a:r>
             <a:r>
               <a:rPr>
@@ -9397,43 +9040,72 @@
                   <a:schemeClr val="accent3"/>
                 </a:solidFill>
               </a:rPr>
-              <a:t>TIOBE Index</a:t>
-            </a:r>
-            <a:r>
-              <a:t>:</a:t>
+              <a:t>quick </a:t>
+            </a:r>
+            <a:r>
+              <a:t>development</a:t>
+            </a:r>
+          </a:p>
+          <a:p>
+            <a:pPr lvl="1" marL="914400" indent="-381000">
+              <a:buClr>
+                <a:schemeClr val="accent3"/>
+              </a:buClr>
+              <a:buSzPts val="2400"/>
+              <a:buChar char="➢"/>
+              <a:defRPr sz="2400">
+                <a:solidFill>
+                  <a:schemeClr val="accent3"/>
+                </a:solidFill>
+              </a:defRPr>
+            </a:pPr>
+            <a:r>
+              <a:t>Less flexible</a:t>
+            </a:r>
+            <a:r>
+              <a:rPr>
+                <a:solidFill>
+                  <a:srgbClr val="FFFFFF"/>
+                </a:solidFill>
+              </a:rPr>
+              <a:t> at solving problems outside their main domain</a:t>
+            </a:r>
+            <a:endParaRPr>
+              <a:solidFill>
+                <a:srgbClr val="FFFFFF"/>
+              </a:solidFill>
+            </a:endParaRPr>
+          </a:p>
+          <a:p>
+            <a:pPr lvl="1" marL="914400" indent="-381000">
+              <a:buClr>
+                <a:schemeClr val="accent3"/>
+              </a:buClr>
+              <a:buSzPts val="2400"/>
+              <a:buChar char="➢"/>
+              <a:defRPr sz="2400">
+                <a:solidFill>
+                  <a:srgbClr val="FFFFFF"/>
+                </a:solidFill>
+              </a:defRPr>
+            </a:pPr>
+            <a:r>
+              <a:t>Offer </a:t>
+            </a:r>
+            <a:r>
+              <a:rPr>
+                <a:solidFill>
+                  <a:schemeClr val="accent3"/>
+                </a:solidFill>
+              </a:rPr>
+              <a:t>fewer choices</a:t>
+            </a:r>
+            <a:r>
+              <a:t> regarding what components and approaches they can use</a:t>
             </a:r>
           </a:p>
         </p:txBody>
       </p:sp>
-      <p:pic>
-        <p:nvPicPr>
-          <p:cNvPr id="223" name="Google Shape;165;p21" descr="Google Shape;165;p21"/>
-          <p:cNvPicPr>
-            <a:picLocks noChangeAspect="1"/>
-          </p:cNvPicPr>
-          <p:nvPr/>
-        </p:nvPicPr>
-        <p:blipFill>
-          <a:blip r:embed="rId4">
-            <a:extLst/>
-          </a:blip>
-          <a:stretch>
-            <a:fillRect/>
-          </a:stretch>
-        </p:blipFill>
-        <p:spPr>
-          <a:xfrm>
-            <a:off x="1301225" y="1310349"/>
-            <a:ext cx="5597577" cy="3640501"/>
-          </a:xfrm>
-          <a:prstGeom prst="rect">
-            <a:avLst/>
-          </a:prstGeom>
-          <a:ln w="12700">
-            <a:miter lim="400000"/>
-          </a:ln>
-        </p:spPr>
-      </p:pic>
     </p:spTree>
   </p:cSld>
   <p:clrMapOvr>
@@ -9462,7 +9134,7 @@
       </p:grpSpPr>
       <p:pic>
         <p:nvPicPr>
-          <p:cNvPr id="227" name="Google Shape;170;p22" descr="Google Shape;170;p22"/>
+          <p:cNvPr id="226" name="Google Shape;177;p23" descr="Google Shape;177;p23"/>
           <p:cNvPicPr>
             <a:picLocks noChangeAspect="1"/>
           </p:cNvPicPr>
@@ -9491,7 +9163,7 @@
       </p:pic>
       <p:sp>
         <p:nvSpPr>
-          <p:cNvPr id="228" name="Google Shape;171;p22"/>
+          <p:cNvPr id="227" name="Google Shape;178;p23"/>
           <p:cNvSpPr txBox="1"/>
           <p:nvPr>
             <p:ph type="title"/>
@@ -9499,8 +9171,8 @@
         </p:nvSpPr>
         <p:spPr>
           <a:xfrm>
-            <a:off x="311699" y="213767"/>
-            <a:ext cx="8520602" cy="572702"/>
+            <a:off x="311699" y="213766"/>
+            <a:ext cx="8520602" cy="572703"/>
           </a:xfrm>
           <a:prstGeom prst="rect">
             <a:avLst/>
@@ -9509,8 +9181,8 @@
         <p:txBody>
           <a:bodyPr/>
           <a:lstStyle>
-            <a:lvl1pPr algn="ctr" defTabSz="877823">
-              <a:defRPr b="1" sz="2592">
+            <a:lvl1pPr algn="ctr" defTabSz="877822">
+              <a:defRPr b="1" sz="2500">
                 <a:solidFill>
                   <a:schemeClr val="accent3"/>
                 </a:solidFill>
@@ -9527,7 +9199,7 @@
       </p:sp>
       <p:sp>
         <p:nvSpPr>
-          <p:cNvPr id="229" name="Google Shape;172;p22"/>
+          <p:cNvPr id="228" name="Google Shape;179;p23"/>
           <p:cNvSpPr txBox="1"/>
           <p:nvPr>
             <p:ph type="body" idx="1"/>
@@ -9535,8 +9207,8 @@
         </p:nvSpPr>
         <p:spPr>
           <a:xfrm>
-            <a:off x="411999" y="748149"/>
-            <a:ext cx="8238002" cy="3470402"/>
+            <a:off x="411999" y="748148"/>
+            <a:ext cx="8238002" cy="3470404"/>
           </a:xfrm>
           <a:prstGeom prst="rect">
             <a:avLst/>
@@ -9546,24 +9218,7 @@
           <a:bodyPr/>
           <a:lstStyle/>
           <a:p>
-            <a:pPr marL="0" indent="0">
-              <a:buSzTx/>
-              <a:buNone/>
-              <a:defRPr sz="2400">
-                <a:solidFill>
-                  <a:srgbClr val="FFFFFF"/>
-                </a:solidFill>
-              </a:defRPr>
-            </a:pPr>
-            <a:r>
-              <a:t>Opinionated and Un-opinionated Frameworks: </a:t>
-            </a:r>
-          </a:p>
-          <a:p>
             <a:pPr indent="-381000">
-              <a:spcBef>
-                <a:spcPts val="1600"/>
-              </a:spcBef>
               <a:buClr>
                 <a:schemeClr val="accent3"/>
               </a:buClr>
@@ -9576,7 +9231,7 @@
               </a:defRPr>
             </a:pPr>
             <a:r>
-              <a:t>Opinionated:</a:t>
+              <a:t>Un-opinionated:</a:t>
             </a:r>
             <a:r>
               <a:rPr>
@@ -9584,7 +9239,18 @@
                   <a:srgbClr val="FFFFFF"/>
                 </a:solidFill>
               </a:rPr>
-              <a:t> those with opinions about the "right way" to handle any particular task</a:t>
+              <a:t> those with </a:t>
+            </a:r>
+            <a:r>
+              <a:t>fewer restrictions</a:t>
+            </a:r>
+            <a:r>
+              <a:rPr>
+                <a:solidFill>
+                  <a:srgbClr val="FFFFFF"/>
+                </a:solidFill>
+              </a:rPr>
+              <a:t> on the best way to combine components to achieve a goal</a:t>
             </a:r>
             <a:endParaRPr>
               <a:solidFill>
@@ -9606,7 +9272,7 @@
               </a:defRPr>
             </a:pPr>
             <a:r>
-              <a:t>Support </a:t>
+              <a:t>Allow developers to use the</a:t>
             </a:r>
             <a:r>
               <a:rPr>
@@ -9614,11 +9280,24 @@
                   <a:schemeClr val="accent3"/>
                 </a:solidFill>
               </a:rPr>
-              <a:t>quick </a:t>
-            </a:r>
-            <a:r>
-              <a:t>development</a:t>
-            </a:r>
+              <a:t> best tools</a:t>
+            </a:r>
+            <a:r>
+              <a:t> to complete a particular task, but need to</a:t>
+            </a:r>
+            <a:r>
+              <a:rPr>
+                <a:solidFill>
+                  <a:schemeClr val="accent3"/>
+                </a:solidFill>
+              </a:rPr>
+              <a:t> find them yourself</a:t>
+            </a:r>
+            <a:endParaRPr>
+              <a:solidFill>
+                <a:schemeClr val="accent3"/>
+              </a:solidFill>
+            </a:endParaRPr>
           </a:p>
           <a:p>
             <a:pPr lvl="1" marL="914400" indent="-381000">
@@ -9651,6 +9330,34 @@
             </a:endParaRPr>
           </a:p>
           <a:p>
+            <a:pPr indent="-381000">
+              <a:buClr>
+                <a:schemeClr val="accent3"/>
+              </a:buClr>
+              <a:buSzPts val="2400"/>
+              <a:buChar char="❖"/>
+              <a:defRPr sz="2400">
+                <a:solidFill>
+                  <a:srgbClr val="FFFFFF"/>
+                </a:solidFill>
+              </a:defRPr>
+            </a:pPr>
+            <a:r>
+              <a:t>Which </a:t>
+            </a:r>
+            <a:r>
+              <a:rPr>
+                <a:solidFill>
+                  <a:schemeClr val="accent3"/>
+                </a:solidFill>
+              </a:rPr>
+              <a:t>framework </a:t>
+            </a:r>
+            <a:r>
+              <a:t>to choose will depend on:</a:t>
+            </a:r>
+          </a:p>
+          <a:p>
             <a:pPr lvl="1" marL="914400" indent="-381000">
               <a:buClr>
                 <a:schemeClr val="accent3"/>
@@ -9664,7 +9371,7 @@
               </a:defRPr>
             </a:pPr>
             <a:r>
-              <a:t>Offer </a:t>
+              <a:t>The programming </a:t>
             </a:r>
             <a:r>
               <a:rPr>
@@ -9672,10 +9379,38 @@
                   <a:schemeClr val="accent3"/>
                 </a:solidFill>
               </a:rPr>
-              <a:t>fewer choices</a:t>
-            </a:r>
-            <a:r>
-              <a:t> regarding what components and approaches they can use</a:t>
+              <a:t>language </a:t>
+            </a:r>
+            <a:r>
+              <a:t>you are using</a:t>
+            </a:r>
+          </a:p>
+          <a:p>
+            <a:pPr lvl="1" marL="914400" indent="-381000">
+              <a:buClr>
+                <a:schemeClr val="accent3"/>
+              </a:buClr>
+              <a:buSzPts val="2400"/>
+              <a:buChar char="➢"/>
+              <a:defRPr sz="2400">
+                <a:solidFill>
+                  <a:srgbClr val="FFFFFF"/>
+                </a:solidFill>
+              </a:defRPr>
+            </a:pPr>
+            <a:r>
+              <a:t>The </a:t>
+            </a:r>
+            <a:r>
+              <a:rPr>
+                <a:solidFill>
+                  <a:schemeClr val="accent3"/>
+                </a:solidFill>
+              </a:rPr>
+              <a:t>popularity </a:t>
+            </a:r>
+            <a:r>
+              <a:t>of the framework </a:t>
             </a:r>
           </a:p>
         </p:txBody>
@@ -9708,7 +9443,7 @@
       </p:grpSpPr>
       <p:pic>
         <p:nvPicPr>
-          <p:cNvPr id="233" name="Google Shape;177;p23" descr="Google Shape;177;p23"/>
+          <p:cNvPr id="232" name="Google Shape;184;p24" descr="Google Shape;184;p24"/>
           <p:cNvPicPr>
             <a:picLocks noChangeAspect="1"/>
           </p:cNvPicPr>
@@ -9737,7 +9472,7 @@
       </p:pic>
       <p:sp>
         <p:nvSpPr>
-          <p:cNvPr id="234" name="Google Shape;178;p23"/>
+          <p:cNvPr id="233" name="Google Shape;185;p24"/>
           <p:cNvSpPr txBox="1"/>
           <p:nvPr>
             <p:ph type="title"/>
@@ -9745,8 +9480,8 @@
         </p:nvSpPr>
         <p:spPr>
           <a:xfrm>
-            <a:off x="311699" y="213767"/>
-            <a:ext cx="8520602" cy="572702"/>
+            <a:off x="311699" y="213766"/>
+            <a:ext cx="8520602" cy="572703"/>
           </a:xfrm>
           <a:prstGeom prst="rect">
             <a:avLst/>
@@ -9755,8 +9490,8 @@
         <p:txBody>
           <a:bodyPr/>
           <a:lstStyle>
-            <a:lvl1pPr algn="ctr" defTabSz="877823">
-              <a:defRPr b="1" sz="2592">
+            <a:lvl1pPr algn="ctr" defTabSz="877822">
+              <a:defRPr b="1" sz="2500">
                 <a:solidFill>
                   <a:schemeClr val="accent3"/>
                 </a:solidFill>
@@ -9766,14 +9501,14 @@
           <a:p>
             <a:pPr/>
             <a:r>
-              <a:t>Frameworks for Web Development</a:t>
+              <a:t>Web Development Stacks</a:t>
             </a:r>
           </a:p>
         </p:txBody>
       </p:sp>
       <p:sp>
         <p:nvSpPr>
-          <p:cNvPr id="235" name="Google Shape;179;p23"/>
+          <p:cNvPr id="234" name="Google Shape;186;p24"/>
           <p:cNvSpPr txBox="1"/>
           <p:nvPr>
             <p:ph type="body" idx="1"/>
@@ -9781,8 +9516,8 @@
         </p:nvSpPr>
         <p:spPr>
           <a:xfrm>
-            <a:off x="411999" y="748149"/>
-            <a:ext cx="8238002" cy="3470402"/>
+            <a:off x="411999" y="786474"/>
+            <a:ext cx="8238002" cy="4222503"/>
           </a:xfrm>
           <a:prstGeom prst="rect">
             <a:avLst/>
@@ -9791,6 +9526,66 @@
         <p:txBody>
           <a:bodyPr/>
           <a:lstStyle/>
+          <a:p>
+            <a:pPr marL="0" indent="0">
+              <a:buSzTx/>
+              <a:buNone/>
+              <a:defRPr sz="2400">
+                <a:solidFill>
+                  <a:schemeClr val="accent3"/>
+                </a:solidFill>
+              </a:defRPr>
+            </a:pPr>
+            <a:r>
+              <a:t>Stack: </a:t>
+            </a:r>
+            <a:r>
+              <a:rPr>
+                <a:solidFill>
+                  <a:srgbClr val="FFFFFF"/>
+                </a:solidFill>
+              </a:rPr>
+              <a:t>collection of technologies that are used together to create a web application</a:t>
+            </a:r>
+            <a:endParaRPr>
+              <a:solidFill>
+                <a:srgbClr val="FFFFFF"/>
+              </a:solidFill>
+            </a:endParaRPr>
+          </a:p>
+          <a:p>
+            <a:pPr indent="-381000">
+              <a:spcBef>
+                <a:spcPts val="1600"/>
+              </a:spcBef>
+              <a:buClr>
+                <a:schemeClr val="accent3"/>
+              </a:buClr>
+              <a:buSzPts val="2400"/>
+              <a:buChar char="❖"/>
+              <a:defRPr sz="2400">
+                <a:solidFill>
+                  <a:schemeClr val="accent3"/>
+                </a:solidFill>
+              </a:defRPr>
+            </a:pPr>
+            <a:r>
+              <a:t>The LAMP stack:</a:t>
+            </a:r>
+            <a:r>
+              <a:rPr>
+                <a:solidFill>
+                  <a:srgbClr val="FFFFFF"/>
+                </a:solidFill>
+              </a:rPr>
+              <a:t> ie. a stack of technologies used to create web applications. </a:t>
+            </a:r>
+            <a:endParaRPr>
+              <a:solidFill>
+                <a:srgbClr val="FFFFFF"/>
+              </a:solidFill>
+            </a:endParaRPr>
+          </a:p>
           <a:p>
             <a:pPr indent="-381000">
               <a:buClr>
@@ -9805,7 +9600,7 @@
               </a:defRPr>
             </a:pPr>
             <a:r>
-              <a:t>Un-opinionated:</a:t>
+              <a:t>The MEAN stack:</a:t>
             </a:r>
             <a:r>
               <a:rPr>
@@ -9813,89 +9608,7 @@
                   <a:srgbClr val="FFFFFF"/>
                 </a:solidFill>
               </a:rPr>
-              <a:t> those with </a:t>
-            </a:r>
-            <a:r>
-              <a:t>fewer restrictions</a:t>
-            </a:r>
-            <a:r>
-              <a:rPr>
-                <a:solidFill>
-                  <a:srgbClr val="FFFFFF"/>
-                </a:solidFill>
-              </a:rPr>
-              <a:t> on the best way to combine components to achieve a goal</a:t>
-            </a:r>
-            <a:endParaRPr>
-              <a:solidFill>
-                <a:srgbClr val="FFFFFF"/>
-              </a:solidFill>
-            </a:endParaRPr>
-          </a:p>
-          <a:p>
-            <a:pPr lvl="1" marL="914400" indent="-381000">
-              <a:buClr>
-                <a:schemeClr val="accent3"/>
-              </a:buClr>
-              <a:buSzPts val="2400"/>
-              <a:buChar char="➢"/>
-              <a:defRPr sz="2400">
-                <a:solidFill>
-                  <a:srgbClr val="FFFFFF"/>
-                </a:solidFill>
-              </a:defRPr>
-            </a:pPr>
-            <a:r>
-              <a:t>Allow developers to use the</a:t>
-            </a:r>
-            <a:r>
-              <a:rPr>
-                <a:solidFill>
-                  <a:schemeClr val="accent3"/>
-                </a:solidFill>
-              </a:rPr>
-              <a:t> best tools</a:t>
-            </a:r>
-            <a:r>
-              <a:t> to complete a particular task, but need to</a:t>
-            </a:r>
-            <a:r>
-              <a:rPr>
-                <a:solidFill>
-                  <a:schemeClr val="accent3"/>
-                </a:solidFill>
-              </a:rPr>
-              <a:t> find them yourself</a:t>
-            </a:r>
-            <a:endParaRPr>
-              <a:solidFill>
-                <a:schemeClr val="accent3"/>
-              </a:solidFill>
-            </a:endParaRPr>
-          </a:p>
-          <a:p>
-            <a:pPr lvl="1" marL="914400" indent="-381000">
-              <a:buClr>
-                <a:schemeClr val="accent3"/>
-              </a:buClr>
-              <a:buSzPts val="2400"/>
-              <a:buChar char="➢"/>
-              <a:defRPr sz="2400">
-                <a:solidFill>
-                  <a:schemeClr val="accent3"/>
-                </a:solidFill>
-              </a:defRPr>
-            </a:pPr>
-            <a:r>
-              <a:t>Less flexible</a:t>
-            </a:r>
-            <a:r>
-              <a:rPr>
-                <a:solidFill>
-                  <a:srgbClr val="FFFFFF"/>
-                </a:solidFill>
-              </a:rPr>
-              <a:t> at solving problems outside their main domain</a:t>
+              <a:t> MongoDB, Express, AngularJS, Node.js.</a:t>
             </a:r>
             <a:endParaRPr>
               <a:solidFill>
@@ -9912,79 +9625,31 @@
               <a:buChar char="❖"/>
               <a:defRPr sz="2400">
                 <a:solidFill>
-                  <a:srgbClr val="FFFFFF"/>
-                </a:solidFill>
-              </a:defRPr>
-            </a:pPr>
-            <a:r>
-              <a:t>Which </a:t>
-            </a:r>
-            <a:r>
-              <a:rPr>
-                <a:solidFill>
                   <a:schemeClr val="accent3"/>
                 </a:solidFill>
-              </a:rPr>
-              <a:t>framework </a:t>
-            </a:r>
-            <a:r>
-              <a:t>to choose will depend on:</a:t>
-            </a:r>
-          </a:p>
-          <a:p>
-            <a:pPr lvl="1" marL="914400" indent="-381000">
-              <a:buClr>
-                <a:schemeClr val="accent3"/>
-              </a:buClr>
-              <a:buSzPts val="2400"/>
-              <a:buChar char="➢"/>
-              <a:defRPr sz="2400">
+              </a:defRPr>
+            </a:pPr>
+            <a:r>
+              <a:t>The MERN stack: </a:t>
+            </a:r>
+            <a:r>
+              <a:rPr>
                 <a:solidFill>
                   <a:srgbClr val="FFFFFF"/>
                 </a:solidFill>
-              </a:defRPr>
-            </a:pPr>
-            <a:r>
-              <a:t>The programming </a:t>
+              </a:rPr>
+              <a:t>as React has become more popular, it is used in place of AngularJS in the MEAN stack. This has resulted in the MEAN stack being </a:t>
+            </a:r>
+            <a:r>
+              <a:t>replaced </a:t>
             </a:r>
             <a:r>
               <a:rPr>
-                <a:solidFill>
-                  <a:schemeClr val="accent3"/>
-                </a:solidFill>
-              </a:rPr>
-              <a:t>language </a:t>
-            </a:r>
-            <a:r>
-              <a:t>you are using</a:t>
-            </a:r>
-          </a:p>
-          <a:p>
-            <a:pPr lvl="1" marL="914400" indent="-381000">
-              <a:buClr>
-                <a:schemeClr val="accent3"/>
-              </a:buClr>
-              <a:buSzPts val="2400"/>
-              <a:buChar char="➢"/>
-              <a:defRPr sz="2400">
                 <a:solidFill>
                   <a:srgbClr val="FFFFFF"/>
                 </a:solidFill>
-              </a:defRPr>
-            </a:pPr>
-            <a:r>
-              <a:t>The </a:t>
-            </a:r>
-            <a:r>
-              <a:rPr>
-                <a:solidFill>
-                  <a:schemeClr val="accent3"/>
-                </a:solidFill>
               </a:rPr>
-              <a:t>popularity </a:t>
-            </a:r>
-            <a:r>
-              <a:t>of the framework </a:t>
+              <a:t>with the MERN stack. We will focus on this. </a:t>
             </a:r>
           </a:p>
         </p:txBody>
@@ -10017,7 +9682,7 @@
       </p:grpSpPr>
       <p:pic>
         <p:nvPicPr>
-          <p:cNvPr id="239" name="Google Shape;184;p24" descr="Google Shape;184;p24"/>
+          <p:cNvPr id="238" name="Google Shape;191;p25" descr="Google Shape;191;p25"/>
           <p:cNvPicPr>
             <a:picLocks noChangeAspect="1"/>
           </p:cNvPicPr>
@@ -10046,7 +9711,7 @@
       </p:pic>
       <p:sp>
         <p:nvSpPr>
-          <p:cNvPr id="240" name="Google Shape;185;p24"/>
+          <p:cNvPr id="239" name="Google Shape;192;p25"/>
           <p:cNvSpPr txBox="1"/>
           <p:nvPr>
             <p:ph type="title"/>
@@ -10054,8 +9719,8 @@
         </p:nvSpPr>
         <p:spPr>
           <a:xfrm>
-            <a:off x="311699" y="213767"/>
-            <a:ext cx="8520602" cy="572702"/>
+            <a:off x="311699" y="213766"/>
+            <a:ext cx="8520602" cy="572703"/>
           </a:xfrm>
           <a:prstGeom prst="rect">
             <a:avLst/>
@@ -10064,8 +9729,8 @@
         <p:txBody>
           <a:bodyPr/>
           <a:lstStyle>
-            <a:lvl1pPr algn="ctr" defTabSz="877823">
-              <a:defRPr b="1" sz="2592">
+            <a:lvl1pPr algn="ctr" defTabSz="877822">
+              <a:defRPr b="1" sz="2500">
                 <a:solidFill>
                   <a:schemeClr val="accent3"/>
                 </a:solidFill>
@@ -10075,14 +9740,14 @@
           <a:p>
             <a:pPr/>
             <a:r>
-              <a:t>Web Development Stacks</a:t>
+              <a:t>Software Architecture Patterns</a:t>
             </a:r>
           </a:p>
         </p:txBody>
       </p:sp>
       <p:sp>
         <p:nvSpPr>
-          <p:cNvPr id="241" name="Google Shape;186;p24"/>
+          <p:cNvPr id="240" name="Google Shape;193;p25"/>
           <p:cNvSpPr txBox="1"/>
           <p:nvPr>
             <p:ph type="body" idx="1"/>
@@ -10090,8 +9755,8 @@
         </p:nvSpPr>
         <p:spPr>
           <a:xfrm>
-            <a:off x="411999" y="786475"/>
-            <a:ext cx="8238002" cy="4222501"/>
+            <a:off x="411999" y="786474"/>
+            <a:ext cx="8238002" cy="4222503"/>
           </a:xfrm>
           <a:prstGeom prst="rect">
             <a:avLst/>
@@ -10111,21 +9776,8 @@
               </a:defRPr>
             </a:pPr>
             <a:r>
-              <a:t>Stack: </a:t>
-            </a:r>
-            <a:r>
-              <a:rPr>
-                <a:solidFill>
-                  <a:srgbClr val="FFFFFF"/>
-                </a:solidFill>
-              </a:rPr>
-              <a:t>collection of technologies that are used together to create a web application</a:t>
-            </a:r>
-            <a:endParaRPr>
-              <a:solidFill>
-                <a:srgbClr val="FFFFFF"/>
-              </a:solidFill>
-            </a:endParaRPr>
+              <a:t>Layered Architecture Pattern: </a:t>
+            </a:r>
           </a:p>
           <a:p>
             <a:pPr indent="-381000">
@@ -10139,24 +9791,24 @@
               <a:buChar char="❖"/>
               <a:defRPr sz="2400">
                 <a:solidFill>
+                  <a:srgbClr val="FFFFFF"/>
+                </a:solidFill>
+              </a:defRPr>
+            </a:pPr>
+            <a:r>
+              <a:t>Built using several </a:t>
+            </a:r>
+            <a:r>
+              <a:rPr>
+                <a:solidFill>
                   <a:schemeClr val="accent3"/>
                 </a:solidFill>
-              </a:defRPr>
-            </a:pPr>
-            <a:r>
-              <a:t>The LAMP stack:</a:t>
-            </a:r>
-            <a:r>
-              <a:rPr>
-                <a:solidFill>
-                  <a:srgbClr val="FFFFFF"/>
-                </a:solidFill>
               </a:rPr>
-              <a:t> ie. a stack of technologies used to create web applications. </a:t>
+              <a:t>layers</a:t>
             </a:r>
             <a:endParaRPr>
               <a:solidFill>
-                <a:srgbClr val="FFFFFF"/>
+                <a:schemeClr val="accent3"/>
               </a:solidFill>
             </a:endParaRPr>
           </a:p>
@@ -10174,7 +9826,7 @@
               </a:defRPr>
             </a:pPr>
             <a:r>
-              <a:t>The MEAN stack:</a:t>
+              <a:t>Does not specify</a:t>
             </a:r>
             <a:r>
               <a:rPr>
@@ -10182,7 +9834,7 @@
                   <a:srgbClr val="FFFFFF"/>
                 </a:solidFill>
               </a:rPr>
-              <a:t> MongoDB, Express, AngularJS, Node.js.</a:t>
+              <a:t> how many layers there will be or what each layer will do</a:t>
             </a:r>
             <a:endParaRPr>
               <a:solidFill>
@@ -10199,31 +9851,23 @@
               <a:buChar char="❖"/>
               <a:defRPr sz="2400">
                 <a:solidFill>
+                  <a:srgbClr val="FFFFFF"/>
+                </a:solidFill>
+              </a:defRPr>
+            </a:pPr>
+            <a:r>
+              <a:t>Each layer is </a:t>
+            </a:r>
+            <a:r>
+              <a:rPr>
+                <a:solidFill>
                   <a:schemeClr val="accent3"/>
                 </a:solidFill>
-              </a:defRPr>
-            </a:pPr>
-            <a:r>
-              <a:t>The MERN stack: </a:t>
-            </a:r>
-            <a:r>
-              <a:rPr>
-                <a:solidFill>
-                  <a:srgbClr val="FFFFFF"/>
-                </a:solidFill>
               </a:rPr>
-              <a:t>as React has become more popular, it is used in place of AngularJS in the MEAN stack. This has resulted in the MEAN stack being </a:t>
-            </a:r>
-            <a:r>
-              <a:t>replaced </a:t>
-            </a:r>
-            <a:r>
-              <a:rPr>
-                <a:solidFill>
-                  <a:srgbClr val="FFFFFF"/>
-                </a:solidFill>
-              </a:rPr>
-              <a:t>with the MERN stack. We will focus on this. </a:t>
+              <a:t>isolated </a:t>
+            </a:r>
+            <a:r>
+              <a:t>from the other layer in the sense that for the application to work as a whole, each layer does not need to know how the other layer works</a:t>
             </a:r>
           </a:p>
         </p:txBody>
@@ -10256,7 +9900,117 @@
       </p:grpSpPr>
       <p:pic>
         <p:nvPicPr>
-          <p:cNvPr id="245" name="Google Shape;191;p25" descr="Google Shape;191;p25"/>
+          <p:cNvPr id="244" name="Google Shape;198;p26" descr="Google Shape;198;p26"/>
+          <p:cNvPicPr>
+            <a:picLocks noChangeAspect="1"/>
+          </p:cNvPicPr>
+          <p:nvPr/>
+        </p:nvPicPr>
+        <p:blipFill>
+          <a:blip r:embed="rId2">
+            <a:extLst/>
+          </a:blip>
+          <a:stretch>
+            <a:fillRect/>
+          </a:stretch>
+        </p:blipFill>
+        <p:spPr>
+          <a:xfrm>
+            <a:off x="0" y="0"/>
+            <a:ext cx="9144000" cy="5143500"/>
+          </a:xfrm>
+          <a:prstGeom prst="rect">
+            <a:avLst/>
+          </a:prstGeom>
+          <a:ln w="12700">
+            <a:miter lim="400000"/>
+          </a:ln>
+        </p:spPr>
+      </p:pic>
+      <p:sp>
+        <p:nvSpPr>
+          <p:cNvPr id="245" name="Google Shape;199;p26"/>
+          <p:cNvSpPr txBox="1"/>
+          <p:nvPr>
+            <p:ph type="title"/>
+          </p:nvPr>
+        </p:nvSpPr>
+        <p:spPr>
+          <a:xfrm>
+            <a:off x="311699" y="213766"/>
+            <a:ext cx="8520602" cy="572703"/>
+          </a:xfrm>
+          <a:prstGeom prst="rect">
+            <a:avLst/>
+          </a:prstGeom>
+        </p:spPr>
+        <p:txBody>
+          <a:bodyPr/>
+          <a:lstStyle>
+            <a:lvl1pPr algn="ctr" defTabSz="877822">
+              <a:defRPr b="1" sz="2500">
+                <a:solidFill>
+                  <a:schemeClr val="accent3"/>
+                </a:solidFill>
+              </a:defRPr>
+            </a:lvl1pPr>
+          </a:lstStyle>
+          <a:p>
+            <a:pPr/>
+            <a:r>
+              <a:t>Software Architecture Patterns</a:t>
+            </a:r>
+          </a:p>
+        </p:txBody>
+      </p:sp>
+      <p:sp>
+        <p:nvSpPr>
+          <p:cNvPr id="246" name="Google Shape;200;p26"/>
+          <p:cNvSpPr txBox="1"/>
+          <p:nvPr>
+            <p:ph type="body" sz="quarter" idx="1"/>
+          </p:nvPr>
+        </p:nvSpPr>
+        <p:spPr>
+          <a:xfrm>
+            <a:off x="1694548" y="4513274"/>
+            <a:ext cx="5754904" cy="378302"/>
+          </a:xfrm>
+          <a:prstGeom prst="rect">
+            <a:avLst/>
+          </a:prstGeom>
+        </p:spPr>
+        <p:txBody>
+          <a:bodyPr/>
+          <a:lstStyle>
+            <a:lvl1pPr marL="0" indent="402336" defTabSz="804672">
+              <a:lnSpc>
+                <a:spcPct val="115000"/>
+              </a:lnSpc>
+              <a:buSzTx/>
+              <a:buNone/>
+              <a:defRPr sz="1200">
+                <a:solidFill>
+                  <a:srgbClr val="FFFFFF"/>
+                </a:solidFill>
+                <a:latin typeface="Montserrat"/>
+                <a:ea typeface="Montserrat"/>
+                <a:cs typeface="Montserrat"/>
+                <a:sym typeface="Montserrat"/>
+              </a:defRPr>
+            </a:lvl1pPr>
+          </a:lstStyle>
+          <a:p>
+            <a:pPr/>
+            <a:r>
+              <a:t>Layer architecture pattern as described by O’Reilly </a:t>
+            </a:r>
+          </a:p>
+        </p:txBody>
+      </p:sp>
+      <p:pic>
+        <p:nvPicPr>
+          <p:cNvPr id="247" name="Google Shape;201;p26" descr="Google Shape;201;p26"/>
           <p:cNvPicPr>
             <a:picLocks noChangeAspect="1"/>
           </p:cNvPicPr>
@@ -10272,8 +10026,8 @@
         </p:blipFill>
         <p:spPr>
           <a:xfrm>
-            <a:off x="0" y="0"/>
-            <a:ext cx="9144000" cy="5143500"/>
+            <a:off x="1900252" y="809625"/>
+            <a:ext cx="5355777" cy="3642375"/>
           </a:xfrm>
           <a:prstGeom prst="rect">
             <a:avLst/>
@@ -10283,169 +10037,6 @@
           </a:ln>
         </p:spPr>
       </p:pic>
-      <p:sp>
-        <p:nvSpPr>
-          <p:cNvPr id="246" name="Google Shape;192;p25"/>
-          <p:cNvSpPr txBox="1"/>
-          <p:nvPr>
-            <p:ph type="title"/>
-          </p:nvPr>
-        </p:nvSpPr>
-        <p:spPr>
-          <a:xfrm>
-            <a:off x="311699" y="213767"/>
-            <a:ext cx="8520602" cy="572702"/>
-          </a:xfrm>
-          <a:prstGeom prst="rect">
-            <a:avLst/>
-          </a:prstGeom>
-        </p:spPr>
-        <p:txBody>
-          <a:bodyPr/>
-          <a:lstStyle>
-            <a:lvl1pPr algn="ctr" defTabSz="877823">
-              <a:defRPr b="1" sz="2592">
-                <a:solidFill>
-                  <a:schemeClr val="accent3"/>
-                </a:solidFill>
-              </a:defRPr>
-            </a:lvl1pPr>
-          </a:lstStyle>
-          <a:p>
-            <a:pPr/>
-            <a:r>
-              <a:t>Software Architecture Patterns</a:t>
-            </a:r>
-          </a:p>
-        </p:txBody>
-      </p:sp>
-      <p:sp>
-        <p:nvSpPr>
-          <p:cNvPr id="247" name="Google Shape;193;p25"/>
-          <p:cNvSpPr txBox="1"/>
-          <p:nvPr>
-            <p:ph type="body" idx="1"/>
-          </p:nvPr>
-        </p:nvSpPr>
-        <p:spPr>
-          <a:xfrm>
-            <a:off x="411999" y="786475"/>
-            <a:ext cx="8238002" cy="4222501"/>
-          </a:xfrm>
-          <a:prstGeom prst="rect">
-            <a:avLst/>
-          </a:prstGeom>
-        </p:spPr>
-        <p:txBody>
-          <a:bodyPr/>
-          <a:lstStyle/>
-          <a:p>
-            <a:pPr marL="0" indent="0">
-              <a:buSzTx/>
-              <a:buNone/>
-              <a:defRPr sz="2400">
-                <a:solidFill>
-                  <a:schemeClr val="accent3"/>
-                </a:solidFill>
-              </a:defRPr>
-            </a:pPr>
-            <a:r>
-              <a:t>Layered Architecture Pattern: </a:t>
-            </a:r>
-          </a:p>
-          <a:p>
-            <a:pPr indent="-381000">
-              <a:spcBef>
-                <a:spcPts val="1600"/>
-              </a:spcBef>
-              <a:buClr>
-                <a:schemeClr val="accent3"/>
-              </a:buClr>
-              <a:buSzPts val="2400"/>
-              <a:buChar char="❖"/>
-              <a:defRPr sz="2400">
-                <a:solidFill>
-                  <a:srgbClr val="FFFFFF"/>
-                </a:solidFill>
-              </a:defRPr>
-            </a:pPr>
-            <a:r>
-              <a:t>Built using several </a:t>
-            </a:r>
-            <a:r>
-              <a:rPr>
-                <a:solidFill>
-                  <a:schemeClr val="accent3"/>
-                </a:solidFill>
-              </a:rPr>
-              <a:t>layers</a:t>
-            </a:r>
-            <a:endParaRPr>
-              <a:solidFill>
-                <a:schemeClr val="accent3"/>
-              </a:solidFill>
-            </a:endParaRPr>
-          </a:p>
-          <a:p>
-            <a:pPr indent="-381000">
-              <a:buClr>
-                <a:schemeClr val="accent3"/>
-              </a:buClr>
-              <a:buSzPts val="2400"/>
-              <a:buChar char="❖"/>
-              <a:defRPr sz="2400">
-                <a:solidFill>
-                  <a:schemeClr val="accent3"/>
-                </a:solidFill>
-              </a:defRPr>
-            </a:pPr>
-            <a:r>
-              <a:t>Does not specify</a:t>
-            </a:r>
-            <a:r>
-              <a:rPr>
-                <a:solidFill>
-                  <a:srgbClr val="FFFFFF"/>
-                </a:solidFill>
-              </a:rPr>
-              <a:t> how many layers there will be or what each layer will do</a:t>
-            </a:r>
-            <a:endParaRPr>
-              <a:solidFill>
-                <a:srgbClr val="FFFFFF"/>
-              </a:solidFill>
-            </a:endParaRPr>
-          </a:p>
-          <a:p>
-            <a:pPr indent="-381000">
-              <a:buClr>
-                <a:schemeClr val="accent3"/>
-              </a:buClr>
-              <a:buSzPts val="2400"/>
-              <a:buChar char="❖"/>
-              <a:defRPr sz="2400">
-                <a:solidFill>
-                  <a:srgbClr val="FFFFFF"/>
-                </a:solidFill>
-              </a:defRPr>
-            </a:pPr>
-            <a:r>
-              <a:t>Each layer is </a:t>
-            </a:r>
-            <a:r>
-              <a:rPr>
-                <a:solidFill>
-                  <a:schemeClr val="accent3"/>
-                </a:solidFill>
-              </a:rPr>
-              <a:t>isolated </a:t>
-            </a:r>
-            <a:r>
-              <a:t>from the other layer in the sense that for the application to work as a whole, each layer does not need to know how the other layer works</a:t>
-            </a:r>
-          </a:p>
-        </p:txBody>
-      </p:sp>
     </p:spTree>
   </p:cSld>
   <p:clrMapOvr>
@@ -10474,117 +10065,7 @@
       </p:grpSpPr>
       <p:pic>
         <p:nvPicPr>
-          <p:cNvPr id="251" name="Google Shape;198;p26" descr="Google Shape;198;p26"/>
-          <p:cNvPicPr>
-            <a:picLocks noChangeAspect="1"/>
-          </p:cNvPicPr>
-          <p:nvPr/>
-        </p:nvPicPr>
-        <p:blipFill>
-          <a:blip r:embed="rId2">
-            <a:extLst/>
-          </a:blip>
-          <a:stretch>
-            <a:fillRect/>
-          </a:stretch>
-        </p:blipFill>
-        <p:spPr>
-          <a:xfrm>
-            <a:off x="0" y="0"/>
-            <a:ext cx="9144000" cy="5143500"/>
-          </a:xfrm>
-          <a:prstGeom prst="rect">
-            <a:avLst/>
-          </a:prstGeom>
-          <a:ln w="12700">
-            <a:miter lim="400000"/>
-          </a:ln>
-        </p:spPr>
-      </p:pic>
-      <p:sp>
-        <p:nvSpPr>
-          <p:cNvPr id="252" name="Google Shape;199;p26"/>
-          <p:cNvSpPr txBox="1"/>
-          <p:nvPr>
-            <p:ph type="title"/>
-          </p:nvPr>
-        </p:nvSpPr>
-        <p:spPr>
-          <a:xfrm>
-            <a:off x="311699" y="213767"/>
-            <a:ext cx="8520602" cy="572702"/>
-          </a:xfrm>
-          <a:prstGeom prst="rect">
-            <a:avLst/>
-          </a:prstGeom>
-        </p:spPr>
-        <p:txBody>
-          <a:bodyPr/>
-          <a:lstStyle>
-            <a:lvl1pPr algn="ctr" defTabSz="877823">
-              <a:defRPr b="1" sz="2592">
-                <a:solidFill>
-                  <a:schemeClr val="accent3"/>
-                </a:solidFill>
-              </a:defRPr>
-            </a:lvl1pPr>
-          </a:lstStyle>
-          <a:p>
-            <a:pPr/>
-            <a:r>
-              <a:t>Software Architecture Patterns</a:t>
-            </a:r>
-          </a:p>
-        </p:txBody>
-      </p:sp>
-      <p:sp>
-        <p:nvSpPr>
-          <p:cNvPr id="253" name="Google Shape;200;p26"/>
-          <p:cNvSpPr txBox="1"/>
-          <p:nvPr>
-            <p:ph type="body" sz="quarter" idx="1"/>
-          </p:nvPr>
-        </p:nvSpPr>
-        <p:spPr>
-          <a:xfrm>
-            <a:off x="1694549" y="4513274"/>
-            <a:ext cx="5754902" cy="378301"/>
-          </a:xfrm>
-          <a:prstGeom prst="rect">
-            <a:avLst/>
-          </a:prstGeom>
-        </p:spPr>
-        <p:txBody>
-          <a:bodyPr/>
-          <a:lstStyle>
-            <a:lvl1pPr marL="0" indent="402336" defTabSz="804672">
-              <a:lnSpc>
-                <a:spcPct val="115000"/>
-              </a:lnSpc>
-              <a:buSzTx/>
-              <a:buNone/>
-              <a:defRPr sz="1232">
-                <a:solidFill>
-                  <a:srgbClr val="FFFFFF"/>
-                </a:solidFill>
-                <a:latin typeface="Montserrat"/>
-                <a:ea typeface="Montserrat"/>
-                <a:cs typeface="Montserrat"/>
-                <a:sym typeface="Montserrat"/>
-              </a:defRPr>
-            </a:lvl1pPr>
-          </a:lstStyle>
-          <a:p>
-            <a:pPr/>
-            <a:r>
-              <a:t>Layer architecture pattern as described by O’Reilly </a:t>
-            </a:r>
-          </a:p>
-        </p:txBody>
-      </p:sp>
-      <p:pic>
-        <p:nvPicPr>
-          <p:cNvPr id="254" name="Google Shape;201;p26" descr="Google Shape;201;p26"/>
+          <p:cNvPr id="249" name="Google Shape;206;p27" descr="Google Shape;206;p27"/>
           <p:cNvPicPr>
             <a:picLocks noChangeAspect="1"/>
           </p:cNvPicPr>
@@ -10600,8 +10081,8 @@
         </p:blipFill>
         <p:spPr>
           <a:xfrm>
-            <a:off x="1900252" y="809625"/>
-            <a:ext cx="5355776" cy="3642375"/>
+            <a:off x="0" y="0"/>
+            <a:ext cx="9144000" cy="5143500"/>
           </a:xfrm>
           <a:prstGeom prst="rect">
             <a:avLst/>
@@ -10611,6 +10092,269 @@
           </a:ln>
         </p:spPr>
       </p:pic>
+      <p:sp>
+        <p:nvSpPr>
+          <p:cNvPr id="250" name="Google Shape;207;p27"/>
+          <p:cNvSpPr txBox="1"/>
+          <p:nvPr>
+            <p:ph type="title"/>
+          </p:nvPr>
+        </p:nvSpPr>
+        <p:spPr>
+          <a:xfrm>
+            <a:off x="311699" y="213766"/>
+            <a:ext cx="8520602" cy="572703"/>
+          </a:xfrm>
+          <a:prstGeom prst="rect">
+            <a:avLst/>
+          </a:prstGeom>
+        </p:spPr>
+        <p:txBody>
+          <a:bodyPr/>
+          <a:lstStyle>
+            <a:lvl1pPr algn="ctr" defTabSz="877822">
+              <a:defRPr b="1" sz="2500">
+                <a:solidFill>
+                  <a:schemeClr val="accent3"/>
+                </a:solidFill>
+              </a:defRPr>
+            </a:lvl1pPr>
+          </a:lstStyle>
+          <a:p>
+            <a:pPr/>
+            <a:r>
+              <a:t>Software Architecture Patterns</a:t>
+            </a:r>
+          </a:p>
+        </p:txBody>
+      </p:sp>
+      <p:sp>
+        <p:nvSpPr>
+          <p:cNvPr id="251" name="Google Shape;208;p27"/>
+          <p:cNvSpPr txBox="1"/>
+          <p:nvPr>
+            <p:ph type="body" sz="half" idx="1"/>
+          </p:nvPr>
+        </p:nvSpPr>
+        <p:spPr>
+          <a:xfrm>
+            <a:off x="411998" y="786474"/>
+            <a:ext cx="3875702" cy="4222503"/>
+          </a:xfrm>
+          <a:prstGeom prst="rect">
+            <a:avLst/>
+          </a:prstGeom>
+        </p:spPr>
+        <p:txBody>
+          <a:bodyPr/>
+          <a:lstStyle/>
+          <a:p>
+            <a:pPr marL="0" indent="0">
+              <a:buSzTx/>
+              <a:buNone/>
+              <a:defRPr sz="2400">
+                <a:solidFill>
+                  <a:schemeClr val="accent3"/>
+                </a:solidFill>
+              </a:defRPr>
+            </a:pPr>
+            <a:r>
+              <a:t>MVC (model-view-controller) Architecture Pattern: </a:t>
+            </a:r>
+          </a:p>
+          <a:p>
+            <a:pPr indent="-381000">
+              <a:spcBef>
+                <a:spcPts val="1600"/>
+              </a:spcBef>
+              <a:buClr>
+                <a:schemeClr val="accent3"/>
+              </a:buClr>
+              <a:buSzPts val="2400"/>
+              <a:buChar char="❖"/>
+              <a:defRPr sz="2400">
+                <a:solidFill>
+                  <a:srgbClr val="FFFFFF"/>
+                </a:solidFill>
+              </a:defRPr>
+            </a:pPr>
+            <a:r>
+              <a:t>A </a:t>
+            </a:r>
+            <a:r>
+              <a:rPr>
+                <a:solidFill>
+                  <a:schemeClr val="accent3"/>
+                </a:solidFill>
+              </a:rPr>
+              <a:t>layered </a:t>
+            </a:r>
+            <a:r>
+              <a:t>architecture pattern </a:t>
+            </a:r>
+          </a:p>
+          <a:p>
+            <a:pPr indent="-381000">
+              <a:buClr>
+                <a:schemeClr val="accent3"/>
+              </a:buClr>
+              <a:buSzPts val="2400"/>
+              <a:buChar char="❖"/>
+              <a:defRPr sz="2400">
+                <a:solidFill>
+                  <a:srgbClr val="FFFFFF"/>
+                </a:solidFill>
+              </a:defRPr>
+            </a:pPr>
+            <a:r>
+              <a:t>3 layers:</a:t>
+            </a:r>
+          </a:p>
+          <a:p>
+            <a:pPr lvl="1" marL="914400" indent="-381000">
+              <a:buClr>
+                <a:schemeClr val="accent3"/>
+              </a:buClr>
+              <a:buSzPts val="2400"/>
+              <a:buChar char="➢"/>
+              <a:defRPr sz="2400">
+                <a:solidFill>
+                  <a:srgbClr val="FFFFFF"/>
+                </a:solidFill>
+              </a:defRPr>
+            </a:pPr>
+            <a:r>
+              <a:t>The view</a:t>
+            </a:r>
+          </a:p>
+          <a:p>
+            <a:pPr lvl="1" marL="914400" indent="-381000">
+              <a:buClr>
+                <a:schemeClr val="accent3"/>
+              </a:buClr>
+              <a:buSzPts val="2400"/>
+              <a:buChar char="➢"/>
+              <a:defRPr sz="2400">
+                <a:solidFill>
+                  <a:srgbClr val="FFFFFF"/>
+                </a:solidFill>
+              </a:defRPr>
+            </a:pPr>
+            <a:r>
+              <a:t>The model</a:t>
+            </a:r>
+          </a:p>
+          <a:p>
+            <a:pPr lvl="1" marL="914400" indent="-381000">
+              <a:buClr>
+                <a:schemeClr val="accent3"/>
+              </a:buClr>
+              <a:buSzPts val="2400"/>
+              <a:buChar char="➢"/>
+              <a:defRPr sz="2400">
+                <a:solidFill>
+                  <a:srgbClr val="FFFFFF"/>
+                </a:solidFill>
+              </a:defRPr>
+            </a:pPr>
+            <a:r>
+              <a:t>The controller </a:t>
+            </a:r>
+          </a:p>
+        </p:txBody>
+      </p:sp>
+      <p:pic>
+        <p:nvPicPr>
+          <p:cNvPr id="252" name="Google Shape;209;p27" descr="Google Shape;209;p27"/>
+          <p:cNvPicPr>
+            <a:picLocks noChangeAspect="1"/>
+          </p:cNvPicPr>
+          <p:nvPr/>
+        </p:nvPicPr>
+        <p:blipFill>
+          <a:blip r:embed="rId4">
+            <a:extLst/>
+          </a:blip>
+          <a:stretch>
+            <a:fillRect/>
+          </a:stretch>
+        </p:blipFill>
+        <p:spPr>
+          <a:xfrm>
+            <a:off x="4287699" y="1463328"/>
+            <a:ext cx="4544603" cy="2645098"/>
+          </a:xfrm>
+          <a:prstGeom prst="rect">
+            <a:avLst/>
+          </a:prstGeom>
+          <a:ln w="12700">
+            <a:miter lim="400000"/>
+          </a:ln>
+        </p:spPr>
+      </p:pic>
+      <p:sp>
+        <p:nvSpPr>
+          <p:cNvPr id="253" name="Google Shape;210;p27"/>
+          <p:cNvSpPr txBox="1"/>
+          <p:nvPr/>
+        </p:nvSpPr>
+        <p:spPr>
+          <a:xfrm>
+            <a:off x="3035675" y="4108424"/>
+            <a:ext cx="7130699" cy="360649"/>
+          </a:xfrm>
+          <a:prstGeom prst="rect">
+            <a:avLst/>
+          </a:prstGeom>
+          <a:ln w="12700">
+            <a:miter lim="400000"/>
+          </a:ln>
+          <a:extLst>
+            <a:ext uri="{C572A759-6A51-4108-AA02-DFA0A04FC94B}">
+              <ma14:wrappingTextBoxFlag xmlns:ma14="http://schemas.microsoft.com/office/mac/drawingml/2011/main" val="1"/>
+            </a:ext>
+          </a:extLst>
+        </p:spPr>
+        <p:txBody>
+          <a:bodyPr lIns="91423" tIns="91423" rIns="91423" bIns="91423">
+            <a:spAutoFit/>
+          </a:bodyPr>
+          <a:lstStyle/>
+          <a:p>
+            <a:pPr algn="ctr">
+              <a:lnSpc>
+                <a:spcPct val="115000"/>
+              </a:lnSpc>
+              <a:defRPr sz="1200">
+                <a:solidFill>
+                  <a:srgbClr val="FFFFFF"/>
+                </a:solidFill>
+                <a:latin typeface="Trebuchet MS"/>
+                <a:ea typeface="Trebuchet MS"/>
+                <a:cs typeface="Trebuchet MS"/>
+                <a:sym typeface="Trebuchet MS"/>
+              </a:defRPr>
+            </a:pPr>
+            <a:r>
+              <a:t>Image source: </a:t>
+            </a:r>
+            <a:r>
+              <a:rPr u="sng">
+                <a:solidFill>
+                  <a:srgbClr val="0000FF"/>
+                </a:solidFill>
+                <a:uFill>
+                  <a:solidFill>
+                    <a:srgbClr val="0000FF"/>
+                  </a:solidFill>
+                </a:uFill>
+                <a:hlinkClick r:id="rId5" invalidUrl="" action="" tgtFrame="" tooltip="" history="1" highlightClick="0" endSnd="0"/>
+              </a:rPr>
+              <a:t>https://developer.chrome.com/apps/app_frameworks</a:t>
+            </a:r>
+          </a:p>
+        </p:txBody>
+      </p:sp>
     </p:spTree>
   </p:cSld>
   <p:clrMapOvr>
@@ -10639,7 +10383,7 @@
       </p:grpSpPr>
       <p:pic>
         <p:nvPicPr>
-          <p:cNvPr id="256" name="Google Shape;206;p27" descr="Google Shape;206;p27"/>
+          <p:cNvPr id="257" name="Google Shape;215;p28" descr="Google Shape;215;p28"/>
           <p:cNvPicPr>
             <a:picLocks noChangeAspect="1"/>
           </p:cNvPicPr>
@@ -10668,7 +10412,7 @@
       </p:pic>
       <p:sp>
         <p:nvSpPr>
-          <p:cNvPr id="257" name="Google Shape;207;p27"/>
+          <p:cNvPr id="258" name="Google Shape;216;p28"/>
           <p:cNvSpPr txBox="1"/>
           <p:nvPr>
             <p:ph type="title"/>
@@ -10676,8 +10420,8 @@
         </p:nvSpPr>
         <p:spPr>
           <a:xfrm>
-            <a:off x="311699" y="213767"/>
-            <a:ext cx="8520602" cy="572702"/>
+            <a:off x="311699" y="213766"/>
+            <a:ext cx="8520602" cy="572703"/>
           </a:xfrm>
           <a:prstGeom prst="rect">
             <a:avLst/>
@@ -10686,8 +10430,8 @@
         <p:txBody>
           <a:bodyPr/>
           <a:lstStyle>
-            <a:lvl1pPr algn="ctr" defTabSz="877823">
-              <a:defRPr b="1" sz="2592">
+            <a:lvl1pPr algn="ctr" defTabSz="877822">
+              <a:defRPr b="1" sz="2500">
                 <a:solidFill>
                   <a:schemeClr val="accent3"/>
                 </a:solidFill>
@@ -10704,16 +10448,16 @@
       </p:sp>
       <p:sp>
         <p:nvSpPr>
-          <p:cNvPr id="258" name="Google Shape;208;p27"/>
+          <p:cNvPr id="259" name="Google Shape;217;p28"/>
           <p:cNvSpPr txBox="1"/>
           <p:nvPr>
-            <p:ph type="body" sz="half" idx="1"/>
+            <p:ph type="body" idx="1"/>
           </p:nvPr>
         </p:nvSpPr>
         <p:spPr>
           <a:xfrm>
-            <a:off x="411999" y="786475"/>
-            <a:ext cx="3875701" cy="4222501"/>
+            <a:off x="411999" y="786474"/>
+            <a:ext cx="8238002" cy="4222503"/>
           </a:xfrm>
           <a:prstGeom prst="rect">
             <a:avLst/>
@@ -10733,7 +10477,7 @@
               </a:defRPr>
             </a:pPr>
             <a:r>
-              <a:t>MVC (model-view-controller) Architecture Pattern: </a:t>
+              <a:t>Django’s MVT Implementation: </a:t>
             </a:r>
           </a:p>
           <a:p>
@@ -10753,7 +10497,7 @@
               </a:defRPr>
             </a:pPr>
             <a:r>
-              <a:t>A </a:t>
+              <a:t>The MVC pattern has formed the </a:t>
             </a:r>
             <a:r>
               <a:rPr>
@@ -10761,27 +10505,10 @@
                   <a:schemeClr val="accent3"/>
                 </a:solidFill>
               </a:rPr>
-              <a:t>layered </a:t>
-            </a:r>
-            <a:r>
-              <a:t>architecture pattern </a:t>
-            </a:r>
-          </a:p>
-          <a:p>
-            <a:pPr indent="-381000">
-              <a:buClr>
-                <a:schemeClr val="accent3"/>
-              </a:buClr>
-              <a:buSzPts val="2400"/>
-              <a:buChar char="❖"/>
-              <a:defRPr sz="2400">
-                <a:solidFill>
-                  <a:srgbClr val="FFFFFF"/>
-                </a:solidFill>
-              </a:defRPr>
-            </a:pPr>
-            <a:r>
-              <a:t>3 layers:</a:t>
+              <a:t>basis </a:t>
+            </a:r>
+            <a:r>
+              <a:t>of many other patterns. The components are implemented in Django: </a:t>
             </a:r>
           </a:p>
           <a:p>
@@ -10798,7 +10525,7 @@
               </a:defRPr>
             </a:pPr>
             <a:r>
-              <a:t>The view</a:t>
+              <a:t>View</a:t>
             </a:r>
           </a:p>
           <a:p>
@@ -10815,7 +10542,7 @@
               </a:defRPr>
             </a:pPr>
             <a:r>
-              <a:t>The model</a:t>
+              <a:t>Template</a:t>
             </a:r>
           </a:p>
           <a:p>
@@ -10832,99 +10559,7 @@
               </a:defRPr>
             </a:pPr>
             <a:r>
-              <a:t>The controller </a:t>
-            </a:r>
-          </a:p>
-        </p:txBody>
-      </p:sp>
-      <p:pic>
-        <p:nvPicPr>
-          <p:cNvPr id="259" name="Google Shape;209;p27" descr="Google Shape;209;p27"/>
-          <p:cNvPicPr>
-            <a:picLocks noChangeAspect="1"/>
-          </p:cNvPicPr>
-          <p:nvPr/>
-        </p:nvPicPr>
-        <p:blipFill>
-          <a:blip r:embed="rId4">
-            <a:extLst/>
-          </a:blip>
-          <a:stretch>
-            <a:fillRect/>
-          </a:stretch>
-        </p:blipFill>
-        <p:spPr>
-          <a:xfrm>
-            <a:off x="4287699" y="1463328"/>
-            <a:ext cx="4544602" cy="2645097"/>
-          </a:xfrm>
-          <a:prstGeom prst="rect">
-            <a:avLst/>
-          </a:prstGeom>
-          <a:ln w="12700">
-            <a:miter lim="400000"/>
-          </a:ln>
-        </p:spPr>
-      </p:pic>
-      <p:sp>
-        <p:nvSpPr>
-          <p:cNvPr id="260" name="Google Shape;210;p27"/>
-          <p:cNvSpPr txBox="1"/>
-          <p:nvPr/>
-        </p:nvSpPr>
-        <p:spPr>
-          <a:xfrm>
-            <a:off x="3035675" y="4108424"/>
-            <a:ext cx="7130699" cy="360651"/>
-          </a:xfrm>
-          <a:prstGeom prst="rect">
-            <a:avLst/>
-          </a:prstGeom>
-          <a:ln w="12700">
-            <a:miter lim="400000"/>
-          </a:ln>
-          <a:extLst>
-            <a:ext uri="{C572A759-6A51-4108-AA02-DFA0A04FC94B}">
-              <ma14:wrappingTextBoxFlag xmlns:ma14="http://schemas.microsoft.com/office/mac/drawingml/2011/main" val="1"/>
-            </a:ext>
-          </a:extLst>
-        </p:spPr>
-        <p:txBody>
-          <a:bodyPr lIns="91424" tIns="91424" rIns="91424" bIns="91424">
-            <a:spAutoFit/>
-          </a:bodyPr>
-          <a:lstStyle/>
-          <a:p>
-            <a:pPr algn="ctr">
-              <a:lnSpc>
-                <a:spcPct val="115000"/>
-              </a:lnSpc>
-              <a:defRPr sz="1200">
-                <a:solidFill>
-                  <a:srgbClr val="FFFFFF"/>
-                </a:solidFill>
-                <a:latin typeface="Trebuchet MS"/>
-                <a:ea typeface="Trebuchet MS"/>
-                <a:cs typeface="Trebuchet MS"/>
-                <a:sym typeface="Trebuchet MS"/>
-              </a:defRPr>
-            </a:pPr>
-            <a:r>
-              <a:t>Image source: </a:t>
-            </a:r>
-            <a:r>
-              <a:rPr u="sng">
-                <a:solidFill>
-                  <a:srgbClr val="99CA3C"/>
-                </a:solidFill>
-                <a:uFill>
-                  <a:solidFill>
-                    <a:srgbClr val="99CA3C"/>
-                  </a:solidFill>
-                </a:uFill>
-                <a:hlinkClick r:id="rId5" invalidUrl="" action="" tgtFrame="" tooltip="" history="1" highlightClick="0" endSnd="0"/>
-              </a:rPr>
-              <a:t>https://developer.chrome.com/apps/app_frameworks</a:t>
+              <a:t>Model</a:t>
             </a:r>
           </a:p>
         </p:txBody>
@@ -10981,14 +10616,14 @@
     </a:clrScheme>
     <a:fontScheme name="Facet">
       <a:majorFont>
+        <a:latin typeface="Arial"/>
+        <a:ea typeface="Arial"/>
+        <a:cs typeface="Arial"/>
+      </a:majorFont>
+      <a:minorFont>
         <a:latin typeface="Helvetica"/>
         <a:ea typeface="Helvetica"/>
         <a:cs typeface="Helvetica"/>
-      </a:majorFont>
-      <a:minorFont>
-        <a:latin typeface="Arial"/>
-        <a:ea typeface="Arial"/>
-        <a:cs typeface="Arial"/>
       </a:minorFont>
     </a:fontScheme>
     <a:fmtScheme name="Facet">
@@ -11070,13 +10705,7 @@
           <a:effectLst/>
         </a:effectStyle>
         <a:effectStyle>
-          <a:effectLst>
-            <a:outerShdw sx="100000" sy="100000" kx="0" ky="0" algn="b" rotWithShape="0" blurRad="38100" dist="20000" dir="5400000">
-              <a:srgbClr val="000000">
-                <a:alpha val="38000"/>
-              </a:srgbClr>
-            </a:outerShdw>
-          </a:effectLst>
+          <a:effectLst/>
         </a:effectStyle>
       </a:effectStyleLst>
       <a:bgFillStyleLst>
@@ -11175,9 +10804,9 @@
             </a:solidFill>
             <a:effectLst/>
             <a:uFillTx/>
-            <a:latin typeface="+mn-lt"/>
-            <a:ea typeface="+mn-ea"/>
-            <a:cs typeface="+mn-cs"/>
+            <a:latin typeface="+mj-lt"/>
+            <a:ea typeface="+mj-ea"/>
+            <a:cs typeface="+mj-cs"/>
             <a:sym typeface="Arial"/>
           </a:defRPr>
         </a:defPPr>
@@ -11433,13 +11062,7 @@
           <a:prstDash val="solid"/>
           <a:round/>
         </a:ln>
-        <a:effectLst>
-          <a:outerShdw sx="100000" sy="100000" kx="0" ky="0" algn="b" rotWithShape="0" blurRad="38100" dist="20000" dir="5400000">
-            <a:srgbClr val="000000">
-              <a:alpha val="38000"/>
-            </a:srgbClr>
-          </a:outerShdw>
-        </a:effectLst>
+        <a:effectLst/>
         <a:sp3d/>
       </a:spPr>
       <a:bodyPr rot="0" spcFirstLastPara="1" vertOverflow="overflow" horzOverflow="overflow" vert="horz" wrap="square" lIns="91439" tIns="45719" rIns="91439" bIns="45719" numCol="1" spcCol="38100" rtlCol="0" anchor="t" upright="0">
@@ -11752,9 +11375,9 @@
             </a:solidFill>
             <a:effectLst/>
             <a:uFillTx/>
-            <a:latin typeface="+mn-lt"/>
-            <a:ea typeface="+mn-ea"/>
-            <a:cs typeface="+mn-cs"/>
+            <a:latin typeface="+mj-lt"/>
+            <a:ea typeface="+mj-ea"/>
+            <a:cs typeface="+mj-cs"/>
             <a:sym typeface="Arial"/>
           </a:defRPr>
         </a:defPPr>
@@ -12047,14 +11670,14 @@
     </a:clrScheme>
     <a:fontScheme name="Facet">
       <a:majorFont>
+        <a:latin typeface="Arial"/>
+        <a:ea typeface="Arial"/>
+        <a:cs typeface="Arial"/>
+      </a:majorFont>
+      <a:minorFont>
         <a:latin typeface="Helvetica"/>
         <a:ea typeface="Helvetica"/>
         <a:cs typeface="Helvetica"/>
-      </a:majorFont>
-      <a:minorFont>
-        <a:latin typeface="Arial"/>
-        <a:ea typeface="Arial"/>
-        <a:cs typeface="Arial"/>
       </a:minorFont>
     </a:fontScheme>
     <a:fmtScheme name="Facet">
@@ -12136,13 +11759,7 @@
           <a:effectLst/>
         </a:effectStyle>
         <a:effectStyle>
-          <a:effectLst>
-            <a:outerShdw sx="100000" sy="100000" kx="0" ky="0" algn="b" rotWithShape="0" blurRad="38100" dist="20000" dir="5400000">
-              <a:srgbClr val="000000">
-                <a:alpha val="38000"/>
-              </a:srgbClr>
-            </a:outerShdw>
-          </a:effectLst>
+          <a:effectLst/>
         </a:effectStyle>
       </a:effectStyleLst>
       <a:bgFillStyleLst>
@@ -12241,9 +11858,9 @@
             </a:solidFill>
             <a:effectLst/>
             <a:uFillTx/>
-            <a:latin typeface="+mn-lt"/>
-            <a:ea typeface="+mn-ea"/>
-            <a:cs typeface="+mn-cs"/>
+            <a:latin typeface="+mj-lt"/>
+            <a:ea typeface="+mj-ea"/>
+            <a:cs typeface="+mj-cs"/>
             <a:sym typeface="Arial"/>
           </a:defRPr>
         </a:defPPr>
@@ -12499,13 +12116,7 @@
           <a:prstDash val="solid"/>
           <a:round/>
         </a:ln>
-        <a:effectLst>
-          <a:outerShdw sx="100000" sy="100000" kx="0" ky="0" algn="b" rotWithShape="0" blurRad="38100" dist="20000" dir="5400000">
-            <a:srgbClr val="000000">
-              <a:alpha val="38000"/>
-            </a:srgbClr>
-          </a:outerShdw>
-        </a:effectLst>
+        <a:effectLst/>
         <a:sp3d/>
       </a:spPr>
       <a:bodyPr rot="0" spcFirstLastPara="1" vertOverflow="overflow" horzOverflow="overflow" vert="horz" wrap="square" lIns="91439" tIns="45719" rIns="91439" bIns="45719" numCol="1" spcCol="38100" rtlCol="0" anchor="t" upright="0">
@@ -12818,9 +12429,9 @@
             </a:solidFill>
             <a:effectLst/>
             <a:uFillTx/>
-            <a:latin typeface="+mn-lt"/>
-            <a:ea typeface="+mn-ea"/>
-            <a:cs typeface="+mn-cs"/>
+            <a:latin typeface="+mj-lt"/>
+            <a:ea typeface="+mj-ea"/>
+            <a:cs typeface="+mj-cs"/>
             <a:sym typeface="Arial"/>
           </a:defRPr>
         </a:defPPr>
